--- a/USER CASE DIAGRAM.pptx
+++ b/USER CASE DIAGRAM.pptx
@@ -5,9 +5,12 @@
     <p:sldMasterId id="2147483648" r:id="rId1"/>
   </p:sldMasterIdLst>
   <p:sldIdLst>
-    <p:sldId id="256" r:id="rId2"/>
-    <p:sldId id="257" r:id="rId3"/>
-    <p:sldId id="258" r:id="rId4"/>
+    <p:sldId id="259" r:id="rId2"/>
+    <p:sldId id="256" r:id="rId3"/>
+    <p:sldId id="257" r:id="rId4"/>
+    <p:sldId id="258" r:id="rId5"/>
+    <p:sldId id="260" r:id="rId6"/>
+    <p:sldId id="261" r:id="rId7"/>
   </p:sldIdLst>
   <p:sldSz cx="9144000" cy="6858000" type="screen4x3"/>
   <p:notesSz cx="6858000" cy="9144000"/>
@@ -291,7 +294,7 @@
             <a:fld id="{6F53D61A-71F2-4639-BAA0-83085BED61C5}" type="datetimeFigureOut">
               <a:rPr lang="ko-KR" altLang="en-US" smtClean="0"/>
               <a:pPr/>
-              <a:t>2019-11-18</a:t>
+              <a:t>2019-11-28</a:t>
             </a:fld>
             <a:endParaRPr lang="ko-KR" altLang="en-US"/>
           </a:p>
@@ -458,7 +461,7 @@
             <a:fld id="{6F53D61A-71F2-4639-BAA0-83085BED61C5}" type="datetimeFigureOut">
               <a:rPr lang="ko-KR" altLang="en-US" smtClean="0"/>
               <a:pPr/>
-              <a:t>2019-11-18</a:t>
+              <a:t>2019-11-28</a:t>
             </a:fld>
             <a:endParaRPr lang="ko-KR" altLang="en-US"/>
           </a:p>
@@ -635,7 +638,7 @@
             <a:fld id="{6F53D61A-71F2-4639-BAA0-83085BED61C5}" type="datetimeFigureOut">
               <a:rPr lang="ko-KR" altLang="en-US" smtClean="0"/>
               <a:pPr/>
-              <a:t>2019-11-18</a:t>
+              <a:t>2019-11-28</a:t>
             </a:fld>
             <a:endParaRPr lang="ko-KR" altLang="en-US"/>
           </a:p>
@@ -802,7 +805,7 @@
             <a:fld id="{6F53D61A-71F2-4639-BAA0-83085BED61C5}" type="datetimeFigureOut">
               <a:rPr lang="ko-KR" altLang="en-US" smtClean="0"/>
               <a:pPr/>
-              <a:t>2019-11-18</a:t>
+              <a:t>2019-11-28</a:t>
             </a:fld>
             <a:endParaRPr lang="ko-KR" altLang="en-US"/>
           </a:p>
@@ -1045,7 +1048,7 @@
             <a:fld id="{6F53D61A-71F2-4639-BAA0-83085BED61C5}" type="datetimeFigureOut">
               <a:rPr lang="ko-KR" altLang="en-US" smtClean="0"/>
               <a:pPr/>
-              <a:t>2019-11-18</a:t>
+              <a:t>2019-11-28</a:t>
             </a:fld>
             <a:endParaRPr lang="ko-KR" altLang="en-US"/>
           </a:p>
@@ -1330,7 +1333,7 @@
             <a:fld id="{6F53D61A-71F2-4639-BAA0-83085BED61C5}" type="datetimeFigureOut">
               <a:rPr lang="ko-KR" altLang="en-US" smtClean="0"/>
               <a:pPr/>
-              <a:t>2019-11-18</a:t>
+              <a:t>2019-11-28</a:t>
             </a:fld>
             <a:endParaRPr lang="ko-KR" altLang="en-US"/>
           </a:p>
@@ -1749,7 +1752,7 @@
             <a:fld id="{6F53D61A-71F2-4639-BAA0-83085BED61C5}" type="datetimeFigureOut">
               <a:rPr lang="ko-KR" altLang="en-US" smtClean="0"/>
               <a:pPr/>
-              <a:t>2019-11-18</a:t>
+              <a:t>2019-11-28</a:t>
             </a:fld>
             <a:endParaRPr lang="ko-KR" altLang="en-US"/>
           </a:p>
@@ -1864,7 +1867,7 @@
             <a:fld id="{6F53D61A-71F2-4639-BAA0-83085BED61C5}" type="datetimeFigureOut">
               <a:rPr lang="ko-KR" altLang="en-US" smtClean="0"/>
               <a:pPr/>
-              <a:t>2019-11-18</a:t>
+              <a:t>2019-11-28</a:t>
             </a:fld>
             <a:endParaRPr lang="ko-KR" altLang="en-US"/>
           </a:p>
@@ -1956,7 +1959,7 @@
             <a:fld id="{6F53D61A-71F2-4639-BAA0-83085BED61C5}" type="datetimeFigureOut">
               <a:rPr lang="ko-KR" altLang="en-US" smtClean="0"/>
               <a:pPr/>
-              <a:t>2019-11-18</a:t>
+              <a:t>2019-11-28</a:t>
             </a:fld>
             <a:endParaRPr lang="ko-KR" altLang="en-US"/>
           </a:p>
@@ -2230,7 +2233,7 @@
             <a:fld id="{6F53D61A-71F2-4639-BAA0-83085BED61C5}" type="datetimeFigureOut">
               <a:rPr lang="ko-KR" altLang="en-US" smtClean="0"/>
               <a:pPr/>
-              <a:t>2019-11-18</a:t>
+              <a:t>2019-11-28</a:t>
             </a:fld>
             <a:endParaRPr lang="ko-KR" altLang="en-US"/>
           </a:p>
@@ -2480,7 +2483,7 @@
             <a:fld id="{6F53D61A-71F2-4639-BAA0-83085BED61C5}" type="datetimeFigureOut">
               <a:rPr lang="ko-KR" altLang="en-US" smtClean="0"/>
               <a:pPr/>
-              <a:t>2019-11-18</a:t>
+              <a:t>2019-11-28</a:t>
             </a:fld>
             <a:endParaRPr lang="ko-KR" altLang="en-US"/>
           </a:p>
@@ -2690,7 +2693,7 @@
             <a:fld id="{6F53D61A-71F2-4639-BAA0-83085BED61C5}" type="datetimeFigureOut">
               <a:rPr lang="ko-KR" altLang="en-US" smtClean="0"/>
               <a:pPr/>
-              <a:t>2019-11-18</a:t>
+              <a:t>2019-11-28</a:t>
             </a:fld>
             <a:endParaRPr lang="ko-KR" altLang="en-US"/>
           </a:p>
@@ -3061,1091 +3064,186 @@
           <a:chExt cx="0" cy="0"/>
         </a:xfrm>
       </p:grpSpPr>
-      <p:pic>
-        <p:nvPicPr>
-          <p:cNvPr id="4" name="그림 3" descr="kisspng-computer-icons-download-person-vector-5ada64b7829d59.630498511524262071535.png"/>
-          <p:cNvPicPr>
-            <a:picLocks noChangeAspect="1"/>
-          </p:cNvPicPr>
-          <p:nvPr/>
-        </p:nvPicPr>
-        <p:blipFill>
-          <a:blip r:embed="rId2" cstate="print"/>
-          <a:stretch>
-            <a:fillRect/>
-          </a:stretch>
-        </p:blipFill>
-        <p:spPr>
-          <a:xfrm>
-            <a:off x="8028384" y="3140968"/>
-            <a:ext cx="934780" cy="934780"/>
-          </a:xfrm>
-          <a:prstGeom prst="rect">
-            <a:avLst/>
-          </a:prstGeom>
-        </p:spPr>
-      </p:pic>
-      <p:pic>
-        <p:nvPicPr>
-          <p:cNvPr id="5" name="그림 4" descr="kisspng-clip-art-computer-icons-portable-network-graphics-guanyu-svg-png-icon-free-download-1-6734-onli-5b755c7f000ff2.7098010015344180470003.png"/>
-          <p:cNvPicPr>
-            <a:picLocks noChangeAspect="1"/>
-          </p:cNvPicPr>
-          <p:nvPr/>
-        </p:nvPicPr>
-        <p:blipFill>
-          <a:blip r:embed="rId3" cstate="print"/>
-          <a:stretch>
-            <a:fillRect/>
-          </a:stretch>
-        </p:blipFill>
-        <p:spPr>
-          <a:xfrm>
-            <a:off x="323528" y="3140969"/>
-            <a:ext cx="960701" cy="792088"/>
-          </a:xfrm>
-          <a:prstGeom prst="rect">
-            <a:avLst/>
-          </a:prstGeom>
-        </p:spPr>
-      </p:pic>
-      <p:sp>
-        <p:nvSpPr>
-          <p:cNvPr id="6" name="모서리가 둥근 직사각형 5"/>
-          <p:cNvSpPr/>
-          <p:nvPr/>
-        </p:nvSpPr>
-        <p:spPr>
-          <a:xfrm>
-            <a:off x="1547664" y="551320"/>
-            <a:ext cx="6336704" cy="5760640"/>
-          </a:xfrm>
-          <a:prstGeom prst="roundRect">
-            <a:avLst>
-              <a:gd name="adj" fmla="val 5513"/>
-            </a:avLst>
-          </a:prstGeom>
-          <a:noFill/>
-        </p:spPr>
-        <p:style>
-          <a:lnRef idx="2">
-            <a:schemeClr val="accent1">
-              <a:shade val="50000"/>
-            </a:schemeClr>
-          </a:lnRef>
-          <a:fillRef idx="1">
-            <a:schemeClr val="accent1"/>
-          </a:fillRef>
-          <a:effectRef idx="0">
-            <a:schemeClr val="accent1"/>
-          </a:effectRef>
-          <a:fontRef idx="minor">
-            <a:schemeClr val="lt1"/>
-          </a:fontRef>
-        </p:style>
-        <p:txBody>
-          <a:bodyPr rtlCol="0" anchor="ctr"/>
-          <a:lstStyle/>
-          <a:p>
-            <a:pPr algn="ctr"/>
-            <a:endParaRPr lang="ko-KR" altLang="en-US"/>
-          </a:p>
-        </p:txBody>
-      </p:sp>
-      <p:sp>
-        <p:nvSpPr>
-          <p:cNvPr id="7" name="TextBox 6"/>
-          <p:cNvSpPr txBox="1"/>
-          <p:nvPr/>
-        </p:nvSpPr>
-        <p:spPr>
-          <a:xfrm>
-            <a:off x="3707904" y="116632"/>
-            <a:ext cx="2088232" cy="615553"/>
-          </a:xfrm>
-          <a:prstGeom prst="rect">
-            <a:avLst/>
-          </a:prstGeom>
-          <a:noFill/>
-        </p:spPr>
-        <p:txBody>
-          <a:bodyPr wrap="square" rtlCol="0">
-            <a:spAutoFit/>
+      <p:sp>
+        <p:nvSpPr>
+          <p:cNvPr id="2" name="제목 1"/>
+          <p:cNvSpPr>
+            <a:spLocks noGrp="1"/>
+          </p:cNvSpPr>
+          <p:nvPr>
+            <p:ph type="title"/>
+          </p:nvPr>
+        </p:nvSpPr>
+        <p:spPr>
+          <a:xfrm>
+            <a:off x="2195736" y="274638"/>
+            <a:ext cx="4464496" cy="706090"/>
+          </a:xfrm>
+        </p:spPr>
+        <p:txBody>
+          <a:bodyPr>
+            <a:normAutofit/>
           </a:bodyPr>
           <a:lstStyle/>
           <a:p>
             <a:r>
-              <a:rPr lang="en-US" altLang="ko-KR" sz="1600" dirty="0" smtClean="0"/>
-              <a:t>CJ </a:t>
-            </a:r>
-            <a:r>
-              <a:rPr lang="ko-KR" altLang="en-US" sz="1600" dirty="0" smtClean="0"/>
-              <a:t>직원인식 시스템</a:t>
-            </a:r>
-            <a:endParaRPr lang="en-US" altLang="ko-KR" sz="1600" dirty="0" smtClean="0"/>
-          </a:p>
-          <a:p>
+              <a:rPr lang="ko-KR" altLang="en-US" sz="3200" dirty="0" smtClean="0"/>
+              <a:t>목차</a:t>
+            </a:r>
+            <a:endParaRPr lang="ko-KR" altLang="en-US" sz="3200" dirty="0"/>
+          </a:p>
+        </p:txBody>
+      </p:sp>
+      <p:sp>
+        <p:nvSpPr>
+          <p:cNvPr id="3" name="내용 개체 틀 2"/>
+          <p:cNvSpPr>
+            <a:spLocks noGrp="1"/>
+          </p:cNvSpPr>
+          <p:nvPr>
+            <p:ph idx="1"/>
+          </p:nvPr>
+        </p:nvSpPr>
+        <p:spPr/>
+        <p:txBody>
+          <a:bodyPr/>
+          <a:lstStyle/>
+          <a:p>
+            <a:r>
+              <a:rPr lang="ko-KR" altLang="en-US" sz="2000" dirty="0" smtClean="0"/>
+              <a:t>안면인식 </a:t>
+            </a:r>
+            <a:r>
+              <a:rPr lang="ko-KR" altLang="en-US" sz="2000" dirty="0" smtClean="0"/>
+              <a:t>기술</a:t>
+            </a:r>
+            <a:endParaRPr lang="en-US" altLang="ko-KR" sz="2000" dirty="0" smtClean="0"/>
+          </a:p>
+          <a:p>
+            <a:r>
+              <a:rPr lang="en-US" altLang="ko-KR" sz="2000" dirty="0" smtClean="0"/>
+              <a:t>MS Azure Face API </a:t>
+            </a:r>
+            <a:endParaRPr lang="en-US" altLang="ko-KR" sz="2000" dirty="0" smtClean="0"/>
+          </a:p>
+          <a:p>
+            <a:r>
+              <a:rPr lang="en-US" altLang="ko-KR" sz="2000" dirty="0" smtClean="0"/>
+              <a:t>API</a:t>
+            </a:r>
+            <a:r>
+              <a:rPr lang="ko-KR" altLang="en-US" sz="2000" dirty="0" smtClean="0"/>
+              <a:t>를 이용한</a:t>
+            </a:r>
+            <a:r>
+              <a:rPr lang="en-US" altLang="ko-KR" sz="2000" dirty="0" smtClean="0"/>
+              <a:t> </a:t>
+            </a:r>
+            <a:r>
+              <a:rPr lang="ko-KR" altLang="en-US" sz="2000" dirty="0" smtClean="0"/>
+              <a:t>안면인식 알고리즘</a:t>
+            </a:r>
+            <a:endParaRPr lang="en-US" altLang="ko-KR" sz="2000" dirty="0" smtClean="0"/>
+          </a:p>
+          <a:p>
+            <a:r>
+              <a:rPr lang="en-US" altLang="ko-KR" sz="2000" dirty="0" smtClean="0"/>
+              <a:t>CJ</a:t>
+            </a:r>
+            <a:r>
+              <a:rPr lang="ko-KR" altLang="en-US" sz="2000" dirty="0" smtClean="0"/>
+              <a:t>제일제당 직원인식 프로그램 </a:t>
+            </a:r>
+            <a:endParaRPr lang="en-US" altLang="ko-KR" sz="2000" dirty="0" smtClean="0"/>
+          </a:p>
+          <a:p>
+            <a:pPr>
+              <a:buNone/>
+            </a:pPr>
+            <a:r>
+              <a:rPr lang="en-US" altLang="ko-KR" sz="2000" dirty="0" smtClean="0"/>
+              <a:t>	- USE CASE DIAGRAM</a:t>
+            </a:r>
+          </a:p>
+          <a:p>
+            <a:pPr>
+              <a:buNone/>
+            </a:pPr>
+            <a:r>
+              <a:rPr lang="en-US" altLang="ko-KR" sz="2000" dirty="0" smtClean="0"/>
+              <a:t>	- </a:t>
+            </a:r>
+            <a:r>
+              <a:rPr lang="en-US" altLang="ko-KR" sz="2000" dirty="0" smtClean="0"/>
+              <a:t>ERD</a:t>
+            </a:r>
+          </a:p>
+          <a:p>
+            <a:pPr>
+              <a:buNone/>
+            </a:pPr>
+            <a:r>
+              <a:rPr lang="en-US" altLang="ko-KR" sz="2000" dirty="0" smtClean="0"/>
+              <a:t>	</a:t>
+            </a:r>
+            <a:r>
+              <a:rPr lang="en-US" altLang="ko-KR" sz="2000" dirty="0" smtClean="0"/>
+              <a:t>-</a:t>
+            </a:r>
+            <a:r>
+              <a:rPr lang="en-US" altLang="ko-KR" sz="2000" dirty="0" smtClean="0"/>
+              <a:t> User Persona</a:t>
+            </a:r>
+          </a:p>
+          <a:p>
+            <a:pPr>
+              <a:buNone/>
+            </a:pPr>
+            <a:r>
+              <a:rPr lang="en-US" altLang="ko-KR" sz="2000" dirty="0" smtClean="0"/>
+              <a:t>	</a:t>
+            </a:r>
+            <a:r>
+              <a:rPr lang="en-US" altLang="ko-KR" sz="2000" dirty="0" smtClean="0"/>
+              <a:t>- </a:t>
+            </a:r>
+            <a:r>
+              <a:rPr lang="en-US" altLang="ko-KR" sz="2000" smtClean="0"/>
+              <a:t>class diagram ..?</a:t>
+            </a:r>
+            <a:endParaRPr lang="en-US" altLang="ko-KR" sz="2000" dirty="0" smtClean="0"/>
+          </a:p>
+          <a:p>
+            <a:r>
+              <a:rPr lang="ko-KR" altLang="en-US" sz="2000" dirty="0" smtClean="0"/>
+              <a:t>시현</a:t>
+            </a:r>
+            <a:endParaRPr lang="en-US" altLang="ko-KR" sz="2000" dirty="0" smtClean="0"/>
+          </a:p>
+          <a:p>
+            <a:r>
+              <a:rPr lang="ko-KR" altLang="en-US" sz="2000" dirty="0" smtClean="0"/>
+              <a:t>개선해야 할 부분  </a:t>
+            </a:r>
+            <a:endParaRPr lang="en-US" altLang="ko-KR" sz="2000" dirty="0" smtClean="0"/>
+          </a:p>
+          <a:p>
+            <a:endParaRPr lang="en-US" altLang="ko-KR" sz="2000" dirty="0" smtClean="0"/>
+          </a:p>
+          <a:p>
+            <a:endParaRPr lang="en-US" altLang="ko-KR" sz="2000" dirty="0" smtClean="0"/>
+          </a:p>
+          <a:p>
+            <a:endParaRPr lang="en-US" altLang="ko-KR" dirty="0" smtClean="0"/>
+          </a:p>
+          <a:p>
+            <a:pPr>
+              <a:buNone/>
+            </a:pPr>
             <a:endParaRPr lang="ko-KR" altLang="en-US" dirty="0"/>
           </a:p>
         </p:txBody>
       </p:sp>
-      <p:sp>
-        <p:nvSpPr>
-          <p:cNvPr id="8" name="타원 7"/>
-          <p:cNvSpPr/>
-          <p:nvPr/>
-        </p:nvSpPr>
-        <p:spPr>
-          <a:xfrm>
-            <a:off x="2555776" y="695336"/>
-            <a:ext cx="1656184" cy="792088"/>
-          </a:xfrm>
-          <a:prstGeom prst="ellipse">
-            <a:avLst/>
-          </a:prstGeom>
-          <a:solidFill>
-            <a:schemeClr val="accent1">
-              <a:alpha val="61000"/>
-            </a:schemeClr>
-          </a:solidFill>
-          <a:ln w="19050"/>
-        </p:spPr>
-        <p:style>
-          <a:lnRef idx="2">
-            <a:schemeClr val="accent1">
-              <a:shade val="50000"/>
-            </a:schemeClr>
-          </a:lnRef>
-          <a:fillRef idx="1">
-            <a:schemeClr val="accent1"/>
-          </a:fillRef>
-          <a:effectRef idx="0">
-            <a:schemeClr val="accent1"/>
-          </a:effectRef>
-          <a:fontRef idx="minor">
-            <a:schemeClr val="lt1"/>
-          </a:fontRef>
-        </p:style>
-        <p:txBody>
-          <a:bodyPr rtlCol="0" anchor="ctr"/>
-          <a:lstStyle/>
-          <a:p>
-            <a:pPr algn="ctr"/>
-            <a:r>
-              <a:rPr lang="en-US" altLang="ko-KR" sz="1400" dirty="0" smtClean="0"/>
-              <a:t>Resister new person</a:t>
-            </a:r>
-            <a:endParaRPr lang="ko-KR" altLang="en-US" sz="1400" dirty="0"/>
-          </a:p>
-        </p:txBody>
-      </p:sp>
-      <p:sp>
-        <p:nvSpPr>
-          <p:cNvPr id="9" name="타원 8"/>
-          <p:cNvSpPr/>
-          <p:nvPr/>
-        </p:nvSpPr>
-        <p:spPr>
-          <a:xfrm>
-            <a:off x="5004048" y="692696"/>
-            <a:ext cx="1872208" cy="792088"/>
-          </a:xfrm>
-          <a:prstGeom prst="ellipse">
-            <a:avLst/>
-          </a:prstGeom>
-          <a:solidFill>
-            <a:schemeClr val="accent1">
-              <a:alpha val="61000"/>
-            </a:schemeClr>
-          </a:solidFill>
-          <a:ln w="19050"/>
-        </p:spPr>
-        <p:style>
-          <a:lnRef idx="2">
-            <a:schemeClr val="accent1">
-              <a:shade val="50000"/>
-            </a:schemeClr>
-          </a:lnRef>
-          <a:fillRef idx="1">
-            <a:schemeClr val="accent1"/>
-          </a:fillRef>
-          <a:effectRef idx="0">
-            <a:schemeClr val="accent1"/>
-          </a:effectRef>
-          <a:fontRef idx="minor">
-            <a:schemeClr val="lt1"/>
-          </a:fontRef>
-        </p:style>
-        <p:txBody>
-          <a:bodyPr rtlCol="0" anchor="ctr"/>
-          <a:lstStyle/>
-          <a:p>
-            <a:pPr algn="ctr"/>
-            <a:r>
-              <a:rPr lang="en-US" altLang="ko-KR" sz="1400" dirty="0" smtClean="0"/>
-              <a:t>Create person group</a:t>
-            </a:r>
-            <a:endParaRPr lang="ko-KR" altLang="en-US" sz="1400" dirty="0"/>
-          </a:p>
-        </p:txBody>
-      </p:sp>
-      <p:sp>
-        <p:nvSpPr>
-          <p:cNvPr id="10" name="타원 9"/>
-          <p:cNvSpPr/>
-          <p:nvPr/>
-        </p:nvSpPr>
-        <p:spPr>
-          <a:xfrm>
-            <a:off x="2555776" y="1700808"/>
-            <a:ext cx="1656184" cy="720080"/>
-          </a:xfrm>
-          <a:prstGeom prst="ellipse">
-            <a:avLst/>
-          </a:prstGeom>
-          <a:solidFill>
-            <a:schemeClr val="accent1">
-              <a:alpha val="61000"/>
-            </a:schemeClr>
-          </a:solidFill>
-          <a:ln w="19050"/>
-        </p:spPr>
-        <p:style>
-          <a:lnRef idx="2">
-            <a:schemeClr val="accent1">
-              <a:shade val="50000"/>
-            </a:schemeClr>
-          </a:lnRef>
-          <a:fillRef idx="1">
-            <a:schemeClr val="accent1"/>
-          </a:fillRef>
-          <a:effectRef idx="0">
-            <a:schemeClr val="accent1"/>
-          </a:effectRef>
-          <a:fontRef idx="minor">
-            <a:schemeClr val="lt1"/>
-          </a:fontRef>
-        </p:style>
-        <p:txBody>
-          <a:bodyPr rtlCol="0" anchor="ctr"/>
-          <a:lstStyle/>
-          <a:p>
-            <a:pPr algn="ctr"/>
-            <a:r>
-              <a:rPr lang="en-US" altLang="ko-KR" sz="1400" dirty="0" smtClean="0"/>
-              <a:t>Provide face image</a:t>
-            </a:r>
-            <a:endParaRPr lang="ko-KR" altLang="en-US" sz="1400" dirty="0"/>
-          </a:p>
-        </p:txBody>
-      </p:sp>
-      <p:sp>
-        <p:nvSpPr>
-          <p:cNvPr id="11" name="타원 10"/>
-          <p:cNvSpPr/>
-          <p:nvPr/>
-        </p:nvSpPr>
-        <p:spPr>
-          <a:xfrm>
-            <a:off x="5148064" y="1700808"/>
-            <a:ext cx="1656184" cy="720080"/>
-          </a:xfrm>
-          <a:prstGeom prst="ellipse">
-            <a:avLst/>
-          </a:prstGeom>
-          <a:solidFill>
-            <a:schemeClr val="accent1">
-              <a:alpha val="61000"/>
-            </a:schemeClr>
-          </a:solidFill>
-          <a:ln w="19050"/>
-        </p:spPr>
-        <p:style>
-          <a:lnRef idx="2">
-            <a:schemeClr val="accent1">
-              <a:shade val="50000"/>
-            </a:schemeClr>
-          </a:lnRef>
-          <a:fillRef idx="1">
-            <a:schemeClr val="accent1"/>
-          </a:fillRef>
-          <a:effectRef idx="0">
-            <a:schemeClr val="accent1"/>
-          </a:effectRef>
-          <a:fontRef idx="minor">
-            <a:schemeClr val="lt1"/>
-          </a:fontRef>
-        </p:style>
-        <p:txBody>
-          <a:bodyPr rtlCol="0" anchor="ctr"/>
-          <a:lstStyle/>
-          <a:p>
-            <a:pPr algn="ctr"/>
-            <a:r>
-              <a:rPr lang="en-US" altLang="ko-KR" sz="1400" dirty="0" smtClean="0"/>
-              <a:t>Store face image</a:t>
-            </a:r>
-            <a:endParaRPr lang="ko-KR" altLang="en-US" sz="1400" dirty="0"/>
-          </a:p>
-        </p:txBody>
-      </p:sp>
-      <p:sp>
-        <p:nvSpPr>
-          <p:cNvPr id="12" name="타원 11"/>
-          <p:cNvSpPr/>
-          <p:nvPr/>
-        </p:nvSpPr>
-        <p:spPr>
-          <a:xfrm>
-            <a:off x="3923928" y="2420888"/>
-            <a:ext cx="1656184" cy="720080"/>
-          </a:xfrm>
-          <a:prstGeom prst="ellipse">
-            <a:avLst/>
-          </a:prstGeom>
-          <a:solidFill>
-            <a:schemeClr val="accent1">
-              <a:alpha val="61000"/>
-            </a:schemeClr>
-          </a:solidFill>
-          <a:ln w="19050"/>
-        </p:spPr>
-        <p:style>
-          <a:lnRef idx="2">
-            <a:schemeClr val="accent1">
-              <a:shade val="50000"/>
-            </a:schemeClr>
-          </a:lnRef>
-          <a:fillRef idx="1">
-            <a:schemeClr val="accent1"/>
-          </a:fillRef>
-          <a:effectRef idx="0">
-            <a:schemeClr val="accent1"/>
-          </a:effectRef>
-          <a:fontRef idx="minor">
-            <a:schemeClr val="lt1"/>
-          </a:fontRef>
-        </p:style>
-        <p:txBody>
-          <a:bodyPr rtlCol="0" anchor="ctr"/>
-          <a:lstStyle/>
-          <a:p>
-            <a:pPr algn="ctr"/>
-            <a:r>
-              <a:rPr lang="en-US" altLang="ko-KR" sz="1400" dirty="0" smtClean="0"/>
-              <a:t>Face image train</a:t>
-            </a:r>
-          </a:p>
-        </p:txBody>
-      </p:sp>
-      <p:sp>
-        <p:nvSpPr>
-          <p:cNvPr id="13" name="타원 12"/>
-          <p:cNvSpPr/>
-          <p:nvPr/>
-        </p:nvSpPr>
-        <p:spPr>
-          <a:xfrm>
-            <a:off x="2627784" y="4005064"/>
-            <a:ext cx="1656184" cy="720080"/>
-          </a:xfrm>
-          <a:prstGeom prst="ellipse">
-            <a:avLst/>
-          </a:prstGeom>
-          <a:solidFill>
-            <a:schemeClr val="accent1">
-              <a:alpha val="61000"/>
-            </a:schemeClr>
-          </a:solidFill>
-          <a:ln w="19050"/>
-        </p:spPr>
-        <p:style>
-          <a:lnRef idx="2">
-            <a:schemeClr val="accent1">
-              <a:shade val="50000"/>
-            </a:schemeClr>
-          </a:lnRef>
-          <a:fillRef idx="1">
-            <a:schemeClr val="accent1"/>
-          </a:fillRef>
-          <a:effectRef idx="0">
-            <a:schemeClr val="accent1"/>
-          </a:effectRef>
-          <a:fontRef idx="minor">
-            <a:schemeClr val="lt1"/>
-          </a:fontRef>
-        </p:style>
-        <p:txBody>
-          <a:bodyPr rtlCol="0" anchor="ctr"/>
-          <a:lstStyle/>
-          <a:p>
-            <a:pPr algn="ctr"/>
-            <a:r>
-              <a:rPr lang="en-US" altLang="ko-KR" sz="1400" dirty="0" smtClean="0"/>
-              <a:t>Entrance Exit</a:t>
-            </a:r>
-          </a:p>
-        </p:txBody>
-      </p:sp>
-      <p:sp>
-        <p:nvSpPr>
-          <p:cNvPr id="14" name="타원 13"/>
-          <p:cNvSpPr/>
-          <p:nvPr/>
-        </p:nvSpPr>
-        <p:spPr>
-          <a:xfrm>
-            <a:off x="4932040" y="4005064"/>
-            <a:ext cx="1800200" cy="720080"/>
-          </a:xfrm>
-          <a:prstGeom prst="ellipse">
-            <a:avLst/>
-          </a:prstGeom>
-          <a:solidFill>
-            <a:schemeClr val="accent1">
-              <a:alpha val="61000"/>
-            </a:schemeClr>
-          </a:solidFill>
-          <a:ln w="19050"/>
-        </p:spPr>
-        <p:style>
-          <a:lnRef idx="2">
-            <a:schemeClr val="accent1">
-              <a:shade val="50000"/>
-            </a:schemeClr>
-          </a:lnRef>
-          <a:fillRef idx="1">
-            <a:schemeClr val="accent1"/>
-          </a:fillRef>
-          <a:effectRef idx="0">
-            <a:schemeClr val="accent1"/>
-          </a:effectRef>
-          <a:fontRef idx="minor">
-            <a:schemeClr val="lt1"/>
-          </a:fontRef>
-        </p:style>
-        <p:txBody>
-          <a:bodyPr rtlCol="0" anchor="ctr"/>
-          <a:lstStyle/>
-          <a:p>
-            <a:pPr algn="ctr"/>
-            <a:r>
-              <a:rPr lang="en-US" altLang="ko-KR" sz="1400" dirty="0" smtClean="0"/>
-              <a:t>Authenticate employee</a:t>
-            </a:r>
-          </a:p>
-        </p:txBody>
-      </p:sp>
-      <p:sp>
-        <p:nvSpPr>
-          <p:cNvPr id="15" name="타원 14"/>
-          <p:cNvSpPr/>
-          <p:nvPr/>
-        </p:nvSpPr>
-        <p:spPr>
-          <a:xfrm>
-            <a:off x="3779912" y="5229200"/>
-            <a:ext cx="1656184" cy="720080"/>
-          </a:xfrm>
-          <a:prstGeom prst="ellipse">
-            <a:avLst/>
-          </a:prstGeom>
-          <a:solidFill>
-            <a:schemeClr val="accent1">
-              <a:alpha val="61000"/>
-            </a:schemeClr>
-          </a:solidFill>
-          <a:ln w="19050"/>
-        </p:spPr>
-        <p:style>
-          <a:lnRef idx="2">
-            <a:schemeClr val="accent1">
-              <a:shade val="50000"/>
-            </a:schemeClr>
-          </a:lnRef>
-          <a:fillRef idx="1">
-            <a:schemeClr val="accent1"/>
-          </a:fillRef>
-          <a:effectRef idx="0">
-            <a:schemeClr val="accent1"/>
-          </a:effectRef>
-          <a:fontRef idx="minor">
-            <a:schemeClr val="lt1"/>
-          </a:fontRef>
-        </p:style>
-        <p:txBody>
-          <a:bodyPr rtlCol="0" anchor="ctr"/>
-          <a:lstStyle/>
-          <a:p>
-            <a:pPr algn="ctr"/>
-            <a:r>
-              <a:rPr lang="en-US" altLang="ko-KR" sz="1400" dirty="0" smtClean="0"/>
-              <a:t>Access granted</a:t>
-            </a:r>
-          </a:p>
-        </p:txBody>
-      </p:sp>
-      <p:cxnSp>
-        <p:nvCxnSpPr>
-          <p:cNvPr id="17" name="직선 연결선 16"/>
-          <p:cNvCxnSpPr>
-            <a:stCxn id="8" idx="2"/>
-            <a:endCxn id="5" idx="3"/>
-          </p:cNvCxnSpPr>
-          <p:nvPr/>
-        </p:nvCxnSpPr>
-        <p:spPr>
-          <a:xfrm flipH="1">
-            <a:off x="1284229" y="1091380"/>
-            <a:ext cx="1271547" cy="2445633"/>
-          </a:xfrm>
-          <a:prstGeom prst="line">
-            <a:avLst/>
-          </a:prstGeom>
-          <a:ln w="15875"/>
-        </p:spPr>
-        <p:style>
-          <a:lnRef idx="1">
-            <a:schemeClr val="accent1"/>
-          </a:lnRef>
-          <a:fillRef idx="0">
-            <a:schemeClr val="accent1"/>
-          </a:fillRef>
-          <a:effectRef idx="0">
-            <a:schemeClr val="accent1"/>
-          </a:effectRef>
-          <a:fontRef idx="minor">
-            <a:schemeClr val="tx1"/>
-          </a:fontRef>
-        </p:style>
-      </p:cxnSp>
-      <p:cxnSp>
-        <p:nvCxnSpPr>
-          <p:cNvPr id="19" name="직선 연결선 18"/>
-          <p:cNvCxnSpPr>
-            <a:stCxn id="10" idx="2"/>
-            <a:endCxn id="5" idx="3"/>
-          </p:cNvCxnSpPr>
-          <p:nvPr/>
-        </p:nvCxnSpPr>
-        <p:spPr>
-          <a:xfrm flipH="1">
-            <a:off x="1284229" y="2060848"/>
-            <a:ext cx="1271547" cy="1476165"/>
-          </a:xfrm>
-          <a:prstGeom prst="line">
-            <a:avLst/>
-          </a:prstGeom>
-          <a:ln w="15875"/>
-        </p:spPr>
-        <p:style>
-          <a:lnRef idx="1">
-            <a:schemeClr val="accent1"/>
-          </a:lnRef>
-          <a:fillRef idx="0">
-            <a:schemeClr val="accent1"/>
-          </a:fillRef>
-          <a:effectRef idx="0">
-            <a:schemeClr val="accent1"/>
-          </a:effectRef>
-          <a:fontRef idx="minor">
-            <a:schemeClr val="tx1"/>
-          </a:fontRef>
-        </p:style>
-      </p:cxnSp>
-      <p:cxnSp>
-        <p:nvCxnSpPr>
-          <p:cNvPr id="22" name="직선 연결선 21"/>
-          <p:cNvCxnSpPr>
-            <a:stCxn id="13" idx="2"/>
-            <a:endCxn id="5" idx="3"/>
-          </p:cNvCxnSpPr>
-          <p:nvPr/>
-        </p:nvCxnSpPr>
-        <p:spPr>
-          <a:xfrm flipH="1" flipV="1">
-            <a:off x="1284229" y="3537013"/>
-            <a:ext cx="1343555" cy="828091"/>
-          </a:xfrm>
-          <a:prstGeom prst="line">
-            <a:avLst/>
-          </a:prstGeom>
-          <a:ln w="15875"/>
-        </p:spPr>
-        <p:style>
-          <a:lnRef idx="1">
-            <a:schemeClr val="accent1"/>
-          </a:lnRef>
-          <a:fillRef idx="0">
-            <a:schemeClr val="accent1"/>
-          </a:fillRef>
-          <a:effectRef idx="0">
-            <a:schemeClr val="accent1"/>
-          </a:effectRef>
-          <a:fontRef idx="minor">
-            <a:schemeClr val="tx1"/>
-          </a:fontRef>
-        </p:style>
-      </p:cxnSp>
-      <p:cxnSp>
-        <p:nvCxnSpPr>
-          <p:cNvPr id="24" name="직선 연결선 23"/>
-          <p:cNvCxnSpPr>
-            <a:stCxn id="9" idx="6"/>
-            <a:endCxn id="4" idx="1"/>
-          </p:cNvCxnSpPr>
-          <p:nvPr/>
-        </p:nvCxnSpPr>
-        <p:spPr>
-          <a:xfrm>
-            <a:off x="6876256" y="1088740"/>
-            <a:ext cx="1152128" cy="2519618"/>
-          </a:xfrm>
-          <a:prstGeom prst="line">
-            <a:avLst/>
-          </a:prstGeom>
-          <a:ln w="15875"/>
-        </p:spPr>
-        <p:style>
-          <a:lnRef idx="1">
-            <a:schemeClr val="accent1"/>
-          </a:lnRef>
-          <a:fillRef idx="0">
-            <a:schemeClr val="accent1"/>
-          </a:fillRef>
-          <a:effectRef idx="0">
-            <a:schemeClr val="accent1"/>
-          </a:effectRef>
-          <a:fontRef idx="minor">
-            <a:schemeClr val="tx1"/>
-          </a:fontRef>
-        </p:style>
-      </p:cxnSp>
-      <p:cxnSp>
-        <p:nvCxnSpPr>
-          <p:cNvPr id="26" name="직선 연결선 25"/>
-          <p:cNvCxnSpPr>
-            <a:stCxn id="11" idx="6"/>
-            <a:endCxn id="4" idx="1"/>
-          </p:cNvCxnSpPr>
-          <p:nvPr/>
-        </p:nvCxnSpPr>
-        <p:spPr>
-          <a:xfrm>
-            <a:off x="6804248" y="2060848"/>
-            <a:ext cx="1224136" cy="1547510"/>
-          </a:xfrm>
-          <a:prstGeom prst="line">
-            <a:avLst/>
-          </a:prstGeom>
-          <a:ln w="15875"/>
-        </p:spPr>
-        <p:style>
-          <a:lnRef idx="1">
-            <a:schemeClr val="accent1"/>
-          </a:lnRef>
-          <a:fillRef idx="0">
-            <a:schemeClr val="accent1"/>
-          </a:fillRef>
-          <a:effectRef idx="0">
-            <a:schemeClr val="accent1"/>
-          </a:effectRef>
-          <a:fontRef idx="minor">
-            <a:schemeClr val="tx1"/>
-          </a:fontRef>
-        </p:style>
-      </p:cxnSp>
-      <p:cxnSp>
-        <p:nvCxnSpPr>
-          <p:cNvPr id="29" name="직선 연결선 28"/>
-          <p:cNvCxnSpPr>
-            <a:stCxn id="12" idx="6"/>
-            <a:endCxn id="4" idx="1"/>
-          </p:cNvCxnSpPr>
-          <p:nvPr/>
-        </p:nvCxnSpPr>
-        <p:spPr>
-          <a:xfrm>
-            <a:off x="5580112" y="2780928"/>
-            <a:ext cx="2448272" cy="827430"/>
-          </a:xfrm>
-          <a:prstGeom prst="line">
-            <a:avLst/>
-          </a:prstGeom>
-          <a:ln w="15875"/>
-        </p:spPr>
-        <p:style>
-          <a:lnRef idx="1">
-            <a:schemeClr val="accent1"/>
-          </a:lnRef>
-          <a:fillRef idx="0">
-            <a:schemeClr val="accent1"/>
-          </a:fillRef>
-          <a:effectRef idx="0">
-            <a:schemeClr val="accent1"/>
-          </a:effectRef>
-          <a:fontRef idx="minor">
-            <a:schemeClr val="tx1"/>
-          </a:fontRef>
-        </p:style>
-      </p:cxnSp>
-      <p:cxnSp>
-        <p:nvCxnSpPr>
-          <p:cNvPr id="31" name="직선 연결선 30"/>
-          <p:cNvCxnSpPr>
-            <a:stCxn id="14" idx="6"/>
-            <a:endCxn id="4" idx="1"/>
-          </p:cNvCxnSpPr>
-          <p:nvPr/>
-        </p:nvCxnSpPr>
-        <p:spPr>
-          <a:xfrm flipV="1">
-            <a:off x="6732240" y="3608358"/>
-            <a:ext cx="1296144" cy="756746"/>
-          </a:xfrm>
-          <a:prstGeom prst="line">
-            <a:avLst/>
-          </a:prstGeom>
-          <a:ln w="15875"/>
-        </p:spPr>
-        <p:style>
-          <a:lnRef idx="1">
-            <a:schemeClr val="accent1"/>
-          </a:lnRef>
-          <a:fillRef idx="0">
-            <a:schemeClr val="accent1"/>
-          </a:fillRef>
-          <a:effectRef idx="0">
-            <a:schemeClr val="accent1"/>
-          </a:effectRef>
-          <a:fontRef idx="minor">
-            <a:schemeClr val="tx1"/>
-          </a:fontRef>
-        </p:style>
-      </p:cxnSp>
-      <p:cxnSp>
-        <p:nvCxnSpPr>
-          <p:cNvPr id="33" name="직선 연결선 32"/>
-          <p:cNvCxnSpPr>
-            <a:stCxn id="15" idx="6"/>
-            <a:endCxn id="4" idx="1"/>
-          </p:cNvCxnSpPr>
-          <p:nvPr/>
-        </p:nvCxnSpPr>
-        <p:spPr>
-          <a:xfrm flipV="1">
-            <a:off x="5436096" y="3608358"/>
-            <a:ext cx="2592288" cy="1980882"/>
-          </a:xfrm>
-          <a:prstGeom prst="line">
-            <a:avLst/>
-          </a:prstGeom>
-          <a:ln w="15875"/>
-        </p:spPr>
-        <p:style>
-          <a:lnRef idx="1">
-            <a:schemeClr val="accent1"/>
-          </a:lnRef>
-          <a:fillRef idx="0">
-            <a:schemeClr val="accent1"/>
-          </a:fillRef>
-          <a:effectRef idx="0">
-            <a:schemeClr val="accent1"/>
-          </a:effectRef>
-          <a:fontRef idx="minor">
-            <a:schemeClr val="tx1"/>
-          </a:fontRef>
-        </p:style>
-      </p:cxnSp>
-      <p:cxnSp>
-        <p:nvCxnSpPr>
-          <p:cNvPr id="38" name="직선 화살표 연결선 37"/>
-          <p:cNvCxnSpPr>
-            <a:stCxn id="13" idx="6"/>
-            <a:endCxn id="14" idx="2"/>
-          </p:cNvCxnSpPr>
-          <p:nvPr/>
-        </p:nvCxnSpPr>
-        <p:spPr>
-          <a:xfrm>
-            <a:off x="4283968" y="4365104"/>
-            <a:ext cx="648072" cy="0"/>
-          </a:xfrm>
-          <a:prstGeom prst="straightConnector1">
-            <a:avLst/>
-          </a:prstGeom>
-          <a:ln w="15875">
-            <a:tailEnd type="arrow"/>
-          </a:ln>
-        </p:spPr>
-        <p:style>
-          <a:lnRef idx="1">
-            <a:schemeClr val="accent1"/>
-          </a:lnRef>
-          <a:fillRef idx="0">
-            <a:schemeClr val="accent1"/>
-          </a:fillRef>
-          <a:effectRef idx="0">
-            <a:schemeClr val="accent1"/>
-          </a:effectRef>
-          <a:fontRef idx="minor">
-            <a:schemeClr val="tx1"/>
-          </a:fontRef>
-        </p:style>
-      </p:cxnSp>
-      <p:cxnSp>
-        <p:nvCxnSpPr>
-          <p:cNvPr id="40" name="직선 화살표 연결선 39"/>
-          <p:cNvCxnSpPr>
-            <a:stCxn id="10" idx="6"/>
-            <a:endCxn id="11" idx="2"/>
-          </p:cNvCxnSpPr>
-          <p:nvPr/>
-        </p:nvCxnSpPr>
-        <p:spPr>
-          <a:xfrm>
-            <a:off x="4211960" y="2060848"/>
-            <a:ext cx="936104" cy="0"/>
-          </a:xfrm>
-          <a:prstGeom prst="straightConnector1">
-            <a:avLst/>
-          </a:prstGeom>
-          <a:ln w="15875">
-            <a:tailEnd type="arrow"/>
-          </a:ln>
-        </p:spPr>
-        <p:style>
-          <a:lnRef idx="1">
-            <a:schemeClr val="accent1"/>
-          </a:lnRef>
-          <a:fillRef idx="0">
-            <a:schemeClr val="accent1"/>
-          </a:fillRef>
-          <a:effectRef idx="0">
-            <a:schemeClr val="accent1"/>
-          </a:effectRef>
-          <a:fontRef idx="minor">
-            <a:schemeClr val="tx1"/>
-          </a:fontRef>
-        </p:style>
-      </p:cxnSp>
-      <p:sp>
-        <p:nvSpPr>
-          <p:cNvPr id="48" name="TextBox 47"/>
-          <p:cNvSpPr txBox="1"/>
-          <p:nvPr/>
-        </p:nvSpPr>
-        <p:spPr>
-          <a:xfrm>
-            <a:off x="395536" y="4005064"/>
-            <a:ext cx="1080120" cy="369332"/>
-          </a:xfrm>
-          <a:prstGeom prst="rect">
-            <a:avLst/>
-          </a:prstGeom>
-          <a:noFill/>
-        </p:spPr>
-        <p:txBody>
-          <a:bodyPr wrap="square" rtlCol="0">
-            <a:spAutoFit/>
-          </a:bodyPr>
-          <a:lstStyle/>
-          <a:p>
-            <a:r>
-              <a:rPr lang="en-US" altLang="ko-KR" dirty="0" smtClean="0"/>
-              <a:t>CJ </a:t>
-            </a:r>
-            <a:r>
-              <a:rPr lang="ko-KR" altLang="en-US" dirty="0" smtClean="0"/>
-              <a:t>직원</a:t>
-            </a:r>
-            <a:endParaRPr lang="ko-KR" altLang="en-US" dirty="0"/>
-          </a:p>
-        </p:txBody>
-      </p:sp>
-      <p:sp>
-        <p:nvSpPr>
-          <p:cNvPr id="49" name="TextBox 48"/>
-          <p:cNvSpPr txBox="1"/>
-          <p:nvPr/>
-        </p:nvSpPr>
-        <p:spPr>
-          <a:xfrm>
-            <a:off x="8100392" y="4149080"/>
-            <a:ext cx="936104" cy="369332"/>
-          </a:xfrm>
-          <a:prstGeom prst="rect">
-            <a:avLst/>
-          </a:prstGeom>
-          <a:noFill/>
-        </p:spPr>
-        <p:txBody>
-          <a:bodyPr wrap="square" rtlCol="0">
-            <a:spAutoFit/>
-          </a:bodyPr>
-          <a:lstStyle/>
-          <a:p>
-            <a:r>
-              <a:rPr lang="ko-KR" altLang="en-US" smtClean="0"/>
-              <a:t>관리자</a:t>
-            </a:r>
-            <a:endParaRPr lang="ko-KR" altLang="en-US"/>
-          </a:p>
-        </p:txBody>
-      </p:sp>
-      <p:cxnSp>
-        <p:nvCxnSpPr>
-          <p:cNvPr id="52" name="직선 화살표 연결선 51"/>
-          <p:cNvCxnSpPr>
-            <a:stCxn id="8" idx="6"/>
-            <a:endCxn id="9" idx="2"/>
-          </p:cNvCxnSpPr>
-          <p:nvPr/>
-        </p:nvCxnSpPr>
-        <p:spPr>
-          <a:xfrm flipV="1">
-            <a:off x="4211960" y="1088740"/>
-            <a:ext cx="792088" cy="2640"/>
-          </a:xfrm>
-          <a:prstGeom prst="straightConnector1">
-            <a:avLst/>
-          </a:prstGeom>
-          <a:ln w="15875">
-            <a:tailEnd type="arrow"/>
-          </a:ln>
-        </p:spPr>
-        <p:style>
-          <a:lnRef idx="1">
-            <a:schemeClr val="accent1"/>
-          </a:lnRef>
-          <a:fillRef idx="0">
-            <a:schemeClr val="accent1"/>
-          </a:fillRef>
-          <a:effectRef idx="0">
-            <a:schemeClr val="accent1"/>
-          </a:effectRef>
-          <a:fontRef idx="minor">
-            <a:schemeClr val="tx1"/>
-          </a:fontRef>
-        </p:style>
-      </p:cxnSp>
-      <p:sp>
-        <p:nvSpPr>
-          <p:cNvPr id="39" name="타원 38"/>
-          <p:cNvSpPr/>
-          <p:nvPr/>
-        </p:nvSpPr>
-        <p:spPr>
-          <a:xfrm>
-            <a:off x="3779912" y="3284984"/>
-            <a:ext cx="1872208" cy="720080"/>
-          </a:xfrm>
-          <a:prstGeom prst="ellipse">
-            <a:avLst/>
-          </a:prstGeom>
-          <a:solidFill>
-            <a:schemeClr val="accent1">
-              <a:alpha val="61000"/>
-            </a:schemeClr>
-          </a:solidFill>
-          <a:ln w="19050"/>
-        </p:spPr>
-        <p:style>
-          <a:lnRef idx="2">
-            <a:schemeClr val="accent1">
-              <a:shade val="50000"/>
-            </a:schemeClr>
-          </a:lnRef>
-          <a:fillRef idx="1">
-            <a:schemeClr val="accent1"/>
-          </a:fillRef>
-          <a:effectRef idx="0">
-            <a:schemeClr val="accent1"/>
-          </a:effectRef>
-          <a:fontRef idx="minor">
-            <a:schemeClr val="lt1"/>
-          </a:fontRef>
-        </p:style>
-        <p:txBody>
-          <a:bodyPr rtlCol="0" anchor="ctr"/>
-          <a:lstStyle/>
-          <a:p>
-            <a:pPr algn="ctr"/>
-            <a:r>
-              <a:rPr lang="en-US" altLang="ko-KR" sz="1400" dirty="0" smtClean="0"/>
-              <a:t>Authorization</a:t>
-            </a:r>
-          </a:p>
-        </p:txBody>
-      </p:sp>
-      <p:cxnSp>
-        <p:nvCxnSpPr>
-          <p:cNvPr id="67" name="직선 연결선 66"/>
-          <p:cNvCxnSpPr>
-            <a:stCxn id="39" idx="6"/>
-            <a:endCxn id="4" idx="1"/>
-          </p:cNvCxnSpPr>
-          <p:nvPr/>
-        </p:nvCxnSpPr>
-        <p:spPr>
-          <a:xfrm flipV="1">
-            <a:off x="5652120" y="3608358"/>
-            <a:ext cx="2376264" cy="36666"/>
-          </a:xfrm>
-          <a:prstGeom prst="line">
-            <a:avLst/>
-          </a:prstGeom>
-          <a:ln w="15875"/>
-        </p:spPr>
-        <p:style>
-          <a:lnRef idx="1">
-            <a:schemeClr val="accent1"/>
-          </a:lnRef>
-          <a:fillRef idx="0">
-            <a:schemeClr val="accent1"/>
-          </a:fillRef>
-          <a:effectRef idx="0">
-            <a:schemeClr val="accent1"/>
-          </a:effectRef>
-          <a:fontRef idx="minor">
-            <a:schemeClr val="tx1"/>
-          </a:fontRef>
-        </p:style>
-      </p:cxnSp>
-      <p:cxnSp>
-        <p:nvCxnSpPr>
-          <p:cNvPr id="73" name="직선 연결선 72"/>
-          <p:cNvCxnSpPr>
-            <a:stCxn id="15" idx="2"/>
-            <a:endCxn id="5" idx="3"/>
-          </p:cNvCxnSpPr>
-          <p:nvPr/>
-        </p:nvCxnSpPr>
-        <p:spPr>
-          <a:xfrm flipH="1" flipV="1">
-            <a:off x="1284229" y="3537013"/>
-            <a:ext cx="2495683" cy="2052227"/>
-          </a:xfrm>
-          <a:prstGeom prst="line">
-            <a:avLst/>
-          </a:prstGeom>
-          <a:ln w="15875"/>
-        </p:spPr>
-        <p:style>
-          <a:lnRef idx="1">
-            <a:schemeClr val="accent1"/>
-          </a:lnRef>
-          <a:fillRef idx="0">
-            <a:schemeClr val="accent1"/>
-          </a:fillRef>
-          <a:effectRef idx="0">
-            <a:schemeClr val="accent1"/>
-          </a:effectRef>
-          <a:fontRef idx="minor">
-            <a:schemeClr val="tx1"/>
-          </a:fontRef>
-        </p:style>
-      </p:cxnSp>
     </p:spTree>
   </p:cSld>
   <p:clrMapOvr>
@@ -4171,26 +3269,71 @@
           <a:chExt cx="0" cy="0"/>
         </a:xfrm>
       </p:grpSpPr>
-      <p:sp>
-        <p:nvSpPr>
-          <p:cNvPr id="5" name="직사각형 4"/>
+      <p:pic>
+        <p:nvPicPr>
+          <p:cNvPr id="4" name="그림 3" descr="kisspng-computer-icons-download-person-vector-5ada64b7829d59.630498511524262071535.png"/>
+          <p:cNvPicPr>
+            <a:picLocks noChangeAspect="1"/>
+          </p:cNvPicPr>
+          <p:nvPr/>
+        </p:nvPicPr>
+        <p:blipFill>
+          <a:blip r:embed="rId2" cstate="print"/>
+          <a:stretch>
+            <a:fillRect/>
+          </a:stretch>
+        </p:blipFill>
+        <p:spPr>
+          <a:xfrm>
+            <a:off x="8028384" y="3140968"/>
+            <a:ext cx="934780" cy="934780"/>
+          </a:xfrm>
+          <a:prstGeom prst="rect">
+            <a:avLst/>
+          </a:prstGeom>
+        </p:spPr>
+      </p:pic>
+      <p:pic>
+        <p:nvPicPr>
+          <p:cNvPr id="5" name="그림 4" descr="kisspng-clip-art-computer-icons-portable-network-graphics-guanyu-svg-png-icon-free-download-1-6734-onli-5b755c7f000ff2.7098010015344180470003.png"/>
+          <p:cNvPicPr>
+            <a:picLocks noChangeAspect="1"/>
+          </p:cNvPicPr>
+          <p:nvPr/>
+        </p:nvPicPr>
+        <p:blipFill>
+          <a:blip r:embed="rId3" cstate="print"/>
+          <a:stretch>
+            <a:fillRect/>
+          </a:stretch>
+        </p:blipFill>
+        <p:spPr>
+          <a:xfrm>
+            <a:off x="323528" y="3140969"/>
+            <a:ext cx="960701" cy="792088"/>
+          </a:xfrm>
+          <a:prstGeom prst="rect">
+            <a:avLst/>
+          </a:prstGeom>
+        </p:spPr>
+      </p:pic>
+      <p:sp>
+        <p:nvSpPr>
+          <p:cNvPr id="6" name="모서리가 둥근 직사각형 5"/>
           <p:cNvSpPr/>
           <p:nvPr/>
         </p:nvSpPr>
         <p:spPr>
           <a:xfrm>
-            <a:off x="899592" y="3861048"/>
-            <a:ext cx="7200800" cy="2664296"/>
-          </a:xfrm>
-          <a:prstGeom prst="rect">
-            <a:avLst/>
+            <a:off x="1547664" y="551320"/>
+            <a:ext cx="6336704" cy="5760640"/>
+          </a:xfrm>
+          <a:prstGeom prst="roundRect">
+            <a:avLst>
+              <a:gd name="adj" fmla="val 5513"/>
+            </a:avLst>
           </a:prstGeom>
           <a:noFill/>
-          <a:ln>
-            <a:solidFill>
-              <a:schemeClr val="tx1"/>
-            </a:solidFill>
-          </a:ln>
         </p:spPr>
         <p:style>
           <a:lnRef idx="2">
@@ -4212,223 +3355,68 @@
           <a:bodyPr rtlCol="0" anchor="ctr"/>
           <a:lstStyle/>
           <a:p>
-            <a:pPr algn="ctr">
-              <a:lnSpc>
-                <a:spcPct val="150000"/>
-              </a:lnSpc>
-            </a:pPr>
-            <a:r>
-              <a:rPr lang="en-US" altLang="ko-KR" dirty="0" smtClean="0">
-                <a:solidFill>
-                  <a:schemeClr val="tx1"/>
-                </a:solidFill>
-              </a:rPr>
-              <a:t>Class Test</a:t>
-            </a:r>
-          </a:p>
-          <a:p>
-            <a:r>
-              <a:rPr lang="en-US" altLang="ko-KR" dirty="0" err="1" smtClean="0">
-                <a:solidFill>
-                  <a:schemeClr val="tx1"/>
-                </a:solidFill>
-              </a:rPr>
-              <a:t>faceId</a:t>
-            </a:r>
-            <a:r>
-              <a:rPr lang="en-US" altLang="ko-KR" dirty="0" smtClean="0">
-                <a:solidFill>
-                  <a:schemeClr val="tx1"/>
-                </a:solidFill>
-              </a:rPr>
-              <a:t> : string</a:t>
-            </a:r>
-          </a:p>
-          <a:p>
-            <a:r>
-              <a:rPr lang="en-US" altLang="ko-KR" dirty="0" smtClean="0">
-                <a:solidFill>
-                  <a:schemeClr val="tx1"/>
-                </a:solidFill>
-              </a:rPr>
-              <a:t>rectangle : </a:t>
-            </a:r>
-            <a:r>
-              <a:rPr lang="en-US" altLang="ko-KR" dirty="0" err="1" smtClean="0">
-                <a:solidFill>
-                  <a:schemeClr val="tx1"/>
-                </a:solidFill>
-              </a:rPr>
-              <a:t>dict</a:t>
-            </a:r>
-            <a:endParaRPr lang="en-US" altLang="ko-KR" dirty="0" smtClean="0">
-              <a:solidFill>
-                <a:schemeClr val="tx1"/>
-              </a:solidFill>
-            </a:endParaRPr>
-          </a:p>
-          <a:p>
-            <a:r>
-              <a:rPr lang="en-US" altLang="ko-KR" dirty="0" err="1" smtClean="0">
-                <a:solidFill>
-                  <a:schemeClr val="tx1"/>
-                </a:solidFill>
-              </a:rPr>
-              <a:t>personGroupId</a:t>
-            </a:r>
-            <a:r>
-              <a:rPr lang="en-US" altLang="ko-KR" dirty="0" smtClean="0">
-                <a:solidFill>
-                  <a:schemeClr val="tx1"/>
-                </a:solidFill>
-              </a:rPr>
-              <a:t> : string</a:t>
-            </a:r>
-          </a:p>
-          <a:p>
-            <a:r>
-              <a:rPr lang="en-US" altLang="ko-KR" dirty="0" err="1" smtClean="0">
-                <a:solidFill>
-                  <a:schemeClr val="tx1"/>
-                </a:solidFill>
-              </a:rPr>
-              <a:t>personId</a:t>
-            </a:r>
-            <a:r>
-              <a:rPr lang="en-US" altLang="ko-KR" dirty="0" smtClean="0">
-                <a:solidFill>
-                  <a:schemeClr val="tx1"/>
-                </a:solidFill>
-              </a:rPr>
-              <a:t> : string</a:t>
-            </a:r>
-          </a:p>
-          <a:p>
-            <a:r>
-              <a:rPr lang="en-US" altLang="ko-KR" dirty="0" smtClean="0">
-                <a:solidFill>
-                  <a:schemeClr val="tx1"/>
-                </a:solidFill>
-              </a:rPr>
-              <a:t>confidence : </a:t>
-            </a:r>
-            <a:r>
-              <a:rPr lang="en-US" altLang="ko-KR" dirty="0" err="1" smtClean="0">
-                <a:solidFill>
-                  <a:schemeClr val="tx1"/>
-                </a:solidFill>
-              </a:rPr>
-              <a:t>int</a:t>
-            </a:r>
-            <a:r>
-              <a:rPr lang="en-US" altLang="ko-KR" dirty="0" smtClean="0">
-                <a:solidFill>
-                  <a:schemeClr val="tx1"/>
-                </a:solidFill>
-              </a:rPr>
-              <a:t> </a:t>
-            </a:r>
-          </a:p>
-          <a:p>
-            <a:pPr>
-              <a:lnSpc>
-                <a:spcPct val="150000"/>
-              </a:lnSpc>
-            </a:pPr>
-            <a:r>
-              <a:rPr lang="en-US" altLang="ko-KR" dirty="0" err="1" smtClean="0">
-                <a:solidFill>
-                  <a:schemeClr val="tx1"/>
-                </a:solidFill>
-              </a:rPr>
-              <a:t>faceDetect</a:t>
-            </a:r>
-            <a:r>
-              <a:rPr lang="en-US" altLang="ko-KR" dirty="0" smtClean="0">
-                <a:solidFill>
-                  <a:schemeClr val="tx1"/>
-                </a:solidFill>
-              </a:rPr>
-              <a:t>()</a:t>
-            </a:r>
-          </a:p>
-          <a:p>
-            <a:r>
-              <a:rPr lang="en-US" altLang="ko-KR" dirty="0" err="1" smtClean="0">
-                <a:solidFill>
-                  <a:schemeClr val="tx1"/>
-                </a:solidFill>
-              </a:rPr>
-              <a:t>faceidentify</a:t>
-            </a:r>
-            <a:r>
-              <a:rPr lang="en-US" altLang="ko-KR" dirty="0" smtClean="0">
-                <a:solidFill>
-                  <a:schemeClr val="tx1"/>
-                </a:solidFill>
-              </a:rPr>
-              <a:t>(</a:t>
-            </a:r>
-            <a:r>
-              <a:rPr lang="en-US" altLang="ko-KR" dirty="0" err="1" smtClean="0">
-                <a:solidFill>
-                  <a:schemeClr val="tx1"/>
-                </a:solidFill>
-              </a:rPr>
-              <a:t>personGroupId</a:t>
-            </a:r>
-            <a:r>
-              <a:rPr lang="en-US" altLang="ko-KR" dirty="0" smtClean="0">
-                <a:solidFill>
-                  <a:schemeClr val="tx1"/>
-                </a:solidFill>
-              </a:rPr>
-              <a:t>, </a:t>
-            </a:r>
-            <a:r>
-              <a:rPr lang="en-US" altLang="ko-KR" dirty="0" err="1" smtClean="0">
-                <a:solidFill>
-                  <a:schemeClr val="tx1"/>
-                </a:solidFill>
-              </a:rPr>
-              <a:t>img_bgr,faceID,left,top,bottom,right</a:t>
-            </a:r>
-            <a:r>
-              <a:rPr lang="en-US" altLang="ko-KR" dirty="0" smtClean="0">
-                <a:solidFill>
-                  <a:schemeClr val="tx1"/>
-                </a:solidFill>
-              </a:rPr>
-              <a:t>)</a:t>
-            </a:r>
-            <a:endParaRPr lang="en-US" altLang="ko-KR" dirty="0" smtClean="0"/>
-          </a:p>
-          <a:p>
-            <a:pPr algn="ctr"/>
+            <a:pPr algn="ctr"/>
+            <a:endParaRPr lang="ko-KR" altLang="en-US"/>
+          </a:p>
+        </p:txBody>
+      </p:sp>
+      <p:sp>
+        <p:nvSpPr>
+          <p:cNvPr id="7" name="TextBox 6"/>
+          <p:cNvSpPr txBox="1"/>
+          <p:nvPr/>
+        </p:nvSpPr>
+        <p:spPr>
+          <a:xfrm>
+            <a:off x="3707904" y="116632"/>
+            <a:ext cx="2088232" cy="615553"/>
+          </a:xfrm>
+          <a:prstGeom prst="rect">
+            <a:avLst/>
+          </a:prstGeom>
+          <a:noFill/>
+        </p:spPr>
+        <p:txBody>
+          <a:bodyPr wrap="square" rtlCol="0">
+            <a:spAutoFit/>
+          </a:bodyPr>
+          <a:lstStyle/>
+          <a:p>
+            <a:r>
+              <a:rPr lang="en-US" altLang="ko-KR" sz="1600" dirty="0" smtClean="0"/>
+              <a:t>CJ </a:t>
+            </a:r>
+            <a:r>
+              <a:rPr lang="ko-KR" altLang="en-US" sz="1600" dirty="0" smtClean="0"/>
+              <a:t>직원인식 시스템</a:t>
+            </a:r>
+            <a:endParaRPr lang="en-US" altLang="ko-KR" sz="1600" dirty="0" smtClean="0"/>
+          </a:p>
+          <a:p>
             <a:endParaRPr lang="ko-KR" altLang="en-US" dirty="0"/>
           </a:p>
         </p:txBody>
       </p:sp>
       <p:sp>
         <p:nvSpPr>
-          <p:cNvPr id="8" name="직사각형 7"/>
+          <p:cNvPr id="8" name="타원 7"/>
           <p:cNvSpPr/>
           <p:nvPr/>
         </p:nvSpPr>
         <p:spPr>
           <a:xfrm>
-            <a:off x="4860032" y="404664"/>
-            <a:ext cx="3528392" cy="1368152"/>
-          </a:xfrm>
-          <a:prstGeom prst="rect">
-            <a:avLst/>
-          </a:prstGeom>
-          <a:noFill/>
-          <a:ln>
-            <a:solidFill>
-              <a:schemeClr val="tx1"/>
-            </a:solidFill>
-          </a:ln>
+            <a:off x="2555776" y="695336"/>
+            <a:ext cx="1656184" cy="792088"/>
+          </a:xfrm>
+          <a:prstGeom prst="ellipse">
+            <a:avLst/>
+          </a:prstGeom>
+          <a:solidFill>
+            <a:srgbClr val="EF151E">
+              <a:alpha val="60784"/>
+            </a:srgbClr>
+          </a:solidFill>
+          <a:ln w="19050"/>
         </p:spPr>
         <p:style>
           <a:lnRef idx="2">
@@ -4450,112 +3438,35 @@
           <a:bodyPr rtlCol="0" anchor="ctr"/>
           <a:lstStyle/>
           <a:p>
-            <a:pPr algn="ctr">
-              <a:lnSpc>
-                <a:spcPct val="150000"/>
-              </a:lnSpc>
-            </a:pPr>
-            <a:r>
-              <a:rPr lang="en-US" altLang="ko-KR" dirty="0" smtClean="0">
-                <a:solidFill>
-                  <a:schemeClr val="tx1"/>
-                </a:solidFill>
-              </a:rPr>
-              <a:t>Class Train</a:t>
-            </a:r>
-          </a:p>
-          <a:p>
-            <a:pPr>
-              <a:lnSpc>
-                <a:spcPct val="150000"/>
-              </a:lnSpc>
-            </a:pPr>
-            <a:r>
-              <a:rPr lang="en-US" altLang="ko-KR" dirty="0" err="1" smtClean="0">
-                <a:solidFill>
-                  <a:schemeClr val="tx1"/>
-                </a:solidFill>
-              </a:rPr>
-              <a:t>personGroupId</a:t>
-            </a:r>
-            <a:r>
-              <a:rPr lang="en-US" altLang="ko-KR" dirty="0" smtClean="0">
-                <a:solidFill>
-                  <a:schemeClr val="tx1"/>
-                </a:solidFill>
-              </a:rPr>
-              <a:t> : String</a:t>
-            </a:r>
-          </a:p>
-          <a:p>
-            <a:pPr>
-              <a:lnSpc>
-                <a:spcPct val="150000"/>
-              </a:lnSpc>
-            </a:pPr>
-            <a:r>
-              <a:rPr lang="en-US" altLang="ko-KR" dirty="0" err="1" smtClean="0">
-                <a:solidFill>
-                  <a:schemeClr val="tx1"/>
-                </a:solidFill>
-              </a:rPr>
-              <a:t>trainModel</a:t>
-            </a:r>
-            <a:r>
-              <a:rPr lang="en-US" altLang="ko-KR" dirty="0" smtClean="0">
-                <a:solidFill>
-                  <a:schemeClr val="tx1"/>
-                </a:solidFill>
-              </a:rPr>
-              <a:t>(</a:t>
-            </a:r>
-            <a:r>
-              <a:rPr lang="en-US" altLang="ko-KR" dirty="0" err="1" smtClean="0">
-                <a:solidFill>
-                  <a:schemeClr val="tx1"/>
-                </a:solidFill>
-              </a:rPr>
-              <a:t>personGroupId</a:t>
-            </a:r>
-            <a:r>
-              <a:rPr lang="en-US" altLang="ko-KR" dirty="0" smtClean="0">
-                <a:solidFill>
-                  <a:schemeClr val="tx1"/>
-                </a:solidFill>
-              </a:rPr>
-              <a:t>)</a:t>
-            </a:r>
-          </a:p>
-          <a:p>
-            <a:pPr algn="ctr"/>
-            <a:endParaRPr lang="en-US" altLang="ko-KR" dirty="0" smtClean="0">
-              <a:solidFill>
-                <a:schemeClr val="tx1"/>
-              </a:solidFill>
-            </a:endParaRPr>
-          </a:p>
-        </p:txBody>
-      </p:sp>
-      <p:sp>
-        <p:nvSpPr>
-          <p:cNvPr id="10" name="직사각형 9"/>
+            <a:pPr algn="ctr"/>
+            <a:r>
+              <a:rPr lang="en-US" altLang="ko-KR" sz="1400" dirty="0" smtClean="0"/>
+              <a:t>Resister new person</a:t>
+            </a:r>
+            <a:endParaRPr lang="ko-KR" altLang="en-US" sz="1400" dirty="0"/>
+          </a:p>
+        </p:txBody>
+      </p:sp>
+      <p:sp>
+        <p:nvSpPr>
+          <p:cNvPr id="9" name="타원 8"/>
           <p:cNvSpPr/>
           <p:nvPr/>
         </p:nvSpPr>
         <p:spPr>
           <a:xfrm>
-            <a:off x="395536" y="260648"/>
-            <a:ext cx="3888432" cy="3168352"/>
-          </a:xfrm>
-          <a:prstGeom prst="rect">
-            <a:avLst/>
-          </a:prstGeom>
-          <a:noFill/>
-          <a:ln>
-            <a:solidFill>
-              <a:schemeClr val="tx1"/>
-            </a:solidFill>
-          </a:ln>
+            <a:off x="5004048" y="692696"/>
+            <a:ext cx="1872208" cy="792088"/>
+          </a:xfrm>
+          <a:prstGeom prst="ellipse">
+            <a:avLst/>
+          </a:prstGeom>
+          <a:solidFill>
+            <a:srgbClr val="EF151E">
+              <a:alpha val="61000"/>
+            </a:srgbClr>
+          </a:solidFill>
+          <a:ln w="19050"/>
         </p:spPr>
         <p:style>
           <a:lnRef idx="2">
@@ -4577,224 +3488,327 @@
           <a:bodyPr rtlCol="0" anchor="ctr"/>
           <a:lstStyle/>
           <a:p>
-            <a:pPr algn="ctr">
-              <a:lnSpc>
-                <a:spcPct val="150000"/>
-              </a:lnSpc>
-            </a:pPr>
-            <a:r>
-              <a:rPr lang="en-US" altLang="ko-KR" dirty="0" smtClean="0">
-                <a:solidFill>
-                  <a:schemeClr val="tx1"/>
-                </a:solidFill>
-              </a:rPr>
-              <a:t>Class </a:t>
-            </a:r>
-            <a:r>
-              <a:rPr lang="en-US" altLang="ko-KR" dirty="0" err="1" smtClean="0">
-                <a:solidFill>
-                  <a:schemeClr val="tx1"/>
-                </a:solidFill>
-              </a:rPr>
-              <a:t>enrollData</a:t>
-            </a:r>
-            <a:endParaRPr lang="en-US" altLang="ko-KR" dirty="0" smtClean="0">
-              <a:solidFill>
-                <a:schemeClr val="tx1"/>
-              </a:solidFill>
-            </a:endParaRPr>
-          </a:p>
-          <a:p>
-            <a:pPr>
-              <a:lnSpc>
-                <a:spcPct val="150000"/>
-              </a:lnSpc>
-            </a:pPr>
-            <a:r>
-              <a:rPr lang="en-US" altLang="ko-KR" dirty="0" err="1" smtClean="0">
-                <a:solidFill>
-                  <a:schemeClr val="tx1"/>
-                </a:solidFill>
-              </a:rPr>
-              <a:t>personGroupId</a:t>
-            </a:r>
-            <a:r>
-              <a:rPr lang="en-US" altLang="ko-KR" dirty="0" smtClean="0">
-                <a:solidFill>
-                  <a:schemeClr val="tx1"/>
-                </a:solidFill>
-              </a:rPr>
-              <a:t> : string</a:t>
-            </a:r>
-          </a:p>
-          <a:p>
-            <a:r>
-              <a:rPr lang="en-US" altLang="ko-KR" dirty="0" err="1" smtClean="0">
-                <a:solidFill>
-                  <a:schemeClr val="tx1"/>
-                </a:solidFill>
-              </a:rPr>
-              <a:t>personId</a:t>
-            </a:r>
-            <a:r>
-              <a:rPr lang="en-US" altLang="ko-KR" dirty="0" smtClean="0">
-                <a:solidFill>
-                  <a:schemeClr val="tx1"/>
-                </a:solidFill>
-              </a:rPr>
-              <a:t> : string</a:t>
-            </a:r>
-          </a:p>
-          <a:p>
-            <a:r>
-              <a:rPr lang="en-US" altLang="ko-KR" dirty="0" err="1" smtClean="0">
-                <a:solidFill>
-                  <a:schemeClr val="tx1"/>
-                </a:solidFill>
-              </a:rPr>
-              <a:t>persistedFaceId</a:t>
-            </a:r>
-            <a:r>
-              <a:rPr lang="en-US" altLang="ko-KR" dirty="0" smtClean="0">
-                <a:solidFill>
-                  <a:schemeClr val="tx1"/>
-                </a:solidFill>
-              </a:rPr>
-              <a:t> : string</a:t>
-            </a:r>
-          </a:p>
-          <a:p>
-            <a:r>
-              <a:rPr lang="en-US" altLang="ko-KR" dirty="0" err="1" smtClean="0">
-                <a:solidFill>
-                  <a:schemeClr val="tx1"/>
-                </a:solidFill>
-              </a:rPr>
-              <a:t>nameList</a:t>
-            </a:r>
-            <a:r>
-              <a:rPr lang="en-US" altLang="ko-KR" dirty="0" smtClean="0">
-                <a:solidFill>
-                  <a:schemeClr val="tx1"/>
-                </a:solidFill>
-              </a:rPr>
-              <a:t> : List</a:t>
-            </a:r>
-          </a:p>
-          <a:p>
-            <a:r>
-              <a:rPr lang="en-US" altLang="ko-KR" dirty="0" err="1" smtClean="0">
-                <a:solidFill>
-                  <a:schemeClr val="tx1"/>
-                </a:solidFill>
-              </a:rPr>
-              <a:t>personImageList</a:t>
-            </a:r>
-            <a:r>
-              <a:rPr lang="en-US" altLang="ko-KR" dirty="0" smtClean="0">
-                <a:solidFill>
-                  <a:schemeClr val="tx1"/>
-                </a:solidFill>
-              </a:rPr>
-              <a:t> : List</a:t>
-            </a:r>
-          </a:p>
-          <a:p>
-            <a:pPr>
-              <a:lnSpc>
-                <a:spcPct val="150000"/>
-              </a:lnSpc>
-            </a:pPr>
-            <a:r>
-              <a:rPr lang="en-US" altLang="ko-KR" dirty="0" err="1" smtClean="0">
-                <a:solidFill>
-                  <a:schemeClr val="tx1"/>
-                </a:solidFill>
-              </a:rPr>
-              <a:t>createPersongroup</a:t>
-            </a:r>
-            <a:r>
-              <a:rPr lang="en-US" altLang="ko-KR" dirty="0" smtClean="0">
-                <a:solidFill>
-                  <a:schemeClr val="tx1"/>
-                </a:solidFill>
-              </a:rPr>
-              <a:t>()</a:t>
-            </a:r>
-          </a:p>
-          <a:p>
-            <a:r>
-              <a:rPr lang="en-US" altLang="ko-KR" dirty="0" err="1" smtClean="0">
-                <a:solidFill>
-                  <a:schemeClr val="tx1"/>
-                </a:solidFill>
-              </a:rPr>
-              <a:t>createPerson</a:t>
-            </a:r>
-            <a:r>
-              <a:rPr lang="en-US" altLang="ko-KR" dirty="0" smtClean="0">
-                <a:solidFill>
-                  <a:schemeClr val="tx1"/>
-                </a:solidFill>
-              </a:rPr>
-              <a:t>(</a:t>
-            </a:r>
-            <a:r>
-              <a:rPr lang="en-US" altLang="ko-KR" dirty="0" err="1" smtClean="0">
-                <a:solidFill>
-                  <a:schemeClr val="tx1"/>
-                </a:solidFill>
-              </a:rPr>
-              <a:t>personGroupId</a:t>
-            </a:r>
-            <a:r>
-              <a:rPr lang="en-US" altLang="ko-KR" dirty="0" smtClean="0">
-                <a:solidFill>
-                  <a:schemeClr val="tx1"/>
-                </a:solidFill>
-              </a:rPr>
-              <a:t>)</a:t>
-            </a:r>
-          </a:p>
-          <a:p>
-            <a:r>
-              <a:rPr lang="en-US" altLang="ko-KR" dirty="0" err="1" smtClean="0">
-                <a:solidFill>
-                  <a:schemeClr val="tx1"/>
-                </a:solidFill>
-              </a:rPr>
-              <a:t>savePersonImage</a:t>
-            </a:r>
-            <a:r>
-              <a:rPr lang="en-US" altLang="ko-KR" dirty="0" smtClean="0">
-                <a:solidFill>
-                  <a:schemeClr val="tx1"/>
-                </a:solidFill>
-              </a:rPr>
-              <a:t>()</a:t>
-            </a:r>
-            <a:endParaRPr lang="en-US" altLang="ko-KR" dirty="0" smtClean="0"/>
-          </a:p>
-          <a:p>
-            <a:pPr algn="ctr"/>
-            <a:endParaRPr lang="ko-KR" altLang="en-US" dirty="0"/>
+            <a:pPr algn="ctr"/>
+            <a:r>
+              <a:rPr lang="en-US" altLang="ko-KR" sz="1400" dirty="0" smtClean="0"/>
+              <a:t>Create person group</a:t>
+            </a:r>
+            <a:endParaRPr lang="ko-KR" altLang="en-US" sz="1400" dirty="0"/>
+          </a:p>
+        </p:txBody>
+      </p:sp>
+      <p:sp>
+        <p:nvSpPr>
+          <p:cNvPr id="10" name="타원 9"/>
+          <p:cNvSpPr/>
+          <p:nvPr/>
+        </p:nvSpPr>
+        <p:spPr>
+          <a:xfrm>
+            <a:off x="2555776" y="1700808"/>
+            <a:ext cx="1656184" cy="720080"/>
+          </a:xfrm>
+          <a:prstGeom prst="ellipse">
+            <a:avLst/>
+          </a:prstGeom>
+          <a:solidFill>
+            <a:srgbClr val="EF151E">
+              <a:alpha val="61000"/>
+            </a:srgbClr>
+          </a:solidFill>
+          <a:ln w="19050"/>
+        </p:spPr>
+        <p:style>
+          <a:lnRef idx="2">
+            <a:schemeClr val="accent1">
+              <a:shade val="50000"/>
+            </a:schemeClr>
+          </a:lnRef>
+          <a:fillRef idx="1">
+            <a:schemeClr val="accent1"/>
+          </a:fillRef>
+          <a:effectRef idx="0">
+            <a:schemeClr val="accent1"/>
+          </a:effectRef>
+          <a:fontRef idx="minor">
+            <a:schemeClr val="lt1"/>
+          </a:fontRef>
+        </p:style>
+        <p:txBody>
+          <a:bodyPr rtlCol="0" anchor="ctr"/>
+          <a:lstStyle/>
+          <a:p>
+            <a:pPr algn="ctr"/>
+            <a:r>
+              <a:rPr lang="en-US" altLang="ko-KR" sz="1400" dirty="0" smtClean="0"/>
+              <a:t>Provide face image</a:t>
+            </a:r>
+            <a:endParaRPr lang="ko-KR" altLang="en-US" sz="1400" dirty="0"/>
+          </a:p>
+        </p:txBody>
+      </p:sp>
+      <p:sp>
+        <p:nvSpPr>
+          <p:cNvPr id="11" name="타원 10"/>
+          <p:cNvSpPr/>
+          <p:nvPr/>
+        </p:nvSpPr>
+        <p:spPr>
+          <a:xfrm>
+            <a:off x="5148064" y="1700808"/>
+            <a:ext cx="1656184" cy="720080"/>
+          </a:xfrm>
+          <a:prstGeom prst="ellipse">
+            <a:avLst/>
+          </a:prstGeom>
+          <a:solidFill>
+            <a:srgbClr val="EF151E">
+              <a:alpha val="61000"/>
+            </a:srgbClr>
+          </a:solidFill>
+          <a:ln w="19050"/>
+        </p:spPr>
+        <p:style>
+          <a:lnRef idx="2">
+            <a:schemeClr val="accent1">
+              <a:shade val="50000"/>
+            </a:schemeClr>
+          </a:lnRef>
+          <a:fillRef idx="1">
+            <a:schemeClr val="accent1"/>
+          </a:fillRef>
+          <a:effectRef idx="0">
+            <a:schemeClr val="accent1"/>
+          </a:effectRef>
+          <a:fontRef idx="minor">
+            <a:schemeClr val="lt1"/>
+          </a:fontRef>
+        </p:style>
+        <p:txBody>
+          <a:bodyPr rtlCol="0" anchor="ctr"/>
+          <a:lstStyle/>
+          <a:p>
+            <a:pPr algn="ctr"/>
+            <a:r>
+              <a:rPr lang="en-US" altLang="ko-KR" sz="1400" dirty="0" smtClean="0"/>
+              <a:t>Store face image</a:t>
+            </a:r>
+            <a:endParaRPr lang="ko-KR" altLang="en-US" sz="1400" dirty="0"/>
+          </a:p>
+        </p:txBody>
+      </p:sp>
+      <p:sp>
+        <p:nvSpPr>
+          <p:cNvPr id="12" name="타원 11"/>
+          <p:cNvSpPr/>
+          <p:nvPr/>
+        </p:nvSpPr>
+        <p:spPr>
+          <a:xfrm>
+            <a:off x="3923928" y="2420888"/>
+            <a:ext cx="1656184" cy="720080"/>
+          </a:xfrm>
+          <a:prstGeom prst="ellipse">
+            <a:avLst/>
+          </a:prstGeom>
+          <a:solidFill>
+            <a:srgbClr val="FF9700"/>
+          </a:solidFill>
+          <a:ln w="19050"/>
+        </p:spPr>
+        <p:style>
+          <a:lnRef idx="2">
+            <a:schemeClr val="accent1">
+              <a:shade val="50000"/>
+            </a:schemeClr>
+          </a:lnRef>
+          <a:fillRef idx="1">
+            <a:schemeClr val="accent1"/>
+          </a:fillRef>
+          <a:effectRef idx="0">
+            <a:schemeClr val="accent1"/>
+          </a:effectRef>
+          <a:fontRef idx="minor">
+            <a:schemeClr val="lt1"/>
+          </a:fontRef>
+        </p:style>
+        <p:txBody>
+          <a:bodyPr rtlCol="0" anchor="ctr"/>
+          <a:lstStyle/>
+          <a:p>
+            <a:pPr algn="ctr"/>
+            <a:r>
+              <a:rPr lang="en-US" altLang="ko-KR" sz="1400" dirty="0" smtClean="0"/>
+              <a:t>Face image train</a:t>
+            </a:r>
+          </a:p>
+        </p:txBody>
+      </p:sp>
+      <p:sp>
+        <p:nvSpPr>
+          <p:cNvPr id="13" name="타원 12"/>
+          <p:cNvSpPr/>
+          <p:nvPr/>
+        </p:nvSpPr>
+        <p:spPr>
+          <a:xfrm>
+            <a:off x="2627784" y="4005064"/>
+            <a:ext cx="1656184" cy="720080"/>
+          </a:xfrm>
+          <a:prstGeom prst="ellipse">
+            <a:avLst/>
+          </a:prstGeom>
+          <a:solidFill>
+            <a:srgbClr val="006ECD">
+              <a:alpha val="61000"/>
+            </a:srgbClr>
+          </a:solidFill>
+          <a:ln w="19050"/>
+        </p:spPr>
+        <p:style>
+          <a:lnRef idx="2">
+            <a:schemeClr val="accent1">
+              <a:shade val="50000"/>
+            </a:schemeClr>
+          </a:lnRef>
+          <a:fillRef idx="1">
+            <a:schemeClr val="accent1"/>
+          </a:fillRef>
+          <a:effectRef idx="0">
+            <a:schemeClr val="accent1"/>
+          </a:effectRef>
+          <a:fontRef idx="minor">
+            <a:schemeClr val="lt1"/>
+          </a:fontRef>
+        </p:style>
+        <p:txBody>
+          <a:bodyPr rtlCol="0" anchor="ctr"/>
+          <a:lstStyle/>
+          <a:p>
+            <a:pPr algn="ctr"/>
+            <a:r>
+              <a:rPr lang="en-US" altLang="ko-KR" sz="1400" dirty="0" smtClean="0"/>
+              <a:t>Entrance Exit</a:t>
+            </a:r>
+          </a:p>
+        </p:txBody>
+      </p:sp>
+      <p:sp>
+        <p:nvSpPr>
+          <p:cNvPr id="14" name="타원 13"/>
+          <p:cNvSpPr/>
+          <p:nvPr/>
+        </p:nvSpPr>
+        <p:spPr>
+          <a:xfrm>
+            <a:off x="4932040" y="4005064"/>
+            <a:ext cx="1800200" cy="720080"/>
+          </a:xfrm>
+          <a:prstGeom prst="ellipse">
+            <a:avLst/>
+          </a:prstGeom>
+          <a:solidFill>
+            <a:srgbClr val="006ECD">
+              <a:alpha val="61000"/>
+            </a:srgbClr>
+          </a:solidFill>
+          <a:ln w="19050"/>
+        </p:spPr>
+        <p:style>
+          <a:lnRef idx="2">
+            <a:schemeClr val="accent1">
+              <a:shade val="50000"/>
+            </a:schemeClr>
+          </a:lnRef>
+          <a:fillRef idx="1">
+            <a:schemeClr val="accent1"/>
+          </a:fillRef>
+          <a:effectRef idx="0">
+            <a:schemeClr val="accent1"/>
+          </a:effectRef>
+          <a:fontRef idx="minor">
+            <a:schemeClr val="lt1"/>
+          </a:fontRef>
+        </p:style>
+        <p:txBody>
+          <a:bodyPr rtlCol="0" anchor="ctr"/>
+          <a:lstStyle/>
+          <a:p>
+            <a:pPr algn="ctr"/>
+            <a:r>
+              <a:rPr lang="en-US" altLang="ko-KR" sz="1400" dirty="0" smtClean="0"/>
+              <a:t>Authenticate employee</a:t>
+            </a:r>
+          </a:p>
+        </p:txBody>
+      </p:sp>
+      <p:sp>
+        <p:nvSpPr>
+          <p:cNvPr id="15" name="타원 14"/>
+          <p:cNvSpPr/>
+          <p:nvPr/>
+        </p:nvSpPr>
+        <p:spPr>
+          <a:xfrm>
+            <a:off x="3779912" y="5229200"/>
+            <a:ext cx="1656184" cy="720080"/>
+          </a:xfrm>
+          <a:prstGeom prst="ellipse">
+            <a:avLst/>
+          </a:prstGeom>
+          <a:solidFill>
+            <a:srgbClr val="006ECD">
+              <a:alpha val="61000"/>
+            </a:srgbClr>
+          </a:solidFill>
+          <a:ln w="19050"/>
+        </p:spPr>
+        <p:style>
+          <a:lnRef idx="2">
+            <a:schemeClr val="accent1">
+              <a:shade val="50000"/>
+            </a:schemeClr>
+          </a:lnRef>
+          <a:fillRef idx="1">
+            <a:schemeClr val="accent1"/>
+          </a:fillRef>
+          <a:effectRef idx="0">
+            <a:schemeClr val="accent1"/>
+          </a:effectRef>
+          <a:fontRef idx="minor">
+            <a:schemeClr val="lt1"/>
+          </a:fontRef>
+        </p:style>
+        <p:txBody>
+          <a:bodyPr rtlCol="0" anchor="ctr"/>
+          <a:lstStyle/>
+          <a:p>
+            <a:pPr algn="ctr"/>
+            <a:r>
+              <a:rPr lang="en-US" altLang="ko-KR" sz="1400" dirty="0" smtClean="0"/>
+              <a:t>Access granted</a:t>
+            </a:r>
           </a:p>
         </p:txBody>
       </p:sp>
       <p:cxnSp>
         <p:nvCxnSpPr>
-          <p:cNvPr id="16" name="직선 연결선 15"/>
-          <p:cNvCxnSpPr/>
+          <p:cNvPr id="17" name="직선 연결선 16"/>
+          <p:cNvCxnSpPr>
+            <a:stCxn id="8" idx="2"/>
+            <a:endCxn id="5" idx="3"/>
+          </p:cNvCxnSpPr>
           <p:nvPr/>
         </p:nvCxnSpPr>
         <p:spPr>
-          <a:xfrm>
-            <a:off x="395536" y="692696"/>
-            <a:ext cx="3888432" cy="0"/>
+          <a:xfrm flipH="1">
+            <a:off x="1284229" y="1091380"/>
+            <a:ext cx="1271547" cy="2445633"/>
           </a:xfrm>
           <a:prstGeom prst="line">
             <a:avLst/>
           </a:prstGeom>
+          <a:ln w="15875"/>
         </p:spPr>
         <p:style>
           <a:lnRef idx="1">
@@ -4813,18 +3827,56 @@
       </p:cxnSp>
       <p:cxnSp>
         <p:nvCxnSpPr>
-          <p:cNvPr id="20" name="직선 연결선 19"/>
-          <p:cNvCxnSpPr/>
+          <p:cNvPr id="19" name="직선 연결선 18"/>
+          <p:cNvCxnSpPr>
+            <a:stCxn id="10" idx="2"/>
+            <a:endCxn id="5" idx="3"/>
+          </p:cNvCxnSpPr>
           <p:nvPr/>
         </p:nvCxnSpPr>
         <p:spPr>
-          <a:xfrm>
-            <a:off x="395536" y="2276872"/>
-            <a:ext cx="3888432" cy="0"/>
+          <a:xfrm flipH="1">
+            <a:off x="1284229" y="2060848"/>
+            <a:ext cx="1271547" cy="1476165"/>
           </a:xfrm>
           <a:prstGeom prst="line">
             <a:avLst/>
           </a:prstGeom>
+          <a:ln w="15875"/>
+        </p:spPr>
+        <p:style>
+          <a:lnRef idx="1">
+            <a:schemeClr val="accent1"/>
+          </a:lnRef>
+          <a:fillRef idx="0">
+            <a:schemeClr val="accent1"/>
+          </a:fillRef>
+          <a:effectRef idx="0">
+            <a:schemeClr val="accent1"/>
+          </a:effectRef>
+          <a:fontRef idx="minor">
+            <a:schemeClr val="tx1"/>
+          </a:fontRef>
+        </p:style>
+      </p:cxnSp>
+      <p:cxnSp>
+        <p:nvCxnSpPr>
+          <p:cNvPr id="22" name="직선 연결선 21"/>
+          <p:cNvCxnSpPr>
+            <a:stCxn id="13" idx="2"/>
+            <a:endCxn id="5" idx="3"/>
+          </p:cNvCxnSpPr>
+          <p:nvPr/>
+        </p:nvCxnSpPr>
+        <p:spPr>
+          <a:xfrm flipH="1" flipV="1">
+            <a:off x="1284229" y="3537013"/>
+            <a:ext cx="1343555" cy="828091"/>
+          </a:xfrm>
+          <a:prstGeom prst="line">
+            <a:avLst/>
+          </a:prstGeom>
+          <a:ln w="15875"/>
         </p:spPr>
         <p:style>
           <a:lnRef idx="1">
@@ -4844,17 +3896,21 @@
       <p:cxnSp>
         <p:nvCxnSpPr>
           <p:cNvPr id="24" name="직선 연결선 23"/>
-          <p:cNvCxnSpPr/>
+          <p:cNvCxnSpPr>
+            <a:stCxn id="9" idx="6"/>
+            <a:endCxn id="4" idx="1"/>
+          </p:cNvCxnSpPr>
           <p:nvPr/>
         </p:nvCxnSpPr>
         <p:spPr>
           <a:xfrm>
-            <a:off x="4860032" y="692696"/>
-            <a:ext cx="3528392" cy="0"/>
+            <a:off x="6876256" y="1088740"/>
+            <a:ext cx="1152128" cy="2519618"/>
           </a:xfrm>
           <a:prstGeom prst="line">
             <a:avLst/>
           </a:prstGeom>
+          <a:ln w="15875"/>
         </p:spPr>
         <p:style>
           <a:lnRef idx="1">
@@ -4873,18 +3929,22 @@
       </p:cxnSp>
       <p:cxnSp>
         <p:nvCxnSpPr>
-          <p:cNvPr id="27" name="직선 연결선 26"/>
-          <p:cNvCxnSpPr/>
+          <p:cNvPr id="26" name="직선 연결선 25"/>
+          <p:cNvCxnSpPr>
+            <a:stCxn id="11" idx="6"/>
+            <a:endCxn id="4" idx="1"/>
+          </p:cNvCxnSpPr>
           <p:nvPr/>
         </p:nvCxnSpPr>
         <p:spPr>
           <a:xfrm>
-            <a:off x="4860032" y="1196752"/>
-            <a:ext cx="3528392" cy="0"/>
+            <a:off x="6804248" y="2060848"/>
+            <a:ext cx="1224136" cy="1547510"/>
           </a:xfrm>
           <a:prstGeom prst="line">
             <a:avLst/>
           </a:prstGeom>
+          <a:ln w="15875"/>
         </p:spPr>
         <p:style>
           <a:lnRef idx="1">
@@ -4904,17 +3964,21 @@
       <p:cxnSp>
         <p:nvCxnSpPr>
           <p:cNvPr id="29" name="직선 연결선 28"/>
-          <p:cNvCxnSpPr/>
+          <p:cNvCxnSpPr>
+            <a:stCxn id="12" idx="6"/>
+            <a:endCxn id="4" idx="1"/>
+          </p:cNvCxnSpPr>
           <p:nvPr/>
         </p:nvCxnSpPr>
         <p:spPr>
           <a:xfrm>
-            <a:off x="899592" y="4221088"/>
-            <a:ext cx="7200800" cy="0"/>
+            <a:off x="5580112" y="2780928"/>
+            <a:ext cx="2448272" cy="827430"/>
           </a:xfrm>
           <a:prstGeom prst="line">
             <a:avLst/>
           </a:prstGeom>
+          <a:ln w="15875"/>
         </p:spPr>
         <p:style>
           <a:lnRef idx="1">
@@ -4933,153 +3997,22 @@
       </p:cxnSp>
       <p:cxnSp>
         <p:nvCxnSpPr>
-          <p:cNvPr id="32" name="직선 연결선 31"/>
-          <p:cNvCxnSpPr/>
+          <p:cNvPr id="31" name="직선 연결선 30"/>
+          <p:cNvCxnSpPr>
+            <a:stCxn id="14" idx="6"/>
+            <a:endCxn id="4" idx="1"/>
+          </p:cNvCxnSpPr>
           <p:nvPr/>
         </p:nvCxnSpPr>
         <p:spPr>
-          <a:xfrm>
-            <a:off x="899592" y="5661248"/>
-            <a:ext cx="7200800" cy="0"/>
+          <a:xfrm flipV="1">
+            <a:off x="6732240" y="3608358"/>
+            <a:ext cx="1296144" cy="756746"/>
           </a:xfrm>
           <a:prstGeom prst="line">
             <a:avLst/>
           </a:prstGeom>
-        </p:spPr>
-        <p:style>
-          <a:lnRef idx="1">
-            <a:schemeClr val="accent1"/>
-          </a:lnRef>
-          <a:fillRef idx="0">
-            <a:schemeClr val="accent1"/>
-          </a:fillRef>
-          <a:effectRef idx="0">
-            <a:schemeClr val="accent1"/>
-          </a:effectRef>
-          <a:fontRef idx="minor">
-            <a:schemeClr val="tx1"/>
-          </a:fontRef>
-        </p:style>
-      </p:cxnSp>
-      <p:sp>
-        <p:nvSpPr>
-          <p:cNvPr id="36" name="직사각형 35"/>
-          <p:cNvSpPr/>
-          <p:nvPr/>
-        </p:nvSpPr>
-        <p:spPr>
-          <a:xfrm>
-            <a:off x="4860032" y="1988840"/>
-            <a:ext cx="3528392" cy="1368152"/>
-          </a:xfrm>
-          <a:prstGeom prst="rect">
-            <a:avLst/>
-          </a:prstGeom>
-          <a:noFill/>
-          <a:ln>
-            <a:solidFill>
-              <a:schemeClr val="tx1"/>
-            </a:solidFill>
-          </a:ln>
-        </p:spPr>
-        <p:style>
-          <a:lnRef idx="2">
-            <a:schemeClr val="accent1">
-              <a:shade val="50000"/>
-            </a:schemeClr>
-          </a:lnRef>
-          <a:fillRef idx="1">
-            <a:schemeClr val="accent1"/>
-          </a:fillRef>
-          <a:effectRef idx="0">
-            <a:schemeClr val="accent1"/>
-          </a:effectRef>
-          <a:fontRef idx="minor">
-            <a:schemeClr val="lt1"/>
-          </a:fontRef>
-        </p:style>
-        <p:txBody>
-          <a:bodyPr rtlCol="0" anchor="ctr"/>
-          <a:lstStyle/>
-          <a:p>
-            <a:pPr algn="ctr">
-              <a:lnSpc>
-                <a:spcPct val="150000"/>
-              </a:lnSpc>
-            </a:pPr>
-            <a:r>
-              <a:rPr lang="en-US" altLang="ko-KR" dirty="0" smtClean="0">
-                <a:solidFill>
-                  <a:schemeClr val="tx1"/>
-                </a:solidFill>
-              </a:rPr>
-              <a:t>Class Main</a:t>
-            </a:r>
-          </a:p>
-          <a:p>
-            <a:pPr>
-              <a:lnSpc>
-                <a:spcPct val="150000"/>
-              </a:lnSpc>
-            </a:pPr>
-            <a:r>
-              <a:rPr lang="ko-KR" altLang="en-US" dirty="0" err="1" smtClean="0">
-                <a:solidFill>
-                  <a:schemeClr val="tx1"/>
-                </a:solidFill>
-              </a:rPr>
-              <a:t>생성자</a:t>
-            </a:r>
-            <a:endParaRPr lang="en-US" altLang="ko-KR" dirty="0" smtClean="0">
-              <a:solidFill>
-                <a:schemeClr val="tx1"/>
-              </a:solidFill>
-            </a:endParaRPr>
-          </a:p>
-          <a:p>
-            <a:pPr>
-              <a:lnSpc>
-                <a:spcPct val="150000"/>
-              </a:lnSpc>
-            </a:pPr>
-            <a:r>
-              <a:rPr lang="en-US" altLang="ko-KR" smtClean="0">
-                <a:solidFill>
-                  <a:schemeClr val="tx1"/>
-                </a:solidFill>
-              </a:rPr>
-              <a:t>Main()</a:t>
-            </a:r>
-            <a:endParaRPr lang="en-US" altLang="ko-KR" dirty="0" smtClean="0">
-              <a:solidFill>
-                <a:schemeClr val="tx1"/>
-              </a:solidFill>
-            </a:endParaRPr>
-          </a:p>
-          <a:p>
-            <a:pPr algn="ctr"/>
-            <a:endParaRPr lang="en-US" altLang="ko-KR" dirty="0" smtClean="0">
-              <a:solidFill>
-                <a:schemeClr val="tx1"/>
-              </a:solidFill>
-            </a:endParaRPr>
-          </a:p>
-        </p:txBody>
-      </p:sp>
-      <p:cxnSp>
-        <p:nvCxnSpPr>
-          <p:cNvPr id="37" name="직선 연결선 36"/>
-          <p:cNvCxnSpPr/>
-          <p:nvPr/>
-        </p:nvCxnSpPr>
-        <p:spPr>
-          <a:xfrm>
-            <a:off x="4860032" y="2276872"/>
-            <a:ext cx="3528392" cy="0"/>
-          </a:xfrm>
-          <a:prstGeom prst="line">
-            <a:avLst/>
-          </a:prstGeom>
+          <a:ln w="15875"/>
         </p:spPr>
         <p:style>
           <a:lnRef idx="1">
@@ -5098,18 +4031,311 @@
       </p:cxnSp>
       <p:cxnSp>
         <p:nvCxnSpPr>
-          <p:cNvPr id="38" name="직선 연결선 37"/>
-          <p:cNvCxnSpPr/>
+          <p:cNvPr id="33" name="직선 연결선 32"/>
+          <p:cNvCxnSpPr>
+            <a:stCxn id="15" idx="6"/>
+            <a:endCxn id="4" idx="1"/>
+          </p:cNvCxnSpPr>
           <p:nvPr/>
         </p:nvCxnSpPr>
         <p:spPr>
-          <a:xfrm>
-            <a:off x="4860032" y="2780928"/>
-            <a:ext cx="3528392" cy="0"/>
+          <a:xfrm flipV="1">
+            <a:off x="5436096" y="3608358"/>
+            <a:ext cx="2592288" cy="1980882"/>
           </a:xfrm>
           <a:prstGeom prst="line">
             <a:avLst/>
           </a:prstGeom>
+          <a:ln w="15875"/>
+        </p:spPr>
+        <p:style>
+          <a:lnRef idx="1">
+            <a:schemeClr val="accent1"/>
+          </a:lnRef>
+          <a:fillRef idx="0">
+            <a:schemeClr val="accent1"/>
+          </a:fillRef>
+          <a:effectRef idx="0">
+            <a:schemeClr val="accent1"/>
+          </a:effectRef>
+          <a:fontRef idx="minor">
+            <a:schemeClr val="tx1"/>
+          </a:fontRef>
+        </p:style>
+      </p:cxnSp>
+      <p:cxnSp>
+        <p:nvCxnSpPr>
+          <p:cNvPr id="38" name="직선 화살표 연결선 37"/>
+          <p:cNvCxnSpPr>
+            <a:stCxn id="13" idx="6"/>
+            <a:endCxn id="14" idx="2"/>
+          </p:cNvCxnSpPr>
+          <p:nvPr/>
+        </p:nvCxnSpPr>
+        <p:spPr>
+          <a:xfrm>
+            <a:off x="4283968" y="4365104"/>
+            <a:ext cx="648072" cy="0"/>
+          </a:xfrm>
+          <a:prstGeom prst="straightConnector1">
+            <a:avLst/>
+          </a:prstGeom>
+          <a:ln w="15875">
+            <a:tailEnd type="arrow"/>
+          </a:ln>
+        </p:spPr>
+        <p:style>
+          <a:lnRef idx="1">
+            <a:schemeClr val="accent1"/>
+          </a:lnRef>
+          <a:fillRef idx="0">
+            <a:schemeClr val="accent1"/>
+          </a:fillRef>
+          <a:effectRef idx="0">
+            <a:schemeClr val="accent1"/>
+          </a:effectRef>
+          <a:fontRef idx="minor">
+            <a:schemeClr val="tx1"/>
+          </a:fontRef>
+        </p:style>
+      </p:cxnSp>
+      <p:cxnSp>
+        <p:nvCxnSpPr>
+          <p:cNvPr id="40" name="직선 화살표 연결선 39"/>
+          <p:cNvCxnSpPr>
+            <a:stCxn id="10" idx="6"/>
+            <a:endCxn id="11" idx="2"/>
+          </p:cNvCxnSpPr>
+          <p:nvPr/>
+        </p:nvCxnSpPr>
+        <p:spPr>
+          <a:xfrm>
+            <a:off x="4211960" y="2060848"/>
+            <a:ext cx="936104" cy="0"/>
+          </a:xfrm>
+          <a:prstGeom prst="straightConnector1">
+            <a:avLst/>
+          </a:prstGeom>
+          <a:ln w="15875">
+            <a:tailEnd type="arrow"/>
+          </a:ln>
+        </p:spPr>
+        <p:style>
+          <a:lnRef idx="1">
+            <a:schemeClr val="accent1"/>
+          </a:lnRef>
+          <a:fillRef idx="0">
+            <a:schemeClr val="accent1"/>
+          </a:fillRef>
+          <a:effectRef idx="0">
+            <a:schemeClr val="accent1"/>
+          </a:effectRef>
+          <a:fontRef idx="minor">
+            <a:schemeClr val="tx1"/>
+          </a:fontRef>
+        </p:style>
+      </p:cxnSp>
+      <p:sp>
+        <p:nvSpPr>
+          <p:cNvPr id="48" name="TextBox 47"/>
+          <p:cNvSpPr txBox="1"/>
+          <p:nvPr/>
+        </p:nvSpPr>
+        <p:spPr>
+          <a:xfrm>
+            <a:off x="395536" y="4005064"/>
+            <a:ext cx="1080120" cy="369332"/>
+          </a:xfrm>
+          <a:prstGeom prst="rect">
+            <a:avLst/>
+          </a:prstGeom>
+          <a:noFill/>
+        </p:spPr>
+        <p:txBody>
+          <a:bodyPr wrap="square" rtlCol="0">
+            <a:spAutoFit/>
+          </a:bodyPr>
+          <a:lstStyle/>
+          <a:p>
+            <a:r>
+              <a:rPr lang="en-US" altLang="ko-KR" dirty="0" smtClean="0"/>
+              <a:t>CJ </a:t>
+            </a:r>
+            <a:r>
+              <a:rPr lang="ko-KR" altLang="en-US" dirty="0" smtClean="0"/>
+              <a:t>직원</a:t>
+            </a:r>
+            <a:endParaRPr lang="ko-KR" altLang="en-US" dirty="0"/>
+          </a:p>
+        </p:txBody>
+      </p:sp>
+      <p:sp>
+        <p:nvSpPr>
+          <p:cNvPr id="49" name="TextBox 48"/>
+          <p:cNvSpPr txBox="1"/>
+          <p:nvPr/>
+        </p:nvSpPr>
+        <p:spPr>
+          <a:xfrm>
+            <a:off x="8100392" y="4149080"/>
+            <a:ext cx="936104" cy="369332"/>
+          </a:xfrm>
+          <a:prstGeom prst="rect">
+            <a:avLst/>
+          </a:prstGeom>
+          <a:noFill/>
+        </p:spPr>
+        <p:txBody>
+          <a:bodyPr wrap="square" rtlCol="0">
+            <a:spAutoFit/>
+          </a:bodyPr>
+          <a:lstStyle/>
+          <a:p>
+            <a:r>
+              <a:rPr lang="ko-KR" altLang="en-US" smtClean="0"/>
+              <a:t>관리자</a:t>
+            </a:r>
+            <a:endParaRPr lang="ko-KR" altLang="en-US"/>
+          </a:p>
+        </p:txBody>
+      </p:sp>
+      <p:cxnSp>
+        <p:nvCxnSpPr>
+          <p:cNvPr id="52" name="직선 화살표 연결선 51"/>
+          <p:cNvCxnSpPr>
+            <a:stCxn id="8" idx="6"/>
+            <a:endCxn id="9" idx="2"/>
+          </p:cNvCxnSpPr>
+          <p:nvPr/>
+        </p:nvCxnSpPr>
+        <p:spPr>
+          <a:xfrm flipV="1">
+            <a:off x="4211960" y="1088740"/>
+            <a:ext cx="792088" cy="2640"/>
+          </a:xfrm>
+          <a:prstGeom prst="straightConnector1">
+            <a:avLst/>
+          </a:prstGeom>
+          <a:ln w="15875">
+            <a:tailEnd type="arrow"/>
+          </a:ln>
+        </p:spPr>
+        <p:style>
+          <a:lnRef idx="1">
+            <a:schemeClr val="accent1"/>
+          </a:lnRef>
+          <a:fillRef idx="0">
+            <a:schemeClr val="accent1"/>
+          </a:fillRef>
+          <a:effectRef idx="0">
+            <a:schemeClr val="accent1"/>
+          </a:effectRef>
+          <a:fontRef idx="minor">
+            <a:schemeClr val="tx1"/>
+          </a:fontRef>
+        </p:style>
+      </p:cxnSp>
+      <p:sp>
+        <p:nvSpPr>
+          <p:cNvPr id="39" name="타원 38"/>
+          <p:cNvSpPr/>
+          <p:nvPr/>
+        </p:nvSpPr>
+        <p:spPr>
+          <a:xfrm>
+            <a:off x="3779912" y="3284984"/>
+            <a:ext cx="1872208" cy="720080"/>
+          </a:xfrm>
+          <a:prstGeom prst="ellipse">
+            <a:avLst/>
+          </a:prstGeom>
+          <a:solidFill>
+            <a:srgbClr val="006ECD">
+              <a:alpha val="60784"/>
+            </a:srgbClr>
+          </a:solidFill>
+          <a:ln w="19050"/>
+        </p:spPr>
+        <p:style>
+          <a:lnRef idx="2">
+            <a:schemeClr val="accent1">
+              <a:shade val="50000"/>
+            </a:schemeClr>
+          </a:lnRef>
+          <a:fillRef idx="1">
+            <a:schemeClr val="accent1"/>
+          </a:fillRef>
+          <a:effectRef idx="0">
+            <a:schemeClr val="accent1"/>
+          </a:effectRef>
+          <a:fontRef idx="minor">
+            <a:schemeClr val="lt1"/>
+          </a:fontRef>
+        </p:style>
+        <p:txBody>
+          <a:bodyPr rtlCol="0" anchor="ctr"/>
+          <a:lstStyle/>
+          <a:p>
+            <a:pPr algn="ctr"/>
+            <a:r>
+              <a:rPr lang="en-US" altLang="ko-KR" sz="1400" dirty="0" smtClean="0"/>
+              <a:t>Authorization</a:t>
+            </a:r>
+          </a:p>
+        </p:txBody>
+      </p:sp>
+      <p:cxnSp>
+        <p:nvCxnSpPr>
+          <p:cNvPr id="67" name="직선 연결선 66"/>
+          <p:cNvCxnSpPr>
+            <a:stCxn id="39" idx="6"/>
+            <a:endCxn id="4" idx="1"/>
+          </p:cNvCxnSpPr>
+          <p:nvPr/>
+        </p:nvCxnSpPr>
+        <p:spPr>
+          <a:xfrm flipV="1">
+            <a:off x="5652120" y="3608358"/>
+            <a:ext cx="2376264" cy="36666"/>
+          </a:xfrm>
+          <a:prstGeom prst="line">
+            <a:avLst/>
+          </a:prstGeom>
+          <a:ln w="15875"/>
+        </p:spPr>
+        <p:style>
+          <a:lnRef idx="1">
+            <a:schemeClr val="accent1"/>
+          </a:lnRef>
+          <a:fillRef idx="0">
+            <a:schemeClr val="accent1"/>
+          </a:fillRef>
+          <a:effectRef idx="0">
+            <a:schemeClr val="accent1"/>
+          </a:effectRef>
+          <a:fontRef idx="minor">
+            <a:schemeClr val="tx1"/>
+          </a:fontRef>
+        </p:style>
+      </p:cxnSp>
+      <p:cxnSp>
+        <p:nvCxnSpPr>
+          <p:cNvPr id="73" name="직선 연결선 72"/>
+          <p:cNvCxnSpPr>
+            <a:stCxn id="15" idx="2"/>
+            <a:endCxn id="5" idx="3"/>
+          </p:cNvCxnSpPr>
+          <p:nvPr/>
+        </p:nvCxnSpPr>
+        <p:spPr>
+          <a:xfrm flipH="1" flipV="1">
+            <a:off x="1284229" y="3537013"/>
+            <a:ext cx="2495683" cy="2052227"/>
+          </a:xfrm>
+          <a:prstGeom prst="line">
+            <a:avLst/>
+          </a:prstGeom>
+          <a:ln w="15875"/>
         </p:spPr>
         <p:style>
           <a:lnRef idx="1">
@@ -5153,6 +4379,986 @@
       </p:grpSpPr>
       <p:sp>
         <p:nvSpPr>
+          <p:cNvPr id="5" name="직사각형 4"/>
+          <p:cNvSpPr/>
+          <p:nvPr/>
+        </p:nvSpPr>
+        <p:spPr>
+          <a:xfrm>
+            <a:off x="899592" y="3861048"/>
+            <a:ext cx="7200800" cy="2664296"/>
+          </a:xfrm>
+          <a:prstGeom prst="rect">
+            <a:avLst/>
+          </a:prstGeom>
+          <a:noFill/>
+          <a:ln>
+            <a:solidFill>
+              <a:schemeClr val="tx1"/>
+            </a:solidFill>
+          </a:ln>
+        </p:spPr>
+        <p:style>
+          <a:lnRef idx="2">
+            <a:schemeClr val="accent1">
+              <a:shade val="50000"/>
+            </a:schemeClr>
+          </a:lnRef>
+          <a:fillRef idx="1">
+            <a:schemeClr val="accent1"/>
+          </a:fillRef>
+          <a:effectRef idx="0">
+            <a:schemeClr val="accent1"/>
+          </a:effectRef>
+          <a:fontRef idx="minor">
+            <a:schemeClr val="lt1"/>
+          </a:fontRef>
+        </p:style>
+        <p:txBody>
+          <a:bodyPr rtlCol="0" anchor="ctr"/>
+          <a:lstStyle/>
+          <a:p>
+            <a:pPr algn="ctr">
+              <a:lnSpc>
+                <a:spcPct val="150000"/>
+              </a:lnSpc>
+            </a:pPr>
+            <a:r>
+              <a:rPr lang="en-US" altLang="ko-KR" dirty="0" smtClean="0">
+                <a:solidFill>
+                  <a:schemeClr val="tx1"/>
+                </a:solidFill>
+              </a:rPr>
+              <a:t>Class Test</a:t>
+            </a:r>
+          </a:p>
+          <a:p>
+            <a:r>
+              <a:rPr lang="en-US" altLang="ko-KR" dirty="0" err="1" smtClean="0">
+                <a:solidFill>
+                  <a:schemeClr val="tx1"/>
+                </a:solidFill>
+              </a:rPr>
+              <a:t>faceId</a:t>
+            </a:r>
+            <a:r>
+              <a:rPr lang="en-US" altLang="ko-KR" dirty="0" smtClean="0">
+                <a:solidFill>
+                  <a:schemeClr val="tx1"/>
+                </a:solidFill>
+              </a:rPr>
+              <a:t> : string</a:t>
+            </a:r>
+          </a:p>
+          <a:p>
+            <a:r>
+              <a:rPr lang="en-US" altLang="ko-KR" dirty="0" smtClean="0">
+                <a:solidFill>
+                  <a:schemeClr val="tx1"/>
+                </a:solidFill>
+              </a:rPr>
+              <a:t>rectangle : </a:t>
+            </a:r>
+            <a:r>
+              <a:rPr lang="en-US" altLang="ko-KR" dirty="0" err="1" smtClean="0">
+                <a:solidFill>
+                  <a:schemeClr val="tx1"/>
+                </a:solidFill>
+              </a:rPr>
+              <a:t>dict</a:t>
+            </a:r>
+            <a:endParaRPr lang="en-US" altLang="ko-KR" dirty="0" smtClean="0">
+              <a:solidFill>
+                <a:schemeClr val="tx1"/>
+              </a:solidFill>
+            </a:endParaRPr>
+          </a:p>
+          <a:p>
+            <a:r>
+              <a:rPr lang="en-US" altLang="ko-KR" dirty="0" err="1" smtClean="0">
+                <a:solidFill>
+                  <a:schemeClr val="tx1"/>
+                </a:solidFill>
+              </a:rPr>
+              <a:t>personGroupId</a:t>
+            </a:r>
+            <a:r>
+              <a:rPr lang="en-US" altLang="ko-KR" dirty="0" smtClean="0">
+                <a:solidFill>
+                  <a:schemeClr val="tx1"/>
+                </a:solidFill>
+              </a:rPr>
+              <a:t> : string</a:t>
+            </a:r>
+          </a:p>
+          <a:p>
+            <a:r>
+              <a:rPr lang="en-US" altLang="ko-KR" dirty="0" err="1" smtClean="0">
+                <a:solidFill>
+                  <a:schemeClr val="tx1"/>
+                </a:solidFill>
+              </a:rPr>
+              <a:t>personId</a:t>
+            </a:r>
+            <a:r>
+              <a:rPr lang="en-US" altLang="ko-KR" dirty="0" smtClean="0">
+                <a:solidFill>
+                  <a:schemeClr val="tx1"/>
+                </a:solidFill>
+              </a:rPr>
+              <a:t> : string</a:t>
+            </a:r>
+          </a:p>
+          <a:p>
+            <a:r>
+              <a:rPr lang="en-US" altLang="ko-KR" dirty="0" smtClean="0">
+                <a:solidFill>
+                  <a:schemeClr val="tx1"/>
+                </a:solidFill>
+              </a:rPr>
+              <a:t>confidence : </a:t>
+            </a:r>
+            <a:r>
+              <a:rPr lang="en-US" altLang="ko-KR" dirty="0" err="1" smtClean="0">
+                <a:solidFill>
+                  <a:schemeClr val="tx1"/>
+                </a:solidFill>
+              </a:rPr>
+              <a:t>int</a:t>
+            </a:r>
+            <a:r>
+              <a:rPr lang="en-US" altLang="ko-KR" dirty="0" smtClean="0">
+                <a:solidFill>
+                  <a:schemeClr val="tx1"/>
+                </a:solidFill>
+              </a:rPr>
+              <a:t> </a:t>
+            </a:r>
+          </a:p>
+          <a:p>
+            <a:pPr>
+              <a:lnSpc>
+                <a:spcPct val="150000"/>
+              </a:lnSpc>
+            </a:pPr>
+            <a:r>
+              <a:rPr lang="en-US" altLang="ko-KR" dirty="0" err="1" smtClean="0">
+                <a:solidFill>
+                  <a:schemeClr val="tx1"/>
+                </a:solidFill>
+              </a:rPr>
+              <a:t>faceDetect</a:t>
+            </a:r>
+            <a:r>
+              <a:rPr lang="en-US" altLang="ko-KR" dirty="0" smtClean="0">
+                <a:solidFill>
+                  <a:schemeClr val="tx1"/>
+                </a:solidFill>
+              </a:rPr>
+              <a:t>()</a:t>
+            </a:r>
+          </a:p>
+          <a:p>
+            <a:r>
+              <a:rPr lang="en-US" altLang="ko-KR" dirty="0" err="1" smtClean="0">
+                <a:solidFill>
+                  <a:schemeClr val="tx1"/>
+                </a:solidFill>
+              </a:rPr>
+              <a:t>faceidentify</a:t>
+            </a:r>
+            <a:r>
+              <a:rPr lang="en-US" altLang="ko-KR" dirty="0" smtClean="0">
+                <a:solidFill>
+                  <a:schemeClr val="tx1"/>
+                </a:solidFill>
+              </a:rPr>
+              <a:t>(</a:t>
+            </a:r>
+            <a:r>
+              <a:rPr lang="en-US" altLang="ko-KR" dirty="0" err="1" smtClean="0">
+                <a:solidFill>
+                  <a:schemeClr val="tx1"/>
+                </a:solidFill>
+              </a:rPr>
+              <a:t>personGroupId</a:t>
+            </a:r>
+            <a:r>
+              <a:rPr lang="en-US" altLang="ko-KR" dirty="0" smtClean="0">
+                <a:solidFill>
+                  <a:schemeClr val="tx1"/>
+                </a:solidFill>
+              </a:rPr>
+              <a:t>, </a:t>
+            </a:r>
+            <a:r>
+              <a:rPr lang="en-US" altLang="ko-KR" dirty="0" err="1" smtClean="0">
+                <a:solidFill>
+                  <a:schemeClr val="tx1"/>
+                </a:solidFill>
+              </a:rPr>
+              <a:t>img_bgr,faceID,left,top,bottom,right</a:t>
+            </a:r>
+            <a:r>
+              <a:rPr lang="en-US" altLang="ko-KR" dirty="0" smtClean="0">
+                <a:solidFill>
+                  <a:schemeClr val="tx1"/>
+                </a:solidFill>
+              </a:rPr>
+              <a:t>)</a:t>
+            </a:r>
+            <a:endParaRPr lang="en-US" altLang="ko-KR" dirty="0" smtClean="0"/>
+          </a:p>
+          <a:p>
+            <a:pPr algn="ctr"/>
+            <a:endParaRPr lang="ko-KR" altLang="en-US" dirty="0"/>
+          </a:p>
+        </p:txBody>
+      </p:sp>
+      <p:sp>
+        <p:nvSpPr>
+          <p:cNvPr id="8" name="직사각형 7"/>
+          <p:cNvSpPr/>
+          <p:nvPr/>
+        </p:nvSpPr>
+        <p:spPr>
+          <a:xfrm>
+            <a:off x="4860032" y="404664"/>
+            <a:ext cx="3528392" cy="1368152"/>
+          </a:xfrm>
+          <a:prstGeom prst="rect">
+            <a:avLst/>
+          </a:prstGeom>
+          <a:noFill/>
+          <a:ln>
+            <a:solidFill>
+              <a:schemeClr val="tx1"/>
+            </a:solidFill>
+          </a:ln>
+        </p:spPr>
+        <p:style>
+          <a:lnRef idx="2">
+            <a:schemeClr val="accent1">
+              <a:shade val="50000"/>
+            </a:schemeClr>
+          </a:lnRef>
+          <a:fillRef idx="1">
+            <a:schemeClr val="accent1"/>
+          </a:fillRef>
+          <a:effectRef idx="0">
+            <a:schemeClr val="accent1"/>
+          </a:effectRef>
+          <a:fontRef idx="minor">
+            <a:schemeClr val="lt1"/>
+          </a:fontRef>
+        </p:style>
+        <p:txBody>
+          <a:bodyPr rtlCol="0" anchor="ctr"/>
+          <a:lstStyle/>
+          <a:p>
+            <a:pPr algn="ctr">
+              <a:lnSpc>
+                <a:spcPct val="150000"/>
+              </a:lnSpc>
+            </a:pPr>
+            <a:r>
+              <a:rPr lang="en-US" altLang="ko-KR" dirty="0" smtClean="0">
+                <a:solidFill>
+                  <a:schemeClr val="tx1"/>
+                </a:solidFill>
+              </a:rPr>
+              <a:t>Class Train</a:t>
+            </a:r>
+          </a:p>
+          <a:p>
+            <a:pPr>
+              <a:lnSpc>
+                <a:spcPct val="150000"/>
+              </a:lnSpc>
+            </a:pPr>
+            <a:r>
+              <a:rPr lang="en-US" altLang="ko-KR" dirty="0" err="1" smtClean="0">
+                <a:solidFill>
+                  <a:schemeClr val="tx1"/>
+                </a:solidFill>
+              </a:rPr>
+              <a:t>personGroupId</a:t>
+            </a:r>
+            <a:r>
+              <a:rPr lang="en-US" altLang="ko-KR" dirty="0" smtClean="0">
+                <a:solidFill>
+                  <a:schemeClr val="tx1"/>
+                </a:solidFill>
+              </a:rPr>
+              <a:t> : String</a:t>
+            </a:r>
+          </a:p>
+          <a:p>
+            <a:pPr>
+              <a:lnSpc>
+                <a:spcPct val="150000"/>
+              </a:lnSpc>
+            </a:pPr>
+            <a:r>
+              <a:rPr lang="en-US" altLang="ko-KR" dirty="0" err="1" smtClean="0">
+                <a:solidFill>
+                  <a:schemeClr val="tx1"/>
+                </a:solidFill>
+              </a:rPr>
+              <a:t>trainModel</a:t>
+            </a:r>
+            <a:r>
+              <a:rPr lang="en-US" altLang="ko-KR" dirty="0" smtClean="0">
+                <a:solidFill>
+                  <a:schemeClr val="tx1"/>
+                </a:solidFill>
+              </a:rPr>
+              <a:t>(</a:t>
+            </a:r>
+            <a:r>
+              <a:rPr lang="en-US" altLang="ko-KR" dirty="0" err="1" smtClean="0">
+                <a:solidFill>
+                  <a:schemeClr val="tx1"/>
+                </a:solidFill>
+              </a:rPr>
+              <a:t>personGroupId</a:t>
+            </a:r>
+            <a:r>
+              <a:rPr lang="en-US" altLang="ko-KR" dirty="0" smtClean="0">
+                <a:solidFill>
+                  <a:schemeClr val="tx1"/>
+                </a:solidFill>
+              </a:rPr>
+              <a:t>)</a:t>
+            </a:r>
+          </a:p>
+          <a:p>
+            <a:pPr algn="ctr"/>
+            <a:endParaRPr lang="en-US" altLang="ko-KR" dirty="0" smtClean="0">
+              <a:solidFill>
+                <a:schemeClr val="tx1"/>
+              </a:solidFill>
+            </a:endParaRPr>
+          </a:p>
+        </p:txBody>
+      </p:sp>
+      <p:sp>
+        <p:nvSpPr>
+          <p:cNvPr id="10" name="직사각형 9"/>
+          <p:cNvSpPr/>
+          <p:nvPr/>
+        </p:nvSpPr>
+        <p:spPr>
+          <a:xfrm>
+            <a:off x="395536" y="260648"/>
+            <a:ext cx="3888432" cy="3168352"/>
+          </a:xfrm>
+          <a:prstGeom prst="rect">
+            <a:avLst/>
+          </a:prstGeom>
+          <a:noFill/>
+          <a:ln>
+            <a:solidFill>
+              <a:schemeClr val="tx1"/>
+            </a:solidFill>
+          </a:ln>
+        </p:spPr>
+        <p:style>
+          <a:lnRef idx="2">
+            <a:schemeClr val="accent1">
+              <a:shade val="50000"/>
+            </a:schemeClr>
+          </a:lnRef>
+          <a:fillRef idx="1">
+            <a:schemeClr val="accent1"/>
+          </a:fillRef>
+          <a:effectRef idx="0">
+            <a:schemeClr val="accent1"/>
+          </a:effectRef>
+          <a:fontRef idx="minor">
+            <a:schemeClr val="lt1"/>
+          </a:fontRef>
+        </p:style>
+        <p:txBody>
+          <a:bodyPr rtlCol="0" anchor="ctr"/>
+          <a:lstStyle/>
+          <a:p>
+            <a:pPr algn="ctr">
+              <a:lnSpc>
+                <a:spcPct val="150000"/>
+              </a:lnSpc>
+            </a:pPr>
+            <a:r>
+              <a:rPr lang="en-US" altLang="ko-KR" dirty="0" smtClean="0">
+                <a:solidFill>
+                  <a:schemeClr val="tx1"/>
+                </a:solidFill>
+              </a:rPr>
+              <a:t>Class </a:t>
+            </a:r>
+            <a:r>
+              <a:rPr lang="en-US" altLang="ko-KR" dirty="0" err="1" smtClean="0">
+                <a:solidFill>
+                  <a:schemeClr val="tx1"/>
+                </a:solidFill>
+              </a:rPr>
+              <a:t>enrollData</a:t>
+            </a:r>
+            <a:endParaRPr lang="en-US" altLang="ko-KR" dirty="0" smtClean="0">
+              <a:solidFill>
+                <a:schemeClr val="tx1"/>
+              </a:solidFill>
+            </a:endParaRPr>
+          </a:p>
+          <a:p>
+            <a:pPr>
+              <a:lnSpc>
+                <a:spcPct val="150000"/>
+              </a:lnSpc>
+            </a:pPr>
+            <a:r>
+              <a:rPr lang="en-US" altLang="ko-KR" dirty="0" err="1" smtClean="0">
+                <a:solidFill>
+                  <a:schemeClr val="tx1"/>
+                </a:solidFill>
+              </a:rPr>
+              <a:t>personGroupId</a:t>
+            </a:r>
+            <a:r>
+              <a:rPr lang="en-US" altLang="ko-KR" dirty="0" smtClean="0">
+                <a:solidFill>
+                  <a:schemeClr val="tx1"/>
+                </a:solidFill>
+              </a:rPr>
+              <a:t> : string</a:t>
+            </a:r>
+          </a:p>
+          <a:p>
+            <a:r>
+              <a:rPr lang="en-US" altLang="ko-KR" dirty="0" err="1" smtClean="0">
+                <a:solidFill>
+                  <a:schemeClr val="tx1"/>
+                </a:solidFill>
+              </a:rPr>
+              <a:t>personId</a:t>
+            </a:r>
+            <a:r>
+              <a:rPr lang="en-US" altLang="ko-KR" dirty="0" smtClean="0">
+                <a:solidFill>
+                  <a:schemeClr val="tx1"/>
+                </a:solidFill>
+              </a:rPr>
+              <a:t> : string</a:t>
+            </a:r>
+          </a:p>
+          <a:p>
+            <a:r>
+              <a:rPr lang="en-US" altLang="ko-KR" dirty="0" err="1" smtClean="0">
+                <a:solidFill>
+                  <a:schemeClr val="tx1"/>
+                </a:solidFill>
+              </a:rPr>
+              <a:t>persistedFaceId</a:t>
+            </a:r>
+            <a:r>
+              <a:rPr lang="en-US" altLang="ko-KR" dirty="0" smtClean="0">
+                <a:solidFill>
+                  <a:schemeClr val="tx1"/>
+                </a:solidFill>
+              </a:rPr>
+              <a:t> : string</a:t>
+            </a:r>
+          </a:p>
+          <a:p>
+            <a:r>
+              <a:rPr lang="en-US" altLang="ko-KR" dirty="0" err="1" smtClean="0">
+                <a:solidFill>
+                  <a:schemeClr val="tx1"/>
+                </a:solidFill>
+              </a:rPr>
+              <a:t>nameList</a:t>
+            </a:r>
+            <a:r>
+              <a:rPr lang="en-US" altLang="ko-KR" dirty="0" smtClean="0">
+                <a:solidFill>
+                  <a:schemeClr val="tx1"/>
+                </a:solidFill>
+              </a:rPr>
+              <a:t> : List</a:t>
+            </a:r>
+          </a:p>
+          <a:p>
+            <a:r>
+              <a:rPr lang="en-US" altLang="ko-KR" dirty="0" err="1" smtClean="0">
+                <a:solidFill>
+                  <a:schemeClr val="tx1"/>
+                </a:solidFill>
+              </a:rPr>
+              <a:t>personImageList</a:t>
+            </a:r>
+            <a:r>
+              <a:rPr lang="en-US" altLang="ko-KR" dirty="0" smtClean="0">
+                <a:solidFill>
+                  <a:schemeClr val="tx1"/>
+                </a:solidFill>
+              </a:rPr>
+              <a:t> : List</a:t>
+            </a:r>
+          </a:p>
+          <a:p>
+            <a:pPr>
+              <a:lnSpc>
+                <a:spcPct val="150000"/>
+              </a:lnSpc>
+            </a:pPr>
+            <a:r>
+              <a:rPr lang="en-US" altLang="ko-KR" dirty="0" err="1" smtClean="0">
+                <a:solidFill>
+                  <a:schemeClr val="tx1"/>
+                </a:solidFill>
+              </a:rPr>
+              <a:t>createPersongroup</a:t>
+            </a:r>
+            <a:r>
+              <a:rPr lang="en-US" altLang="ko-KR" dirty="0" smtClean="0">
+                <a:solidFill>
+                  <a:schemeClr val="tx1"/>
+                </a:solidFill>
+              </a:rPr>
+              <a:t>()</a:t>
+            </a:r>
+          </a:p>
+          <a:p>
+            <a:r>
+              <a:rPr lang="en-US" altLang="ko-KR" dirty="0" err="1" smtClean="0">
+                <a:solidFill>
+                  <a:schemeClr val="tx1"/>
+                </a:solidFill>
+              </a:rPr>
+              <a:t>createPerson</a:t>
+            </a:r>
+            <a:r>
+              <a:rPr lang="en-US" altLang="ko-KR" dirty="0" smtClean="0">
+                <a:solidFill>
+                  <a:schemeClr val="tx1"/>
+                </a:solidFill>
+              </a:rPr>
+              <a:t>(</a:t>
+            </a:r>
+            <a:r>
+              <a:rPr lang="en-US" altLang="ko-KR" dirty="0" err="1" smtClean="0">
+                <a:solidFill>
+                  <a:schemeClr val="tx1"/>
+                </a:solidFill>
+              </a:rPr>
+              <a:t>personGroupId</a:t>
+            </a:r>
+            <a:r>
+              <a:rPr lang="en-US" altLang="ko-KR" dirty="0" smtClean="0">
+                <a:solidFill>
+                  <a:schemeClr val="tx1"/>
+                </a:solidFill>
+              </a:rPr>
+              <a:t>)</a:t>
+            </a:r>
+          </a:p>
+          <a:p>
+            <a:r>
+              <a:rPr lang="en-US" altLang="ko-KR" dirty="0" err="1" smtClean="0">
+                <a:solidFill>
+                  <a:schemeClr val="tx1"/>
+                </a:solidFill>
+              </a:rPr>
+              <a:t>savePersonImage</a:t>
+            </a:r>
+            <a:r>
+              <a:rPr lang="en-US" altLang="ko-KR" dirty="0" smtClean="0">
+                <a:solidFill>
+                  <a:schemeClr val="tx1"/>
+                </a:solidFill>
+              </a:rPr>
+              <a:t>()</a:t>
+            </a:r>
+            <a:endParaRPr lang="en-US" altLang="ko-KR" dirty="0" smtClean="0"/>
+          </a:p>
+          <a:p>
+            <a:pPr algn="ctr"/>
+            <a:endParaRPr lang="ko-KR" altLang="en-US" dirty="0"/>
+          </a:p>
+        </p:txBody>
+      </p:sp>
+      <p:cxnSp>
+        <p:nvCxnSpPr>
+          <p:cNvPr id="16" name="직선 연결선 15"/>
+          <p:cNvCxnSpPr/>
+          <p:nvPr/>
+        </p:nvCxnSpPr>
+        <p:spPr>
+          <a:xfrm>
+            <a:off x="395536" y="692696"/>
+            <a:ext cx="3888432" cy="0"/>
+          </a:xfrm>
+          <a:prstGeom prst="line">
+            <a:avLst/>
+          </a:prstGeom>
+        </p:spPr>
+        <p:style>
+          <a:lnRef idx="1">
+            <a:schemeClr val="accent1"/>
+          </a:lnRef>
+          <a:fillRef idx="0">
+            <a:schemeClr val="accent1"/>
+          </a:fillRef>
+          <a:effectRef idx="0">
+            <a:schemeClr val="accent1"/>
+          </a:effectRef>
+          <a:fontRef idx="minor">
+            <a:schemeClr val="tx1"/>
+          </a:fontRef>
+        </p:style>
+      </p:cxnSp>
+      <p:cxnSp>
+        <p:nvCxnSpPr>
+          <p:cNvPr id="20" name="직선 연결선 19"/>
+          <p:cNvCxnSpPr/>
+          <p:nvPr/>
+        </p:nvCxnSpPr>
+        <p:spPr>
+          <a:xfrm>
+            <a:off x="395536" y="2276872"/>
+            <a:ext cx="3888432" cy="0"/>
+          </a:xfrm>
+          <a:prstGeom prst="line">
+            <a:avLst/>
+          </a:prstGeom>
+        </p:spPr>
+        <p:style>
+          <a:lnRef idx="1">
+            <a:schemeClr val="accent1"/>
+          </a:lnRef>
+          <a:fillRef idx="0">
+            <a:schemeClr val="accent1"/>
+          </a:fillRef>
+          <a:effectRef idx="0">
+            <a:schemeClr val="accent1"/>
+          </a:effectRef>
+          <a:fontRef idx="minor">
+            <a:schemeClr val="tx1"/>
+          </a:fontRef>
+        </p:style>
+      </p:cxnSp>
+      <p:cxnSp>
+        <p:nvCxnSpPr>
+          <p:cNvPr id="24" name="직선 연결선 23"/>
+          <p:cNvCxnSpPr/>
+          <p:nvPr/>
+        </p:nvCxnSpPr>
+        <p:spPr>
+          <a:xfrm>
+            <a:off x="4860032" y="692696"/>
+            <a:ext cx="3528392" cy="0"/>
+          </a:xfrm>
+          <a:prstGeom prst="line">
+            <a:avLst/>
+          </a:prstGeom>
+        </p:spPr>
+        <p:style>
+          <a:lnRef idx="1">
+            <a:schemeClr val="accent1"/>
+          </a:lnRef>
+          <a:fillRef idx="0">
+            <a:schemeClr val="accent1"/>
+          </a:fillRef>
+          <a:effectRef idx="0">
+            <a:schemeClr val="accent1"/>
+          </a:effectRef>
+          <a:fontRef idx="minor">
+            <a:schemeClr val="tx1"/>
+          </a:fontRef>
+        </p:style>
+      </p:cxnSp>
+      <p:cxnSp>
+        <p:nvCxnSpPr>
+          <p:cNvPr id="27" name="직선 연결선 26"/>
+          <p:cNvCxnSpPr/>
+          <p:nvPr/>
+        </p:nvCxnSpPr>
+        <p:spPr>
+          <a:xfrm>
+            <a:off x="4860032" y="1196752"/>
+            <a:ext cx="3528392" cy="0"/>
+          </a:xfrm>
+          <a:prstGeom prst="line">
+            <a:avLst/>
+          </a:prstGeom>
+        </p:spPr>
+        <p:style>
+          <a:lnRef idx="1">
+            <a:schemeClr val="accent1"/>
+          </a:lnRef>
+          <a:fillRef idx="0">
+            <a:schemeClr val="accent1"/>
+          </a:fillRef>
+          <a:effectRef idx="0">
+            <a:schemeClr val="accent1"/>
+          </a:effectRef>
+          <a:fontRef idx="minor">
+            <a:schemeClr val="tx1"/>
+          </a:fontRef>
+        </p:style>
+      </p:cxnSp>
+      <p:cxnSp>
+        <p:nvCxnSpPr>
+          <p:cNvPr id="29" name="직선 연결선 28"/>
+          <p:cNvCxnSpPr/>
+          <p:nvPr/>
+        </p:nvCxnSpPr>
+        <p:spPr>
+          <a:xfrm>
+            <a:off x="899592" y="4221088"/>
+            <a:ext cx="7200800" cy="0"/>
+          </a:xfrm>
+          <a:prstGeom prst="line">
+            <a:avLst/>
+          </a:prstGeom>
+        </p:spPr>
+        <p:style>
+          <a:lnRef idx="1">
+            <a:schemeClr val="accent1"/>
+          </a:lnRef>
+          <a:fillRef idx="0">
+            <a:schemeClr val="accent1"/>
+          </a:fillRef>
+          <a:effectRef idx="0">
+            <a:schemeClr val="accent1"/>
+          </a:effectRef>
+          <a:fontRef idx="minor">
+            <a:schemeClr val="tx1"/>
+          </a:fontRef>
+        </p:style>
+      </p:cxnSp>
+      <p:cxnSp>
+        <p:nvCxnSpPr>
+          <p:cNvPr id="32" name="직선 연결선 31"/>
+          <p:cNvCxnSpPr/>
+          <p:nvPr/>
+        </p:nvCxnSpPr>
+        <p:spPr>
+          <a:xfrm>
+            <a:off x="899592" y="5661248"/>
+            <a:ext cx="7200800" cy="0"/>
+          </a:xfrm>
+          <a:prstGeom prst="line">
+            <a:avLst/>
+          </a:prstGeom>
+        </p:spPr>
+        <p:style>
+          <a:lnRef idx="1">
+            <a:schemeClr val="accent1"/>
+          </a:lnRef>
+          <a:fillRef idx="0">
+            <a:schemeClr val="accent1"/>
+          </a:fillRef>
+          <a:effectRef idx="0">
+            <a:schemeClr val="accent1"/>
+          </a:effectRef>
+          <a:fontRef idx="minor">
+            <a:schemeClr val="tx1"/>
+          </a:fontRef>
+        </p:style>
+      </p:cxnSp>
+      <p:sp>
+        <p:nvSpPr>
+          <p:cNvPr id="36" name="직사각형 35"/>
+          <p:cNvSpPr/>
+          <p:nvPr/>
+        </p:nvSpPr>
+        <p:spPr>
+          <a:xfrm>
+            <a:off x="4860032" y="1988840"/>
+            <a:ext cx="3528392" cy="1368152"/>
+          </a:xfrm>
+          <a:prstGeom prst="rect">
+            <a:avLst/>
+          </a:prstGeom>
+          <a:noFill/>
+          <a:ln>
+            <a:solidFill>
+              <a:schemeClr val="tx1"/>
+            </a:solidFill>
+          </a:ln>
+        </p:spPr>
+        <p:style>
+          <a:lnRef idx="2">
+            <a:schemeClr val="accent1">
+              <a:shade val="50000"/>
+            </a:schemeClr>
+          </a:lnRef>
+          <a:fillRef idx="1">
+            <a:schemeClr val="accent1"/>
+          </a:fillRef>
+          <a:effectRef idx="0">
+            <a:schemeClr val="accent1"/>
+          </a:effectRef>
+          <a:fontRef idx="minor">
+            <a:schemeClr val="lt1"/>
+          </a:fontRef>
+        </p:style>
+        <p:txBody>
+          <a:bodyPr rtlCol="0" anchor="ctr"/>
+          <a:lstStyle/>
+          <a:p>
+            <a:pPr algn="ctr">
+              <a:lnSpc>
+                <a:spcPct val="150000"/>
+              </a:lnSpc>
+            </a:pPr>
+            <a:r>
+              <a:rPr lang="en-US" altLang="ko-KR" dirty="0" smtClean="0">
+                <a:solidFill>
+                  <a:schemeClr val="tx1"/>
+                </a:solidFill>
+              </a:rPr>
+              <a:t>Class Main</a:t>
+            </a:r>
+          </a:p>
+          <a:p>
+            <a:pPr>
+              <a:lnSpc>
+                <a:spcPct val="150000"/>
+              </a:lnSpc>
+            </a:pPr>
+            <a:r>
+              <a:rPr lang="ko-KR" altLang="en-US" dirty="0" err="1" smtClean="0">
+                <a:solidFill>
+                  <a:schemeClr val="tx1"/>
+                </a:solidFill>
+              </a:rPr>
+              <a:t>생성자</a:t>
+            </a:r>
+            <a:endParaRPr lang="en-US" altLang="ko-KR" dirty="0" smtClean="0">
+              <a:solidFill>
+                <a:schemeClr val="tx1"/>
+              </a:solidFill>
+            </a:endParaRPr>
+          </a:p>
+          <a:p>
+            <a:pPr>
+              <a:lnSpc>
+                <a:spcPct val="150000"/>
+              </a:lnSpc>
+            </a:pPr>
+            <a:r>
+              <a:rPr lang="en-US" altLang="ko-KR" smtClean="0">
+                <a:solidFill>
+                  <a:schemeClr val="tx1"/>
+                </a:solidFill>
+              </a:rPr>
+              <a:t>Main()</a:t>
+            </a:r>
+            <a:endParaRPr lang="en-US" altLang="ko-KR" dirty="0" smtClean="0">
+              <a:solidFill>
+                <a:schemeClr val="tx1"/>
+              </a:solidFill>
+            </a:endParaRPr>
+          </a:p>
+          <a:p>
+            <a:pPr algn="ctr"/>
+            <a:endParaRPr lang="en-US" altLang="ko-KR" dirty="0" smtClean="0">
+              <a:solidFill>
+                <a:schemeClr val="tx1"/>
+              </a:solidFill>
+            </a:endParaRPr>
+          </a:p>
+        </p:txBody>
+      </p:sp>
+      <p:cxnSp>
+        <p:nvCxnSpPr>
+          <p:cNvPr id="37" name="직선 연결선 36"/>
+          <p:cNvCxnSpPr/>
+          <p:nvPr/>
+        </p:nvCxnSpPr>
+        <p:spPr>
+          <a:xfrm>
+            <a:off x="4860032" y="2276872"/>
+            <a:ext cx="3528392" cy="0"/>
+          </a:xfrm>
+          <a:prstGeom prst="line">
+            <a:avLst/>
+          </a:prstGeom>
+        </p:spPr>
+        <p:style>
+          <a:lnRef idx="1">
+            <a:schemeClr val="accent1"/>
+          </a:lnRef>
+          <a:fillRef idx="0">
+            <a:schemeClr val="accent1"/>
+          </a:fillRef>
+          <a:effectRef idx="0">
+            <a:schemeClr val="accent1"/>
+          </a:effectRef>
+          <a:fontRef idx="minor">
+            <a:schemeClr val="tx1"/>
+          </a:fontRef>
+        </p:style>
+      </p:cxnSp>
+      <p:cxnSp>
+        <p:nvCxnSpPr>
+          <p:cNvPr id="38" name="직선 연결선 37"/>
+          <p:cNvCxnSpPr/>
+          <p:nvPr/>
+        </p:nvCxnSpPr>
+        <p:spPr>
+          <a:xfrm>
+            <a:off x="4860032" y="2780928"/>
+            <a:ext cx="3528392" cy="0"/>
+          </a:xfrm>
+          <a:prstGeom prst="line">
+            <a:avLst/>
+          </a:prstGeom>
+        </p:spPr>
+        <p:style>
+          <a:lnRef idx="1">
+            <a:schemeClr val="accent1"/>
+          </a:lnRef>
+          <a:fillRef idx="0">
+            <a:schemeClr val="accent1"/>
+          </a:fillRef>
+          <a:effectRef idx="0">
+            <a:schemeClr val="accent1"/>
+          </a:effectRef>
+          <a:fontRef idx="minor">
+            <a:schemeClr val="tx1"/>
+          </a:fontRef>
+        </p:style>
+      </p:cxnSp>
+    </p:spTree>
+  </p:cSld>
+  <p:clrMapOvr>
+    <a:masterClrMapping/>
+  </p:clrMapOvr>
+</p:sld>
+</file>
+
+<file path=ppt/slides/slide4.xml><?xml version="1.0" encoding="utf-8"?>
+<p:sld xmlns:a="http://schemas.openxmlformats.org/drawingml/2006/main" xmlns:r="http://schemas.openxmlformats.org/officeDocument/2006/relationships" xmlns:p="http://schemas.openxmlformats.org/presentationml/2006/main">
+  <p:cSld>
+    <p:spTree>
+      <p:nvGrpSpPr>
+        <p:cNvPr id="1" name=""/>
+        <p:cNvGrpSpPr/>
+        <p:nvPr/>
+      </p:nvGrpSpPr>
+      <p:grpSpPr>
+        <a:xfrm>
+          <a:off x="0" y="0"/>
+          <a:ext cx="0" cy="0"/>
+          <a:chOff x="0" y="0"/>
+          <a:chExt cx="0" cy="0"/>
+        </a:xfrm>
+      </p:grpSpPr>
+      <p:sp>
+        <p:nvSpPr>
           <p:cNvPr id="2" name="제목 1"/>
           <p:cNvSpPr>
             <a:spLocks noGrp="1"/>
@@ -5174,8 +5380,8 @@
           <a:lstStyle/>
           <a:p>
             <a:r>
-              <a:rPr lang="en-US" altLang="ko-KR" sz="2800" dirty="0" err="1" smtClean="0"/>
-              <a:t>Erd</a:t>
+              <a:rPr lang="en-US" altLang="ko-KR" sz="2800" dirty="0" smtClean="0"/>
+              <a:t>ERD</a:t>
             </a:r>
             <a:endParaRPr lang="ko-KR" altLang="en-US" sz="2800" dirty="0"/>
           </a:p>
@@ -5270,13 +5476,13 @@
           <a:p>
             <a:r>
               <a:rPr lang="en-US" altLang="ko-KR" dirty="0" smtClean="0"/>
-              <a:t>Authority</a:t>
+              <a:t>Group </a:t>
             </a:r>
           </a:p>
           <a:p>
             <a:r>
               <a:rPr lang="en-US" altLang="ko-KR" dirty="0" smtClean="0"/>
-              <a:t>#</a:t>
+              <a:t>#Group name</a:t>
             </a:r>
             <a:endParaRPr lang="ko-KR" altLang="en-US" dirty="0"/>
           </a:p>
@@ -5290,7 +5496,7 @@
         </p:nvSpPr>
         <p:spPr>
           <a:xfrm>
-            <a:off x="2771800" y="3212976"/>
+            <a:off x="827584" y="3212976"/>
             <a:ext cx="2304256" cy="1477328"/>
           </a:xfrm>
           <a:prstGeom prst="rect">
@@ -5356,6 +5562,2794 @@
           </a:p>
         </p:txBody>
       </p:sp>
+    </p:spTree>
+  </p:cSld>
+  <p:clrMapOvr>
+    <a:masterClrMapping/>
+  </p:clrMapOvr>
+</p:sld>
+</file>
+
+<file path=ppt/slides/slide5.xml><?xml version="1.0" encoding="utf-8"?>
+<p:sld xmlns:a="http://schemas.openxmlformats.org/drawingml/2006/main" xmlns:r="http://schemas.openxmlformats.org/officeDocument/2006/relationships" xmlns:p="http://schemas.openxmlformats.org/presentationml/2006/main">
+  <p:cSld>
+    <p:spTree>
+      <p:nvGrpSpPr>
+        <p:cNvPr id="1" name=""/>
+        <p:cNvGrpSpPr/>
+        <p:nvPr/>
+      </p:nvGrpSpPr>
+      <p:grpSpPr>
+        <a:xfrm>
+          <a:off x="0" y="0"/>
+          <a:ext cx="0" cy="0"/>
+          <a:chOff x="0" y="0"/>
+          <a:chExt cx="0" cy="0"/>
+        </a:xfrm>
+      </p:grpSpPr>
+      <p:sp>
+        <p:nvSpPr>
+          <p:cNvPr id="50" name="직사각형 49"/>
+          <p:cNvSpPr/>
+          <p:nvPr/>
+        </p:nvSpPr>
+        <p:spPr>
+          <a:xfrm>
+            <a:off x="2627784" y="2132856"/>
+            <a:ext cx="6408712" cy="4464496"/>
+          </a:xfrm>
+          <a:prstGeom prst="rect">
+            <a:avLst/>
+          </a:prstGeom>
+          <a:solidFill>
+            <a:schemeClr val="bg1"/>
+          </a:solidFill>
+          <a:ln w="3175">
+            <a:prstDash val="sysDash"/>
+          </a:ln>
+        </p:spPr>
+        <p:style>
+          <a:lnRef idx="2">
+            <a:schemeClr val="accent1">
+              <a:shade val="50000"/>
+            </a:schemeClr>
+          </a:lnRef>
+          <a:fillRef idx="1">
+            <a:schemeClr val="accent1"/>
+          </a:fillRef>
+          <a:effectRef idx="0">
+            <a:schemeClr val="accent1"/>
+          </a:effectRef>
+          <a:fontRef idx="minor">
+            <a:schemeClr val="lt1"/>
+          </a:fontRef>
+        </p:style>
+        <p:txBody>
+          <a:bodyPr rtlCol="0" anchor="ctr"/>
+          <a:lstStyle/>
+          <a:p>
+            <a:pPr algn="ctr"/>
+            <a:endParaRPr lang="ko-KR" altLang="en-US"/>
+          </a:p>
+        </p:txBody>
+      </p:sp>
+      <p:sp>
+        <p:nvSpPr>
+          <p:cNvPr id="4" name="오른쪽 화살표 3"/>
+          <p:cNvSpPr/>
+          <p:nvPr/>
+        </p:nvSpPr>
+        <p:spPr>
+          <a:xfrm>
+            <a:off x="1691680" y="764704"/>
+            <a:ext cx="576064" cy="936104"/>
+          </a:xfrm>
+          <a:prstGeom prst="rightArrow">
+            <a:avLst/>
+          </a:prstGeom>
+        </p:spPr>
+        <p:style>
+          <a:lnRef idx="2">
+            <a:schemeClr val="accent1">
+              <a:shade val="50000"/>
+            </a:schemeClr>
+          </a:lnRef>
+          <a:fillRef idx="1">
+            <a:schemeClr val="accent1"/>
+          </a:fillRef>
+          <a:effectRef idx="0">
+            <a:schemeClr val="accent1"/>
+          </a:effectRef>
+          <a:fontRef idx="minor">
+            <a:schemeClr val="lt1"/>
+          </a:fontRef>
+        </p:style>
+        <p:txBody>
+          <a:bodyPr rtlCol="0" anchor="ctr"/>
+          <a:lstStyle/>
+          <a:p>
+            <a:pPr algn="ctr"/>
+            <a:endParaRPr lang="ko-KR" altLang="en-US"/>
+          </a:p>
+        </p:txBody>
+      </p:sp>
+      <p:sp>
+        <p:nvSpPr>
+          <p:cNvPr id="6" name="TextBox 5"/>
+          <p:cNvSpPr txBox="1"/>
+          <p:nvPr/>
+        </p:nvSpPr>
+        <p:spPr>
+          <a:xfrm>
+            <a:off x="251520" y="908720"/>
+            <a:ext cx="1368152" cy="646331"/>
+          </a:xfrm>
+          <a:prstGeom prst="rect">
+            <a:avLst/>
+          </a:prstGeom>
+          <a:noFill/>
+        </p:spPr>
+        <p:txBody>
+          <a:bodyPr wrap="square" rtlCol="0">
+            <a:spAutoFit/>
+          </a:bodyPr>
+          <a:lstStyle/>
+          <a:p>
+            <a:r>
+              <a:rPr lang="en-US" altLang="ko-KR" dirty="0" smtClean="0"/>
+              <a:t>People Group </a:t>
+            </a:r>
+            <a:r>
+              <a:rPr lang="ko-KR" altLang="en-US" dirty="0" smtClean="0"/>
+              <a:t>생성</a:t>
+            </a:r>
+            <a:endParaRPr lang="ko-KR" altLang="en-US" dirty="0"/>
+          </a:p>
+        </p:txBody>
+      </p:sp>
+      <p:sp>
+        <p:nvSpPr>
+          <p:cNvPr id="8" name="TextBox 7"/>
+          <p:cNvSpPr txBox="1"/>
+          <p:nvPr/>
+        </p:nvSpPr>
+        <p:spPr>
+          <a:xfrm>
+            <a:off x="2411760" y="980728"/>
+            <a:ext cx="1440160" cy="646331"/>
+          </a:xfrm>
+          <a:prstGeom prst="rect">
+            <a:avLst/>
+          </a:prstGeom>
+          <a:noFill/>
+        </p:spPr>
+        <p:txBody>
+          <a:bodyPr wrap="square" rtlCol="0">
+            <a:spAutoFit/>
+          </a:bodyPr>
+          <a:lstStyle/>
+          <a:p>
+            <a:r>
+              <a:rPr lang="en-US" altLang="ko-KR" dirty="0" smtClean="0"/>
+              <a:t>Person Group </a:t>
+            </a:r>
+            <a:r>
+              <a:rPr lang="ko-KR" altLang="en-US" dirty="0" smtClean="0"/>
+              <a:t>생성</a:t>
+            </a:r>
+            <a:endParaRPr lang="ko-KR" altLang="en-US" dirty="0"/>
+          </a:p>
+        </p:txBody>
+      </p:sp>
+      <p:sp>
+        <p:nvSpPr>
+          <p:cNvPr id="10" name="오른쪽 화살표 9"/>
+          <p:cNvSpPr/>
+          <p:nvPr/>
+        </p:nvSpPr>
+        <p:spPr>
+          <a:xfrm>
+            <a:off x="6156176" y="764704"/>
+            <a:ext cx="576064" cy="936104"/>
+          </a:xfrm>
+          <a:prstGeom prst="rightArrow">
+            <a:avLst/>
+          </a:prstGeom>
+        </p:spPr>
+        <p:style>
+          <a:lnRef idx="2">
+            <a:schemeClr val="accent1">
+              <a:shade val="50000"/>
+            </a:schemeClr>
+          </a:lnRef>
+          <a:fillRef idx="1">
+            <a:schemeClr val="accent1"/>
+          </a:fillRef>
+          <a:effectRef idx="0">
+            <a:schemeClr val="accent1"/>
+          </a:effectRef>
+          <a:fontRef idx="minor">
+            <a:schemeClr val="lt1"/>
+          </a:fontRef>
+        </p:style>
+        <p:txBody>
+          <a:bodyPr rtlCol="0" anchor="ctr"/>
+          <a:lstStyle/>
+          <a:p>
+            <a:pPr algn="ctr"/>
+            <a:endParaRPr lang="ko-KR" altLang="en-US"/>
+          </a:p>
+        </p:txBody>
+      </p:sp>
+      <p:sp>
+        <p:nvSpPr>
+          <p:cNvPr id="11" name="TextBox 10"/>
+          <p:cNvSpPr txBox="1"/>
+          <p:nvPr/>
+        </p:nvSpPr>
+        <p:spPr>
+          <a:xfrm>
+            <a:off x="4572000" y="692696"/>
+            <a:ext cx="1656184" cy="1200329"/>
+          </a:xfrm>
+          <a:prstGeom prst="rect">
+            <a:avLst/>
+          </a:prstGeom>
+          <a:noFill/>
+        </p:spPr>
+        <p:txBody>
+          <a:bodyPr wrap="square" rtlCol="0">
+            <a:spAutoFit/>
+          </a:bodyPr>
+          <a:lstStyle/>
+          <a:p>
+            <a:r>
+              <a:rPr lang="ko-KR" altLang="en-US" dirty="0" smtClean="0"/>
+              <a:t>인물 이미지 데이터 </a:t>
+            </a:r>
+            <a:r>
+              <a:rPr lang="en-US" altLang="ko-KR" dirty="0" smtClean="0"/>
+              <a:t>AZURE</a:t>
+            </a:r>
+            <a:r>
+              <a:rPr lang="ko-KR" altLang="en-US" dirty="0" smtClean="0"/>
+              <a:t>에 보냄</a:t>
+            </a:r>
+            <a:r>
+              <a:rPr lang="en-US" altLang="ko-KR" dirty="0" smtClean="0"/>
+              <a:t>? </a:t>
+            </a:r>
+            <a:r>
+              <a:rPr lang="ko-KR" altLang="en-US" dirty="0" smtClean="0"/>
+              <a:t>저장</a:t>
+            </a:r>
+            <a:r>
+              <a:rPr lang="en-US" altLang="ko-KR" dirty="0" smtClean="0"/>
+              <a:t>? </a:t>
+            </a:r>
+            <a:endParaRPr lang="ko-KR" altLang="en-US" dirty="0"/>
+          </a:p>
+        </p:txBody>
+      </p:sp>
+      <p:sp>
+        <p:nvSpPr>
+          <p:cNvPr id="17" name="TextBox 16"/>
+          <p:cNvSpPr txBox="1"/>
+          <p:nvPr/>
+        </p:nvSpPr>
+        <p:spPr>
+          <a:xfrm>
+            <a:off x="6839744" y="836712"/>
+            <a:ext cx="2304256" cy="923330"/>
+          </a:xfrm>
+          <a:prstGeom prst="rect">
+            <a:avLst/>
+          </a:prstGeom>
+          <a:noFill/>
+        </p:spPr>
+        <p:txBody>
+          <a:bodyPr wrap="square" rtlCol="0">
+            <a:spAutoFit/>
+          </a:bodyPr>
+          <a:lstStyle/>
+          <a:p>
+            <a:r>
+              <a:rPr lang="ko-KR" altLang="en-US" dirty="0" smtClean="0"/>
+              <a:t>각 사람에 해당하는 </a:t>
+            </a:r>
+            <a:r>
+              <a:rPr lang="en-US" altLang="ko-KR" dirty="0" smtClean="0"/>
+              <a:t>Person ID</a:t>
+            </a:r>
+            <a:r>
+              <a:rPr lang="ko-KR" altLang="en-US" dirty="0" smtClean="0"/>
+              <a:t>를 </a:t>
+            </a:r>
+            <a:r>
+              <a:rPr lang="ko-KR" altLang="en-US" dirty="0" err="1" smtClean="0"/>
+              <a:t>부여받는다</a:t>
+            </a:r>
+            <a:r>
+              <a:rPr lang="en-US" altLang="ko-KR" dirty="0" smtClean="0"/>
+              <a:t>.</a:t>
+            </a:r>
+            <a:endParaRPr lang="ko-KR" altLang="en-US" dirty="0"/>
+          </a:p>
+        </p:txBody>
+      </p:sp>
+      <p:sp>
+        <p:nvSpPr>
+          <p:cNvPr id="21" name="TextBox 20"/>
+          <p:cNvSpPr txBox="1"/>
+          <p:nvPr/>
+        </p:nvSpPr>
+        <p:spPr>
+          <a:xfrm>
+            <a:off x="0" y="0"/>
+            <a:ext cx="2699792" cy="369332"/>
+          </a:xfrm>
+          <a:prstGeom prst="rect">
+            <a:avLst/>
+          </a:prstGeom>
+          <a:noFill/>
+        </p:spPr>
+        <p:txBody>
+          <a:bodyPr wrap="square" rtlCol="0">
+            <a:spAutoFit/>
+          </a:bodyPr>
+          <a:lstStyle/>
+          <a:p>
+            <a:r>
+              <a:rPr lang="ko-KR" altLang="en-US" dirty="0" smtClean="0"/>
+              <a:t>이미지 데이터 저장과정</a:t>
+            </a:r>
+            <a:endParaRPr lang="ko-KR" altLang="en-US" dirty="0"/>
+          </a:p>
+        </p:txBody>
+      </p:sp>
+      <p:sp>
+        <p:nvSpPr>
+          <p:cNvPr id="22" name="오른쪽 화살표 21"/>
+          <p:cNvSpPr/>
+          <p:nvPr/>
+        </p:nvSpPr>
+        <p:spPr>
+          <a:xfrm>
+            <a:off x="3851920" y="764704"/>
+            <a:ext cx="576064" cy="936104"/>
+          </a:xfrm>
+          <a:prstGeom prst="rightArrow">
+            <a:avLst/>
+          </a:prstGeom>
+        </p:spPr>
+        <p:style>
+          <a:lnRef idx="2">
+            <a:schemeClr val="accent1">
+              <a:shade val="50000"/>
+            </a:schemeClr>
+          </a:lnRef>
+          <a:fillRef idx="1">
+            <a:schemeClr val="accent1"/>
+          </a:fillRef>
+          <a:effectRef idx="0">
+            <a:schemeClr val="accent1"/>
+          </a:effectRef>
+          <a:fontRef idx="minor">
+            <a:schemeClr val="lt1"/>
+          </a:fontRef>
+        </p:style>
+        <p:txBody>
+          <a:bodyPr rtlCol="0" anchor="ctr"/>
+          <a:lstStyle/>
+          <a:p>
+            <a:pPr algn="ctr"/>
+            <a:endParaRPr lang="ko-KR" altLang="en-US"/>
+          </a:p>
+        </p:txBody>
+      </p:sp>
+      <p:sp>
+        <p:nvSpPr>
+          <p:cNvPr id="23" name="모서리가 둥근 직사각형 22"/>
+          <p:cNvSpPr/>
+          <p:nvPr/>
+        </p:nvSpPr>
+        <p:spPr>
+          <a:xfrm>
+            <a:off x="3635896" y="2564904"/>
+            <a:ext cx="5328592" cy="3672408"/>
+          </a:xfrm>
+          <a:prstGeom prst="roundRect">
+            <a:avLst>
+              <a:gd name="adj" fmla="val 7452"/>
+            </a:avLst>
+          </a:prstGeom>
+          <a:noFill/>
+          <a:ln>
+            <a:solidFill>
+              <a:srgbClr val="0070C0"/>
+            </a:solidFill>
+          </a:ln>
+        </p:spPr>
+        <p:style>
+          <a:lnRef idx="2">
+            <a:schemeClr val="accent1">
+              <a:shade val="50000"/>
+            </a:schemeClr>
+          </a:lnRef>
+          <a:fillRef idx="1">
+            <a:schemeClr val="accent1"/>
+          </a:fillRef>
+          <a:effectRef idx="0">
+            <a:schemeClr val="accent1"/>
+          </a:effectRef>
+          <a:fontRef idx="minor">
+            <a:schemeClr val="lt1"/>
+          </a:fontRef>
+        </p:style>
+        <p:txBody>
+          <a:bodyPr rtlCol="0" anchor="ctr"/>
+          <a:lstStyle/>
+          <a:p>
+            <a:pPr algn="ctr"/>
+            <a:r>
+              <a:rPr lang="en-US" altLang="ko-KR" dirty="0" smtClean="0">
+                <a:solidFill>
+                  <a:schemeClr val="tx2"/>
+                </a:solidFill>
+              </a:rPr>
+              <a:t>People Group</a:t>
+            </a:r>
+          </a:p>
+          <a:p>
+            <a:pPr algn="ctr"/>
+            <a:endParaRPr lang="en-US" altLang="ko-KR" dirty="0" smtClean="0"/>
+          </a:p>
+          <a:p>
+            <a:pPr algn="ctr"/>
+            <a:endParaRPr lang="en-US" altLang="ko-KR" dirty="0" smtClean="0"/>
+          </a:p>
+          <a:p>
+            <a:pPr algn="ctr"/>
+            <a:endParaRPr lang="en-US" altLang="ko-KR" dirty="0" smtClean="0"/>
+          </a:p>
+          <a:p>
+            <a:pPr algn="ctr"/>
+            <a:endParaRPr lang="en-US" altLang="ko-KR" dirty="0" smtClean="0"/>
+          </a:p>
+          <a:p>
+            <a:pPr algn="ctr"/>
+            <a:endParaRPr lang="en-US" altLang="ko-KR" dirty="0" smtClean="0"/>
+          </a:p>
+          <a:p>
+            <a:pPr algn="ctr"/>
+            <a:endParaRPr lang="en-US" altLang="ko-KR" dirty="0" smtClean="0"/>
+          </a:p>
+          <a:p>
+            <a:pPr algn="ctr"/>
+            <a:endParaRPr lang="en-US" altLang="ko-KR" dirty="0" smtClean="0"/>
+          </a:p>
+          <a:p>
+            <a:pPr algn="ctr"/>
+            <a:endParaRPr lang="en-US" altLang="ko-KR" dirty="0" smtClean="0"/>
+          </a:p>
+          <a:p>
+            <a:pPr algn="ctr"/>
+            <a:endParaRPr lang="en-US" altLang="ko-KR" dirty="0" smtClean="0"/>
+          </a:p>
+          <a:p>
+            <a:pPr algn="ctr"/>
+            <a:endParaRPr lang="en-US" altLang="ko-KR" dirty="0" smtClean="0"/>
+          </a:p>
+          <a:p>
+            <a:pPr algn="ctr"/>
+            <a:endParaRPr lang="en-US" altLang="ko-KR" dirty="0" smtClean="0"/>
+          </a:p>
+          <a:p>
+            <a:pPr algn="ctr"/>
+            <a:endParaRPr lang="ko-KR" altLang="en-US" dirty="0"/>
+          </a:p>
+        </p:txBody>
+      </p:sp>
+      <p:sp>
+        <p:nvSpPr>
+          <p:cNvPr id="24" name="모서리가 둥근 직사각형 23"/>
+          <p:cNvSpPr/>
+          <p:nvPr/>
+        </p:nvSpPr>
+        <p:spPr>
+          <a:xfrm>
+            <a:off x="3851920" y="3068960"/>
+            <a:ext cx="1512168" cy="2664296"/>
+          </a:xfrm>
+          <a:prstGeom prst="roundRect">
+            <a:avLst/>
+          </a:prstGeom>
+          <a:noFill/>
+        </p:spPr>
+        <p:style>
+          <a:lnRef idx="2">
+            <a:schemeClr val="accent1">
+              <a:shade val="50000"/>
+            </a:schemeClr>
+          </a:lnRef>
+          <a:fillRef idx="1">
+            <a:schemeClr val="accent1"/>
+          </a:fillRef>
+          <a:effectRef idx="0">
+            <a:schemeClr val="accent1"/>
+          </a:effectRef>
+          <a:fontRef idx="minor">
+            <a:schemeClr val="lt1"/>
+          </a:fontRef>
+        </p:style>
+        <p:txBody>
+          <a:bodyPr rtlCol="0" anchor="ctr"/>
+          <a:lstStyle/>
+          <a:p>
+            <a:pPr algn="ctr"/>
+            <a:r>
+              <a:rPr lang="en-US" altLang="ko-KR" sz="1400" dirty="0" smtClean="0">
+                <a:solidFill>
+                  <a:schemeClr val="tx2"/>
+                </a:solidFill>
+              </a:rPr>
+              <a:t>People Group</a:t>
+            </a:r>
+          </a:p>
+          <a:p>
+            <a:pPr algn="ctr"/>
+            <a:endParaRPr lang="en-US" altLang="ko-KR" sz="1400" dirty="0" smtClean="0">
+              <a:solidFill>
+                <a:schemeClr val="tx2"/>
+              </a:solidFill>
+            </a:endParaRPr>
+          </a:p>
+          <a:p>
+            <a:pPr algn="ctr"/>
+            <a:endParaRPr lang="en-US" altLang="ko-KR" dirty="0" smtClean="0">
+              <a:solidFill>
+                <a:schemeClr val="tx2"/>
+              </a:solidFill>
+            </a:endParaRPr>
+          </a:p>
+          <a:p>
+            <a:pPr algn="ctr"/>
+            <a:endParaRPr lang="en-US" altLang="ko-KR" dirty="0" smtClean="0">
+              <a:solidFill>
+                <a:schemeClr val="tx2"/>
+              </a:solidFill>
+            </a:endParaRPr>
+          </a:p>
+          <a:p>
+            <a:pPr algn="ctr"/>
+            <a:endParaRPr lang="en-US" altLang="ko-KR" dirty="0" smtClean="0">
+              <a:solidFill>
+                <a:schemeClr val="tx2"/>
+              </a:solidFill>
+            </a:endParaRPr>
+          </a:p>
+          <a:p>
+            <a:pPr algn="ctr"/>
+            <a:endParaRPr lang="en-US" altLang="ko-KR" dirty="0" smtClean="0">
+              <a:solidFill>
+                <a:schemeClr val="tx2"/>
+              </a:solidFill>
+            </a:endParaRPr>
+          </a:p>
+          <a:p>
+            <a:pPr algn="ctr"/>
+            <a:endParaRPr lang="en-US" altLang="ko-KR" dirty="0" smtClean="0">
+              <a:solidFill>
+                <a:schemeClr val="tx2"/>
+              </a:solidFill>
+            </a:endParaRPr>
+          </a:p>
+          <a:p>
+            <a:pPr algn="ctr"/>
+            <a:endParaRPr lang="en-US" altLang="ko-KR" dirty="0" smtClean="0">
+              <a:solidFill>
+                <a:schemeClr val="tx2"/>
+              </a:solidFill>
+            </a:endParaRPr>
+          </a:p>
+          <a:p>
+            <a:pPr algn="ctr"/>
+            <a:endParaRPr lang="ko-KR" altLang="en-US" dirty="0">
+              <a:solidFill>
+                <a:schemeClr val="tx2"/>
+              </a:solidFill>
+            </a:endParaRPr>
+          </a:p>
+        </p:txBody>
+      </p:sp>
+      <p:sp>
+        <p:nvSpPr>
+          <p:cNvPr id="25" name="모서리가 둥근 직사각형 24"/>
+          <p:cNvSpPr/>
+          <p:nvPr/>
+        </p:nvSpPr>
+        <p:spPr>
+          <a:xfrm>
+            <a:off x="5580112" y="3068960"/>
+            <a:ext cx="1512168" cy="2664296"/>
+          </a:xfrm>
+          <a:prstGeom prst="roundRect">
+            <a:avLst/>
+          </a:prstGeom>
+          <a:noFill/>
+        </p:spPr>
+        <p:style>
+          <a:lnRef idx="2">
+            <a:schemeClr val="accent1">
+              <a:shade val="50000"/>
+            </a:schemeClr>
+          </a:lnRef>
+          <a:fillRef idx="1">
+            <a:schemeClr val="accent1"/>
+          </a:fillRef>
+          <a:effectRef idx="0">
+            <a:schemeClr val="accent1"/>
+          </a:effectRef>
+          <a:fontRef idx="minor">
+            <a:schemeClr val="lt1"/>
+          </a:fontRef>
+        </p:style>
+        <p:txBody>
+          <a:bodyPr rtlCol="0" anchor="ctr"/>
+          <a:lstStyle/>
+          <a:p>
+            <a:pPr algn="ctr"/>
+            <a:r>
+              <a:rPr lang="en-US" altLang="ko-KR" sz="1400" dirty="0" smtClean="0">
+                <a:solidFill>
+                  <a:schemeClr val="tx2"/>
+                </a:solidFill>
+              </a:rPr>
+              <a:t>People Group</a:t>
+            </a:r>
+          </a:p>
+          <a:p>
+            <a:pPr algn="ctr"/>
+            <a:endParaRPr lang="en-US" altLang="ko-KR" sz="1400" dirty="0" smtClean="0">
+              <a:solidFill>
+                <a:schemeClr val="tx2"/>
+              </a:solidFill>
+            </a:endParaRPr>
+          </a:p>
+          <a:p>
+            <a:pPr algn="ctr"/>
+            <a:endParaRPr lang="en-US" altLang="ko-KR" dirty="0" smtClean="0">
+              <a:solidFill>
+                <a:schemeClr val="tx2"/>
+              </a:solidFill>
+            </a:endParaRPr>
+          </a:p>
+          <a:p>
+            <a:pPr algn="ctr"/>
+            <a:endParaRPr lang="en-US" altLang="ko-KR" dirty="0" smtClean="0">
+              <a:solidFill>
+                <a:schemeClr val="tx2"/>
+              </a:solidFill>
+            </a:endParaRPr>
+          </a:p>
+          <a:p>
+            <a:pPr algn="ctr"/>
+            <a:endParaRPr lang="en-US" altLang="ko-KR" dirty="0" smtClean="0">
+              <a:solidFill>
+                <a:schemeClr val="tx2"/>
+              </a:solidFill>
+            </a:endParaRPr>
+          </a:p>
+          <a:p>
+            <a:pPr algn="ctr"/>
+            <a:endParaRPr lang="en-US" altLang="ko-KR" dirty="0" smtClean="0">
+              <a:solidFill>
+                <a:schemeClr val="tx2"/>
+              </a:solidFill>
+            </a:endParaRPr>
+          </a:p>
+          <a:p>
+            <a:pPr algn="ctr"/>
+            <a:endParaRPr lang="en-US" altLang="ko-KR" dirty="0" smtClean="0">
+              <a:solidFill>
+                <a:schemeClr val="tx2"/>
+              </a:solidFill>
+            </a:endParaRPr>
+          </a:p>
+          <a:p>
+            <a:pPr algn="ctr"/>
+            <a:endParaRPr lang="en-US" altLang="ko-KR" dirty="0" smtClean="0">
+              <a:solidFill>
+                <a:schemeClr val="tx2"/>
+              </a:solidFill>
+            </a:endParaRPr>
+          </a:p>
+          <a:p>
+            <a:pPr algn="ctr"/>
+            <a:endParaRPr lang="ko-KR" altLang="en-US" dirty="0">
+              <a:solidFill>
+                <a:schemeClr val="tx2"/>
+              </a:solidFill>
+            </a:endParaRPr>
+          </a:p>
+        </p:txBody>
+      </p:sp>
+      <p:sp>
+        <p:nvSpPr>
+          <p:cNvPr id="26" name="모서리가 둥근 직사각형 25"/>
+          <p:cNvSpPr/>
+          <p:nvPr/>
+        </p:nvSpPr>
+        <p:spPr>
+          <a:xfrm>
+            <a:off x="7308304" y="3068960"/>
+            <a:ext cx="1512168" cy="2664296"/>
+          </a:xfrm>
+          <a:prstGeom prst="roundRect">
+            <a:avLst/>
+          </a:prstGeom>
+          <a:noFill/>
+        </p:spPr>
+        <p:style>
+          <a:lnRef idx="2">
+            <a:schemeClr val="accent1">
+              <a:shade val="50000"/>
+            </a:schemeClr>
+          </a:lnRef>
+          <a:fillRef idx="1">
+            <a:schemeClr val="accent1"/>
+          </a:fillRef>
+          <a:effectRef idx="0">
+            <a:schemeClr val="accent1"/>
+          </a:effectRef>
+          <a:fontRef idx="minor">
+            <a:schemeClr val="lt1"/>
+          </a:fontRef>
+        </p:style>
+        <p:txBody>
+          <a:bodyPr rtlCol="0" anchor="ctr"/>
+          <a:lstStyle/>
+          <a:p>
+            <a:pPr algn="ctr"/>
+            <a:r>
+              <a:rPr lang="en-US" altLang="ko-KR" sz="1400" dirty="0" smtClean="0">
+                <a:solidFill>
+                  <a:schemeClr val="tx2"/>
+                </a:solidFill>
+              </a:rPr>
+              <a:t>People Group</a:t>
+            </a:r>
+          </a:p>
+          <a:p>
+            <a:pPr algn="ctr"/>
+            <a:endParaRPr lang="en-US" altLang="ko-KR" sz="1400" dirty="0" smtClean="0">
+              <a:solidFill>
+                <a:schemeClr val="tx2"/>
+              </a:solidFill>
+            </a:endParaRPr>
+          </a:p>
+          <a:p>
+            <a:pPr algn="ctr"/>
+            <a:endParaRPr lang="en-US" altLang="ko-KR" dirty="0" smtClean="0">
+              <a:solidFill>
+                <a:schemeClr val="tx2"/>
+              </a:solidFill>
+            </a:endParaRPr>
+          </a:p>
+          <a:p>
+            <a:pPr algn="ctr"/>
+            <a:endParaRPr lang="en-US" altLang="ko-KR" dirty="0" smtClean="0">
+              <a:solidFill>
+                <a:schemeClr val="tx2"/>
+              </a:solidFill>
+            </a:endParaRPr>
+          </a:p>
+          <a:p>
+            <a:pPr algn="ctr"/>
+            <a:endParaRPr lang="en-US" altLang="ko-KR" dirty="0" smtClean="0">
+              <a:solidFill>
+                <a:schemeClr val="tx2"/>
+              </a:solidFill>
+            </a:endParaRPr>
+          </a:p>
+          <a:p>
+            <a:pPr algn="ctr"/>
+            <a:endParaRPr lang="en-US" altLang="ko-KR" dirty="0" smtClean="0">
+              <a:solidFill>
+                <a:schemeClr val="tx2"/>
+              </a:solidFill>
+            </a:endParaRPr>
+          </a:p>
+          <a:p>
+            <a:pPr algn="ctr"/>
+            <a:endParaRPr lang="en-US" altLang="ko-KR" dirty="0" smtClean="0">
+              <a:solidFill>
+                <a:schemeClr val="tx2"/>
+              </a:solidFill>
+            </a:endParaRPr>
+          </a:p>
+          <a:p>
+            <a:pPr algn="ctr"/>
+            <a:endParaRPr lang="en-US" altLang="ko-KR" dirty="0" smtClean="0">
+              <a:solidFill>
+                <a:schemeClr val="tx2"/>
+              </a:solidFill>
+            </a:endParaRPr>
+          </a:p>
+          <a:p>
+            <a:pPr algn="ctr"/>
+            <a:endParaRPr lang="ko-KR" altLang="en-US" dirty="0">
+              <a:solidFill>
+                <a:schemeClr val="tx2"/>
+              </a:solidFill>
+            </a:endParaRPr>
+          </a:p>
+        </p:txBody>
+      </p:sp>
+      <p:sp>
+        <p:nvSpPr>
+          <p:cNvPr id="27" name="TextBox 26"/>
+          <p:cNvSpPr txBox="1"/>
+          <p:nvPr/>
+        </p:nvSpPr>
+        <p:spPr>
+          <a:xfrm>
+            <a:off x="179512" y="3068960"/>
+            <a:ext cx="1440160" cy="2123658"/>
+          </a:xfrm>
+          <a:prstGeom prst="rect">
+            <a:avLst/>
+          </a:prstGeom>
+          <a:solidFill>
+            <a:schemeClr val="bg1"/>
+          </a:solidFill>
+          <a:ln w="3175">
+            <a:solidFill>
+              <a:schemeClr val="bg1"/>
+            </a:solidFill>
+          </a:ln>
+        </p:spPr>
+        <p:txBody>
+          <a:bodyPr wrap="square" rtlCol="0">
+            <a:spAutoFit/>
+          </a:bodyPr>
+          <a:lstStyle/>
+          <a:p>
+            <a:pPr algn="ctr"/>
+            <a:r>
+              <a:rPr lang="en-US" altLang="ko-KR" sz="1600" dirty="0" err="1" smtClean="0"/>
+              <a:t>GroupID</a:t>
+            </a:r>
+            <a:endParaRPr lang="en-US" altLang="ko-KR" sz="1600" dirty="0" smtClean="0"/>
+          </a:p>
+          <a:p>
+            <a:pPr algn="ctr"/>
+            <a:endParaRPr lang="en-US" altLang="ko-KR" sz="1600" dirty="0" smtClean="0"/>
+          </a:p>
+          <a:p>
+            <a:pPr algn="ctr"/>
+            <a:r>
+              <a:rPr lang="en-US" altLang="ko-KR" sz="1600" dirty="0" err="1" smtClean="0"/>
+              <a:t>PersonID</a:t>
+            </a:r>
+            <a:endParaRPr lang="en-US" altLang="ko-KR" sz="1600" dirty="0" smtClean="0"/>
+          </a:p>
+          <a:p>
+            <a:pPr algn="ctr"/>
+            <a:endParaRPr lang="en-US" altLang="ko-KR" sz="1600" dirty="0" smtClean="0"/>
+          </a:p>
+          <a:p>
+            <a:pPr algn="ctr"/>
+            <a:r>
+              <a:rPr lang="en-US" altLang="ko-KR" sz="1600" dirty="0" err="1" smtClean="0"/>
+              <a:t>FaceID</a:t>
+            </a:r>
+            <a:endParaRPr lang="en-US" altLang="ko-KR" sz="1600" dirty="0" smtClean="0"/>
+          </a:p>
+          <a:p>
+            <a:pPr algn="ctr"/>
+            <a:endParaRPr lang="en-US" altLang="ko-KR" sz="1600" dirty="0" smtClean="0"/>
+          </a:p>
+          <a:p>
+            <a:pPr algn="ctr"/>
+            <a:r>
+              <a:rPr lang="en-US" altLang="ko-KR" sz="1600" dirty="0" smtClean="0"/>
+              <a:t>Rectangle Information</a:t>
+            </a:r>
+          </a:p>
+        </p:txBody>
+      </p:sp>
+      <p:pic>
+        <p:nvPicPr>
+          <p:cNvPr id="1026" name="Picture 2" descr="C:\Users\Administrator\Desktop\cj_biosemester\ryu\r1.jpg"/>
+          <p:cNvPicPr>
+            <a:picLocks noChangeAspect="1" noChangeArrowheads="1"/>
+          </p:cNvPicPr>
+          <p:nvPr/>
+        </p:nvPicPr>
+        <p:blipFill>
+          <a:blip r:embed="rId2" cstate="print"/>
+          <a:srcRect/>
+          <a:stretch>
+            <a:fillRect/>
+          </a:stretch>
+        </p:blipFill>
+        <p:spPr bwMode="auto">
+          <a:xfrm>
+            <a:off x="3995936" y="3645024"/>
+            <a:ext cx="646787" cy="808484"/>
+          </a:xfrm>
+          <a:prstGeom prst="rect">
+            <a:avLst/>
+          </a:prstGeom>
+          <a:noFill/>
+        </p:spPr>
+      </p:pic>
+      <p:pic>
+        <p:nvPicPr>
+          <p:cNvPr id="1027" name="Picture 3" descr="C:\Users\Administrator\Desktop\cj_biosemester\ryu\r2.jpg"/>
+          <p:cNvPicPr>
+            <a:picLocks noChangeAspect="1" noChangeArrowheads="1"/>
+          </p:cNvPicPr>
+          <p:nvPr/>
+        </p:nvPicPr>
+        <p:blipFill>
+          <a:blip r:embed="rId3" cstate="print"/>
+          <a:srcRect/>
+          <a:stretch>
+            <a:fillRect/>
+          </a:stretch>
+        </p:blipFill>
+        <p:spPr bwMode="auto">
+          <a:xfrm>
+            <a:off x="4139952" y="3933056"/>
+            <a:ext cx="596430" cy="896887"/>
+          </a:xfrm>
+          <a:prstGeom prst="rect">
+            <a:avLst/>
+          </a:prstGeom>
+          <a:noFill/>
+        </p:spPr>
+      </p:pic>
+      <p:pic>
+        <p:nvPicPr>
+          <p:cNvPr id="1028" name="Picture 4" descr="C:\Users\Administrator\Desktop\cj_biosemester\ryu\r3.jpg"/>
+          <p:cNvPicPr>
+            <a:picLocks noChangeAspect="1" noChangeArrowheads="1"/>
+          </p:cNvPicPr>
+          <p:nvPr/>
+        </p:nvPicPr>
+        <p:blipFill>
+          <a:blip r:embed="rId4" cstate="print"/>
+          <a:srcRect/>
+          <a:stretch>
+            <a:fillRect/>
+          </a:stretch>
+        </p:blipFill>
+        <p:spPr bwMode="auto">
+          <a:xfrm>
+            <a:off x="4355976" y="4437112"/>
+            <a:ext cx="864095" cy="576064"/>
+          </a:xfrm>
+          <a:prstGeom prst="rect">
+            <a:avLst/>
+          </a:prstGeom>
+          <a:noFill/>
+        </p:spPr>
+      </p:pic>
+      <p:pic>
+        <p:nvPicPr>
+          <p:cNvPr id="1029" name="Picture 5" descr="C:\Users\Administrator\Desktop\cj_biosemester\son\s4.jpg"/>
+          <p:cNvPicPr>
+            <a:picLocks noChangeAspect="1" noChangeArrowheads="1"/>
+          </p:cNvPicPr>
+          <p:nvPr/>
+        </p:nvPicPr>
+        <p:blipFill>
+          <a:blip r:embed="rId5" cstate="print"/>
+          <a:srcRect/>
+          <a:stretch>
+            <a:fillRect/>
+          </a:stretch>
+        </p:blipFill>
+        <p:spPr bwMode="auto">
+          <a:xfrm>
+            <a:off x="5724128" y="3645024"/>
+            <a:ext cx="560890" cy="752872"/>
+          </a:xfrm>
+          <a:prstGeom prst="rect">
+            <a:avLst/>
+          </a:prstGeom>
+          <a:noFill/>
+        </p:spPr>
+      </p:pic>
+      <p:pic>
+        <p:nvPicPr>
+          <p:cNvPr id="1030" name="Picture 6" descr="C:\Users\Administrator\Desktop\cj_biosemester\son\s2.jpg"/>
+          <p:cNvPicPr>
+            <a:picLocks noChangeAspect="1" noChangeArrowheads="1"/>
+          </p:cNvPicPr>
+          <p:nvPr/>
+        </p:nvPicPr>
+        <p:blipFill>
+          <a:blip r:embed="rId6" cstate="print"/>
+          <a:srcRect/>
+          <a:stretch>
+            <a:fillRect/>
+          </a:stretch>
+        </p:blipFill>
+        <p:spPr bwMode="auto">
+          <a:xfrm>
+            <a:off x="5868144" y="4005064"/>
+            <a:ext cx="1035085" cy="739924"/>
+          </a:xfrm>
+          <a:prstGeom prst="rect">
+            <a:avLst/>
+          </a:prstGeom>
+          <a:noFill/>
+        </p:spPr>
+      </p:pic>
+      <p:pic>
+        <p:nvPicPr>
+          <p:cNvPr id="1031" name="Picture 7" descr="C:\Users\Administrator\Desktop\cj_biosemester\son\s1.jpg"/>
+          <p:cNvPicPr>
+            <a:picLocks noChangeAspect="1" noChangeArrowheads="1"/>
+          </p:cNvPicPr>
+          <p:nvPr/>
+        </p:nvPicPr>
+        <p:blipFill>
+          <a:blip r:embed="rId7" cstate="print"/>
+          <a:srcRect/>
+          <a:stretch>
+            <a:fillRect/>
+          </a:stretch>
+        </p:blipFill>
+        <p:spPr bwMode="auto">
+          <a:xfrm>
+            <a:off x="6084168" y="4581128"/>
+            <a:ext cx="936104" cy="591618"/>
+          </a:xfrm>
+          <a:prstGeom prst="rect">
+            <a:avLst/>
+          </a:prstGeom>
+          <a:noFill/>
+        </p:spPr>
+      </p:pic>
+      <p:pic>
+        <p:nvPicPr>
+          <p:cNvPr id="1032" name="Picture 8" descr="C:\python\cj_facerecog2\images\jung\jung4.jpg"/>
+          <p:cNvPicPr>
+            <a:picLocks noChangeAspect="1" noChangeArrowheads="1"/>
+          </p:cNvPicPr>
+          <p:nvPr/>
+        </p:nvPicPr>
+        <p:blipFill>
+          <a:blip r:embed="rId8" cstate="print"/>
+          <a:srcRect/>
+          <a:stretch>
+            <a:fillRect/>
+          </a:stretch>
+        </p:blipFill>
+        <p:spPr bwMode="auto">
+          <a:xfrm>
+            <a:off x="7524328" y="3645024"/>
+            <a:ext cx="504056" cy="897033"/>
+          </a:xfrm>
+          <a:prstGeom prst="rect">
+            <a:avLst/>
+          </a:prstGeom>
+          <a:noFill/>
+        </p:spPr>
+      </p:pic>
+      <p:pic>
+        <p:nvPicPr>
+          <p:cNvPr id="1033" name="Picture 9" descr="C:\python\cj_facerecog2\images\jung\jung.jpg"/>
+          <p:cNvPicPr>
+            <a:picLocks noChangeAspect="1" noChangeArrowheads="1"/>
+          </p:cNvPicPr>
+          <p:nvPr/>
+        </p:nvPicPr>
+        <p:blipFill>
+          <a:blip r:embed="rId9" cstate="print"/>
+          <a:srcRect/>
+          <a:stretch>
+            <a:fillRect/>
+          </a:stretch>
+        </p:blipFill>
+        <p:spPr bwMode="auto">
+          <a:xfrm>
+            <a:off x="7740352" y="4005064"/>
+            <a:ext cx="819472" cy="819472"/>
+          </a:xfrm>
+          <a:prstGeom prst="rect">
+            <a:avLst/>
+          </a:prstGeom>
+          <a:noFill/>
+        </p:spPr>
+      </p:pic>
+      <p:pic>
+        <p:nvPicPr>
+          <p:cNvPr id="1034" name="Picture 10" descr="C:\python\cj_facerecog2\images\jung\jung3.jpg"/>
+          <p:cNvPicPr>
+            <a:picLocks noChangeAspect="1" noChangeArrowheads="1"/>
+          </p:cNvPicPr>
+          <p:nvPr/>
+        </p:nvPicPr>
+        <p:blipFill>
+          <a:blip r:embed="rId10" cstate="print"/>
+          <a:srcRect/>
+          <a:stretch>
+            <a:fillRect/>
+          </a:stretch>
+        </p:blipFill>
+        <p:spPr bwMode="auto">
+          <a:xfrm>
+            <a:off x="8028384" y="4365104"/>
+            <a:ext cx="622017" cy="1106959"/>
+          </a:xfrm>
+          <a:prstGeom prst="rect">
+            <a:avLst/>
+          </a:prstGeom>
+          <a:noFill/>
+        </p:spPr>
+      </p:pic>
+      <p:sp>
+        <p:nvSpPr>
+          <p:cNvPr id="49" name="TextBox 48"/>
+          <p:cNvSpPr txBox="1"/>
+          <p:nvPr/>
+        </p:nvSpPr>
+        <p:spPr>
+          <a:xfrm>
+            <a:off x="2195736" y="3789040"/>
+            <a:ext cx="936104" cy="646331"/>
+          </a:xfrm>
+          <a:prstGeom prst="rect">
+            <a:avLst/>
+          </a:prstGeom>
+          <a:noFill/>
+          <a:ln>
+            <a:noFill/>
+          </a:ln>
+        </p:spPr>
+        <p:txBody>
+          <a:bodyPr wrap="square" rtlCol="0">
+            <a:spAutoFit/>
+          </a:bodyPr>
+          <a:lstStyle/>
+          <a:p>
+            <a:pPr algn="ctr"/>
+            <a:r>
+              <a:rPr lang="en-US" altLang="ko-KR" b="1" dirty="0" smtClean="0"/>
+              <a:t>MS AZURE</a:t>
+            </a:r>
+          </a:p>
+        </p:txBody>
+      </p:sp>
+      <p:cxnSp>
+        <p:nvCxnSpPr>
+          <p:cNvPr id="52" name="직선 화살표 연결선 51"/>
+          <p:cNvCxnSpPr>
+            <a:endCxn id="49" idx="3"/>
+          </p:cNvCxnSpPr>
+          <p:nvPr/>
+        </p:nvCxnSpPr>
+        <p:spPr>
+          <a:xfrm flipH="1">
+            <a:off x="3131840" y="2780928"/>
+            <a:ext cx="2304256" cy="1331278"/>
+          </a:xfrm>
+          <a:prstGeom prst="straightConnector1">
+            <a:avLst/>
+          </a:prstGeom>
+          <a:ln>
+            <a:tailEnd type="arrow"/>
+          </a:ln>
+        </p:spPr>
+        <p:style>
+          <a:lnRef idx="1">
+            <a:schemeClr val="accent1"/>
+          </a:lnRef>
+          <a:fillRef idx="0">
+            <a:schemeClr val="accent1"/>
+          </a:fillRef>
+          <a:effectRef idx="0">
+            <a:schemeClr val="accent1"/>
+          </a:effectRef>
+          <a:fontRef idx="minor">
+            <a:schemeClr val="tx1"/>
+          </a:fontRef>
+        </p:style>
+      </p:cxnSp>
+      <p:cxnSp>
+        <p:nvCxnSpPr>
+          <p:cNvPr id="54" name="직선 화살표 연결선 53"/>
+          <p:cNvCxnSpPr>
+            <a:endCxn id="49" idx="3"/>
+          </p:cNvCxnSpPr>
+          <p:nvPr/>
+        </p:nvCxnSpPr>
+        <p:spPr>
+          <a:xfrm flipH="1">
+            <a:off x="3131840" y="3356992"/>
+            <a:ext cx="864096" cy="755214"/>
+          </a:xfrm>
+          <a:prstGeom prst="straightConnector1">
+            <a:avLst/>
+          </a:prstGeom>
+          <a:ln>
+            <a:tailEnd type="arrow"/>
+          </a:ln>
+        </p:spPr>
+        <p:style>
+          <a:lnRef idx="1">
+            <a:schemeClr val="accent1"/>
+          </a:lnRef>
+          <a:fillRef idx="0">
+            <a:schemeClr val="accent1"/>
+          </a:fillRef>
+          <a:effectRef idx="0">
+            <a:schemeClr val="accent1"/>
+          </a:effectRef>
+          <a:fontRef idx="minor">
+            <a:schemeClr val="tx1"/>
+          </a:fontRef>
+        </p:style>
+      </p:cxnSp>
+      <p:cxnSp>
+        <p:nvCxnSpPr>
+          <p:cNvPr id="56" name="직선 화살표 연결선 55"/>
+          <p:cNvCxnSpPr>
+            <a:endCxn id="49" idx="3"/>
+          </p:cNvCxnSpPr>
+          <p:nvPr/>
+        </p:nvCxnSpPr>
+        <p:spPr>
+          <a:xfrm flipH="1">
+            <a:off x="3131840" y="4077072"/>
+            <a:ext cx="792088" cy="35134"/>
+          </a:xfrm>
+          <a:prstGeom prst="straightConnector1">
+            <a:avLst/>
+          </a:prstGeom>
+          <a:ln>
+            <a:tailEnd type="arrow"/>
+          </a:ln>
+        </p:spPr>
+        <p:style>
+          <a:lnRef idx="1">
+            <a:schemeClr val="accent1"/>
+          </a:lnRef>
+          <a:fillRef idx="0">
+            <a:schemeClr val="accent1"/>
+          </a:fillRef>
+          <a:effectRef idx="0">
+            <a:schemeClr val="accent1"/>
+          </a:effectRef>
+          <a:fontRef idx="minor">
+            <a:schemeClr val="tx1"/>
+          </a:fontRef>
+        </p:style>
+      </p:cxnSp>
+      <p:cxnSp>
+        <p:nvCxnSpPr>
+          <p:cNvPr id="62" name="직선 화살표 연결선 61"/>
+          <p:cNvCxnSpPr>
+            <a:stCxn id="49" idx="1"/>
+          </p:cNvCxnSpPr>
+          <p:nvPr/>
+        </p:nvCxnSpPr>
+        <p:spPr>
+          <a:xfrm flipH="1" flipV="1">
+            <a:off x="1403648" y="3356992"/>
+            <a:ext cx="792088" cy="755214"/>
+          </a:xfrm>
+          <a:prstGeom prst="straightConnector1">
+            <a:avLst/>
+          </a:prstGeom>
+          <a:ln>
+            <a:tailEnd type="arrow"/>
+          </a:ln>
+        </p:spPr>
+        <p:style>
+          <a:lnRef idx="1">
+            <a:schemeClr val="accent1"/>
+          </a:lnRef>
+          <a:fillRef idx="0">
+            <a:schemeClr val="accent1"/>
+          </a:fillRef>
+          <a:effectRef idx="0">
+            <a:schemeClr val="accent1"/>
+          </a:effectRef>
+          <a:fontRef idx="minor">
+            <a:schemeClr val="tx1"/>
+          </a:fontRef>
+        </p:style>
+      </p:cxnSp>
+      <p:cxnSp>
+        <p:nvCxnSpPr>
+          <p:cNvPr id="64" name="직선 화살표 연결선 63"/>
+          <p:cNvCxnSpPr>
+            <a:stCxn id="49" idx="1"/>
+          </p:cNvCxnSpPr>
+          <p:nvPr/>
+        </p:nvCxnSpPr>
+        <p:spPr>
+          <a:xfrm flipH="1" flipV="1">
+            <a:off x="1403648" y="3789040"/>
+            <a:ext cx="792088" cy="323166"/>
+          </a:xfrm>
+          <a:prstGeom prst="straightConnector1">
+            <a:avLst/>
+          </a:prstGeom>
+          <a:ln>
+            <a:tailEnd type="arrow"/>
+          </a:ln>
+        </p:spPr>
+        <p:style>
+          <a:lnRef idx="1">
+            <a:schemeClr val="accent1"/>
+          </a:lnRef>
+          <a:fillRef idx="0">
+            <a:schemeClr val="accent1"/>
+          </a:fillRef>
+          <a:effectRef idx="0">
+            <a:schemeClr val="accent1"/>
+          </a:effectRef>
+          <a:fontRef idx="minor">
+            <a:schemeClr val="tx1"/>
+          </a:fontRef>
+        </p:style>
+      </p:cxnSp>
+      <p:cxnSp>
+        <p:nvCxnSpPr>
+          <p:cNvPr id="66" name="직선 화살표 연결선 65"/>
+          <p:cNvCxnSpPr>
+            <a:stCxn id="49" idx="1"/>
+          </p:cNvCxnSpPr>
+          <p:nvPr/>
+        </p:nvCxnSpPr>
+        <p:spPr>
+          <a:xfrm flipH="1">
+            <a:off x="1331640" y="4112206"/>
+            <a:ext cx="864096" cy="108882"/>
+          </a:xfrm>
+          <a:prstGeom prst="straightConnector1">
+            <a:avLst/>
+          </a:prstGeom>
+          <a:ln>
+            <a:tailEnd type="arrow"/>
+          </a:ln>
+        </p:spPr>
+        <p:style>
+          <a:lnRef idx="1">
+            <a:schemeClr val="accent1"/>
+          </a:lnRef>
+          <a:fillRef idx="0">
+            <a:schemeClr val="accent1"/>
+          </a:fillRef>
+          <a:effectRef idx="0">
+            <a:schemeClr val="accent1"/>
+          </a:effectRef>
+          <a:fontRef idx="minor">
+            <a:schemeClr val="tx1"/>
+          </a:fontRef>
+        </p:style>
+      </p:cxnSp>
+      <p:cxnSp>
+        <p:nvCxnSpPr>
+          <p:cNvPr id="68" name="직선 화살표 연결선 67"/>
+          <p:cNvCxnSpPr>
+            <a:stCxn id="49" idx="1"/>
+          </p:cNvCxnSpPr>
+          <p:nvPr/>
+        </p:nvCxnSpPr>
+        <p:spPr>
+          <a:xfrm flipH="1">
+            <a:off x="1475656" y="4112206"/>
+            <a:ext cx="720080" cy="684946"/>
+          </a:xfrm>
+          <a:prstGeom prst="straightConnector1">
+            <a:avLst/>
+          </a:prstGeom>
+          <a:ln>
+            <a:tailEnd type="arrow"/>
+          </a:ln>
+        </p:spPr>
+        <p:style>
+          <a:lnRef idx="1">
+            <a:schemeClr val="accent1"/>
+          </a:lnRef>
+          <a:fillRef idx="0">
+            <a:schemeClr val="accent1"/>
+          </a:fillRef>
+          <a:effectRef idx="0">
+            <a:schemeClr val="accent1"/>
+          </a:effectRef>
+          <a:fontRef idx="minor">
+            <a:schemeClr val="tx1"/>
+          </a:fontRef>
+        </p:style>
+      </p:cxnSp>
+    </p:spTree>
+  </p:cSld>
+  <p:clrMapOvr>
+    <a:masterClrMapping/>
+  </p:clrMapOvr>
+</p:sld>
+</file>
+
+<file path=ppt/slides/slide6.xml><?xml version="1.0" encoding="utf-8"?>
+<p:sld xmlns:a="http://schemas.openxmlformats.org/drawingml/2006/main" xmlns:r="http://schemas.openxmlformats.org/officeDocument/2006/relationships" xmlns:p="http://schemas.openxmlformats.org/presentationml/2006/main">
+  <p:cSld>
+    <p:spTree>
+      <p:nvGrpSpPr>
+        <p:cNvPr id="1" name=""/>
+        <p:cNvGrpSpPr/>
+        <p:nvPr/>
+      </p:nvGrpSpPr>
+      <p:grpSpPr>
+        <a:xfrm>
+          <a:off x="0" y="0"/>
+          <a:ext cx="0" cy="0"/>
+          <a:chOff x="0" y="0"/>
+          <a:chExt cx="0" cy="0"/>
+        </a:xfrm>
+      </p:grpSpPr>
+      <p:sp>
+        <p:nvSpPr>
+          <p:cNvPr id="58" name="직사각형 57"/>
+          <p:cNvSpPr/>
+          <p:nvPr/>
+        </p:nvSpPr>
+        <p:spPr>
+          <a:xfrm>
+            <a:off x="2627784" y="2348880"/>
+            <a:ext cx="6408712" cy="4248472"/>
+          </a:xfrm>
+          <a:prstGeom prst="rect">
+            <a:avLst/>
+          </a:prstGeom>
+          <a:solidFill>
+            <a:schemeClr val="bg1"/>
+          </a:solidFill>
+          <a:ln w="3175">
+            <a:prstDash val="sysDash"/>
+          </a:ln>
+        </p:spPr>
+        <p:style>
+          <a:lnRef idx="2">
+            <a:schemeClr val="accent1">
+              <a:shade val="50000"/>
+            </a:schemeClr>
+          </a:lnRef>
+          <a:fillRef idx="1">
+            <a:schemeClr val="accent1"/>
+          </a:fillRef>
+          <a:effectRef idx="0">
+            <a:schemeClr val="accent1"/>
+          </a:effectRef>
+          <a:fontRef idx="minor">
+            <a:schemeClr val="lt1"/>
+          </a:fontRef>
+        </p:style>
+        <p:txBody>
+          <a:bodyPr rtlCol="0" anchor="ctr"/>
+          <a:lstStyle/>
+          <a:p>
+            <a:pPr algn="ctr"/>
+            <a:endParaRPr lang="ko-KR" altLang="en-US"/>
+          </a:p>
+        </p:txBody>
+      </p:sp>
+      <p:sp>
+        <p:nvSpPr>
+          <p:cNvPr id="21" name="TextBox 20"/>
+          <p:cNvSpPr txBox="1"/>
+          <p:nvPr/>
+        </p:nvSpPr>
+        <p:spPr>
+          <a:xfrm>
+            <a:off x="0" y="0"/>
+            <a:ext cx="2699792" cy="369332"/>
+          </a:xfrm>
+          <a:prstGeom prst="rect">
+            <a:avLst/>
+          </a:prstGeom>
+          <a:noFill/>
+        </p:spPr>
+        <p:txBody>
+          <a:bodyPr wrap="square" rtlCol="0">
+            <a:spAutoFit/>
+          </a:bodyPr>
+          <a:lstStyle/>
+          <a:p>
+            <a:r>
+              <a:rPr lang="ko-KR" altLang="en-US" dirty="0" smtClean="0"/>
+              <a:t>얼굴인식 및 인증 과정</a:t>
+            </a:r>
+            <a:endParaRPr lang="ko-KR" altLang="en-US" dirty="0"/>
+          </a:p>
+        </p:txBody>
+      </p:sp>
+      <p:sp>
+        <p:nvSpPr>
+          <p:cNvPr id="23" name="모서리가 둥근 직사각형 22"/>
+          <p:cNvSpPr/>
+          <p:nvPr/>
+        </p:nvSpPr>
+        <p:spPr>
+          <a:xfrm>
+            <a:off x="3635896" y="2564904"/>
+            <a:ext cx="5328592" cy="3672408"/>
+          </a:xfrm>
+          <a:prstGeom prst="roundRect">
+            <a:avLst>
+              <a:gd name="adj" fmla="val 7452"/>
+            </a:avLst>
+          </a:prstGeom>
+          <a:noFill/>
+          <a:ln>
+            <a:solidFill>
+              <a:srgbClr val="0070C0"/>
+            </a:solidFill>
+          </a:ln>
+        </p:spPr>
+        <p:style>
+          <a:lnRef idx="2">
+            <a:schemeClr val="accent1">
+              <a:shade val="50000"/>
+            </a:schemeClr>
+          </a:lnRef>
+          <a:fillRef idx="1">
+            <a:schemeClr val="accent1"/>
+          </a:fillRef>
+          <a:effectRef idx="0">
+            <a:schemeClr val="accent1"/>
+          </a:effectRef>
+          <a:fontRef idx="minor">
+            <a:schemeClr val="lt1"/>
+          </a:fontRef>
+        </p:style>
+        <p:txBody>
+          <a:bodyPr rtlCol="0" anchor="ctr"/>
+          <a:lstStyle/>
+          <a:p>
+            <a:pPr algn="ctr"/>
+            <a:r>
+              <a:rPr lang="en-US" altLang="ko-KR" dirty="0" smtClean="0">
+                <a:solidFill>
+                  <a:schemeClr val="tx2"/>
+                </a:solidFill>
+              </a:rPr>
+              <a:t>People Group</a:t>
+            </a:r>
+          </a:p>
+          <a:p>
+            <a:pPr algn="ctr"/>
+            <a:endParaRPr lang="en-US" altLang="ko-KR" dirty="0" smtClean="0"/>
+          </a:p>
+          <a:p>
+            <a:pPr algn="ctr"/>
+            <a:endParaRPr lang="en-US" altLang="ko-KR" dirty="0" smtClean="0"/>
+          </a:p>
+          <a:p>
+            <a:pPr algn="ctr"/>
+            <a:endParaRPr lang="en-US" altLang="ko-KR" dirty="0" smtClean="0"/>
+          </a:p>
+          <a:p>
+            <a:pPr algn="ctr"/>
+            <a:endParaRPr lang="en-US" altLang="ko-KR" dirty="0" smtClean="0"/>
+          </a:p>
+          <a:p>
+            <a:pPr algn="ctr"/>
+            <a:endParaRPr lang="en-US" altLang="ko-KR" dirty="0" smtClean="0"/>
+          </a:p>
+          <a:p>
+            <a:pPr algn="ctr"/>
+            <a:endParaRPr lang="en-US" altLang="ko-KR" dirty="0" smtClean="0"/>
+          </a:p>
+          <a:p>
+            <a:pPr algn="ctr"/>
+            <a:endParaRPr lang="en-US" altLang="ko-KR" dirty="0" smtClean="0"/>
+          </a:p>
+          <a:p>
+            <a:pPr algn="ctr"/>
+            <a:endParaRPr lang="en-US" altLang="ko-KR" dirty="0" smtClean="0"/>
+          </a:p>
+          <a:p>
+            <a:pPr algn="ctr"/>
+            <a:endParaRPr lang="en-US" altLang="ko-KR" dirty="0" smtClean="0"/>
+          </a:p>
+          <a:p>
+            <a:pPr algn="ctr"/>
+            <a:endParaRPr lang="en-US" altLang="ko-KR" dirty="0" smtClean="0"/>
+          </a:p>
+          <a:p>
+            <a:pPr algn="ctr"/>
+            <a:endParaRPr lang="en-US" altLang="ko-KR" dirty="0" smtClean="0"/>
+          </a:p>
+          <a:p>
+            <a:pPr algn="ctr"/>
+            <a:endParaRPr lang="ko-KR" altLang="en-US" dirty="0"/>
+          </a:p>
+        </p:txBody>
+      </p:sp>
+      <p:sp>
+        <p:nvSpPr>
+          <p:cNvPr id="24" name="모서리가 둥근 직사각형 23"/>
+          <p:cNvSpPr/>
+          <p:nvPr/>
+        </p:nvSpPr>
+        <p:spPr>
+          <a:xfrm>
+            <a:off x="3851920" y="3068960"/>
+            <a:ext cx="1512168" cy="2664296"/>
+          </a:xfrm>
+          <a:prstGeom prst="roundRect">
+            <a:avLst/>
+          </a:prstGeom>
+          <a:noFill/>
+        </p:spPr>
+        <p:style>
+          <a:lnRef idx="2">
+            <a:schemeClr val="accent1">
+              <a:shade val="50000"/>
+            </a:schemeClr>
+          </a:lnRef>
+          <a:fillRef idx="1">
+            <a:schemeClr val="accent1"/>
+          </a:fillRef>
+          <a:effectRef idx="0">
+            <a:schemeClr val="accent1"/>
+          </a:effectRef>
+          <a:fontRef idx="minor">
+            <a:schemeClr val="lt1"/>
+          </a:fontRef>
+        </p:style>
+        <p:txBody>
+          <a:bodyPr rtlCol="0" anchor="ctr"/>
+          <a:lstStyle/>
+          <a:p>
+            <a:pPr algn="ctr"/>
+            <a:r>
+              <a:rPr lang="en-US" altLang="ko-KR" sz="1400" dirty="0" smtClean="0">
+                <a:solidFill>
+                  <a:schemeClr val="tx2"/>
+                </a:solidFill>
+              </a:rPr>
+              <a:t>Person Group</a:t>
+            </a:r>
+          </a:p>
+          <a:p>
+            <a:pPr algn="ctr"/>
+            <a:endParaRPr lang="en-US" altLang="ko-KR" sz="1400" dirty="0" smtClean="0">
+              <a:solidFill>
+                <a:schemeClr val="tx2"/>
+              </a:solidFill>
+            </a:endParaRPr>
+          </a:p>
+          <a:p>
+            <a:pPr algn="ctr"/>
+            <a:endParaRPr lang="en-US" altLang="ko-KR" dirty="0" smtClean="0">
+              <a:solidFill>
+                <a:schemeClr val="tx2"/>
+              </a:solidFill>
+            </a:endParaRPr>
+          </a:p>
+          <a:p>
+            <a:pPr algn="ctr"/>
+            <a:endParaRPr lang="en-US" altLang="ko-KR" dirty="0" smtClean="0">
+              <a:solidFill>
+                <a:schemeClr val="tx2"/>
+              </a:solidFill>
+            </a:endParaRPr>
+          </a:p>
+          <a:p>
+            <a:pPr algn="ctr"/>
+            <a:endParaRPr lang="en-US" altLang="ko-KR" dirty="0" smtClean="0">
+              <a:solidFill>
+                <a:schemeClr val="tx2"/>
+              </a:solidFill>
+            </a:endParaRPr>
+          </a:p>
+          <a:p>
+            <a:pPr algn="ctr"/>
+            <a:endParaRPr lang="en-US" altLang="ko-KR" dirty="0" smtClean="0">
+              <a:solidFill>
+                <a:schemeClr val="tx2"/>
+              </a:solidFill>
+            </a:endParaRPr>
+          </a:p>
+          <a:p>
+            <a:pPr algn="ctr"/>
+            <a:endParaRPr lang="en-US" altLang="ko-KR" dirty="0" smtClean="0">
+              <a:solidFill>
+                <a:schemeClr val="tx2"/>
+              </a:solidFill>
+            </a:endParaRPr>
+          </a:p>
+          <a:p>
+            <a:pPr algn="ctr"/>
+            <a:endParaRPr lang="en-US" altLang="ko-KR" dirty="0" smtClean="0">
+              <a:solidFill>
+                <a:schemeClr val="tx2"/>
+              </a:solidFill>
+            </a:endParaRPr>
+          </a:p>
+          <a:p>
+            <a:pPr algn="ctr"/>
+            <a:endParaRPr lang="ko-KR" altLang="en-US" dirty="0">
+              <a:solidFill>
+                <a:schemeClr val="tx2"/>
+              </a:solidFill>
+            </a:endParaRPr>
+          </a:p>
+        </p:txBody>
+      </p:sp>
+      <p:sp>
+        <p:nvSpPr>
+          <p:cNvPr id="25" name="모서리가 둥근 직사각형 24"/>
+          <p:cNvSpPr/>
+          <p:nvPr/>
+        </p:nvSpPr>
+        <p:spPr>
+          <a:xfrm>
+            <a:off x="5580112" y="3068960"/>
+            <a:ext cx="1512168" cy="2664296"/>
+          </a:xfrm>
+          <a:prstGeom prst="roundRect">
+            <a:avLst/>
+          </a:prstGeom>
+          <a:noFill/>
+        </p:spPr>
+        <p:style>
+          <a:lnRef idx="2">
+            <a:schemeClr val="accent1">
+              <a:shade val="50000"/>
+            </a:schemeClr>
+          </a:lnRef>
+          <a:fillRef idx="1">
+            <a:schemeClr val="accent1"/>
+          </a:fillRef>
+          <a:effectRef idx="0">
+            <a:schemeClr val="accent1"/>
+          </a:effectRef>
+          <a:fontRef idx="minor">
+            <a:schemeClr val="lt1"/>
+          </a:fontRef>
+        </p:style>
+        <p:txBody>
+          <a:bodyPr rtlCol="0" anchor="ctr"/>
+          <a:lstStyle/>
+          <a:p>
+            <a:pPr algn="ctr"/>
+            <a:r>
+              <a:rPr lang="en-US" altLang="ko-KR" sz="1400" dirty="0" smtClean="0">
+                <a:solidFill>
+                  <a:schemeClr val="tx2"/>
+                </a:solidFill>
+              </a:rPr>
+              <a:t>Person Group</a:t>
+            </a:r>
+          </a:p>
+          <a:p>
+            <a:pPr algn="ctr"/>
+            <a:endParaRPr lang="en-US" altLang="ko-KR" sz="1400" dirty="0" smtClean="0">
+              <a:solidFill>
+                <a:schemeClr val="tx2"/>
+              </a:solidFill>
+            </a:endParaRPr>
+          </a:p>
+          <a:p>
+            <a:pPr algn="ctr"/>
+            <a:endParaRPr lang="en-US" altLang="ko-KR" dirty="0" smtClean="0">
+              <a:solidFill>
+                <a:schemeClr val="tx2"/>
+              </a:solidFill>
+            </a:endParaRPr>
+          </a:p>
+          <a:p>
+            <a:pPr algn="ctr"/>
+            <a:endParaRPr lang="en-US" altLang="ko-KR" dirty="0" smtClean="0">
+              <a:solidFill>
+                <a:schemeClr val="tx2"/>
+              </a:solidFill>
+            </a:endParaRPr>
+          </a:p>
+          <a:p>
+            <a:pPr algn="ctr"/>
+            <a:endParaRPr lang="en-US" altLang="ko-KR" dirty="0" smtClean="0">
+              <a:solidFill>
+                <a:schemeClr val="tx2"/>
+              </a:solidFill>
+            </a:endParaRPr>
+          </a:p>
+          <a:p>
+            <a:pPr algn="ctr"/>
+            <a:endParaRPr lang="en-US" altLang="ko-KR" dirty="0" smtClean="0">
+              <a:solidFill>
+                <a:schemeClr val="tx2"/>
+              </a:solidFill>
+            </a:endParaRPr>
+          </a:p>
+          <a:p>
+            <a:pPr algn="ctr"/>
+            <a:endParaRPr lang="en-US" altLang="ko-KR" dirty="0" smtClean="0">
+              <a:solidFill>
+                <a:schemeClr val="tx2"/>
+              </a:solidFill>
+            </a:endParaRPr>
+          </a:p>
+          <a:p>
+            <a:pPr algn="ctr"/>
+            <a:endParaRPr lang="en-US" altLang="ko-KR" dirty="0" smtClean="0">
+              <a:solidFill>
+                <a:schemeClr val="tx2"/>
+              </a:solidFill>
+            </a:endParaRPr>
+          </a:p>
+          <a:p>
+            <a:pPr algn="ctr"/>
+            <a:endParaRPr lang="ko-KR" altLang="en-US" dirty="0">
+              <a:solidFill>
+                <a:schemeClr val="tx2"/>
+              </a:solidFill>
+            </a:endParaRPr>
+          </a:p>
+        </p:txBody>
+      </p:sp>
+      <p:sp>
+        <p:nvSpPr>
+          <p:cNvPr id="26" name="모서리가 둥근 직사각형 25"/>
+          <p:cNvSpPr/>
+          <p:nvPr/>
+        </p:nvSpPr>
+        <p:spPr>
+          <a:xfrm>
+            <a:off x="7308304" y="3068960"/>
+            <a:ext cx="1512168" cy="2664296"/>
+          </a:xfrm>
+          <a:prstGeom prst="roundRect">
+            <a:avLst/>
+          </a:prstGeom>
+          <a:noFill/>
+        </p:spPr>
+        <p:style>
+          <a:lnRef idx="2">
+            <a:schemeClr val="accent1">
+              <a:shade val="50000"/>
+            </a:schemeClr>
+          </a:lnRef>
+          <a:fillRef idx="1">
+            <a:schemeClr val="accent1"/>
+          </a:fillRef>
+          <a:effectRef idx="0">
+            <a:schemeClr val="accent1"/>
+          </a:effectRef>
+          <a:fontRef idx="minor">
+            <a:schemeClr val="lt1"/>
+          </a:fontRef>
+        </p:style>
+        <p:txBody>
+          <a:bodyPr rtlCol="0" anchor="ctr"/>
+          <a:lstStyle/>
+          <a:p>
+            <a:pPr algn="ctr"/>
+            <a:r>
+              <a:rPr lang="en-US" altLang="ko-KR" sz="1400" dirty="0" smtClean="0">
+                <a:solidFill>
+                  <a:schemeClr val="tx2"/>
+                </a:solidFill>
+              </a:rPr>
+              <a:t>Person Group</a:t>
+            </a:r>
+          </a:p>
+          <a:p>
+            <a:pPr algn="ctr"/>
+            <a:endParaRPr lang="en-US" altLang="ko-KR" sz="1400" dirty="0" smtClean="0">
+              <a:solidFill>
+                <a:schemeClr val="tx2"/>
+              </a:solidFill>
+            </a:endParaRPr>
+          </a:p>
+          <a:p>
+            <a:pPr algn="ctr"/>
+            <a:endParaRPr lang="en-US" altLang="ko-KR" dirty="0" smtClean="0">
+              <a:solidFill>
+                <a:schemeClr val="tx2"/>
+              </a:solidFill>
+            </a:endParaRPr>
+          </a:p>
+          <a:p>
+            <a:pPr algn="ctr"/>
+            <a:endParaRPr lang="en-US" altLang="ko-KR" dirty="0" smtClean="0">
+              <a:solidFill>
+                <a:schemeClr val="tx2"/>
+              </a:solidFill>
+            </a:endParaRPr>
+          </a:p>
+          <a:p>
+            <a:pPr algn="ctr"/>
+            <a:endParaRPr lang="en-US" altLang="ko-KR" dirty="0" smtClean="0">
+              <a:solidFill>
+                <a:schemeClr val="tx2"/>
+              </a:solidFill>
+            </a:endParaRPr>
+          </a:p>
+          <a:p>
+            <a:pPr algn="ctr"/>
+            <a:endParaRPr lang="en-US" altLang="ko-KR" dirty="0" smtClean="0">
+              <a:solidFill>
+                <a:schemeClr val="tx2"/>
+              </a:solidFill>
+            </a:endParaRPr>
+          </a:p>
+          <a:p>
+            <a:pPr algn="ctr"/>
+            <a:endParaRPr lang="en-US" altLang="ko-KR" dirty="0" smtClean="0">
+              <a:solidFill>
+                <a:schemeClr val="tx2"/>
+              </a:solidFill>
+            </a:endParaRPr>
+          </a:p>
+          <a:p>
+            <a:pPr algn="ctr"/>
+            <a:endParaRPr lang="en-US" altLang="ko-KR" dirty="0" smtClean="0">
+              <a:solidFill>
+                <a:schemeClr val="tx2"/>
+              </a:solidFill>
+            </a:endParaRPr>
+          </a:p>
+          <a:p>
+            <a:pPr algn="ctr"/>
+            <a:endParaRPr lang="ko-KR" altLang="en-US" dirty="0">
+              <a:solidFill>
+                <a:schemeClr val="tx2"/>
+              </a:solidFill>
+            </a:endParaRPr>
+          </a:p>
+        </p:txBody>
+      </p:sp>
+      <p:pic>
+        <p:nvPicPr>
+          <p:cNvPr id="1026" name="Picture 2" descr="C:\Users\Administrator\Desktop\cj_biosemester\ryu\r1.jpg"/>
+          <p:cNvPicPr>
+            <a:picLocks noChangeAspect="1" noChangeArrowheads="1"/>
+          </p:cNvPicPr>
+          <p:nvPr/>
+        </p:nvPicPr>
+        <p:blipFill>
+          <a:blip r:embed="rId2" cstate="print"/>
+          <a:srcRect/>
+          <a:stretch>
+            <a:fillRect/>
+          </a:stretch>
+        </p:blipFill>
+        <p:spPr bwMode="auto">
+          <a:xfrm>
+            <a:off x="3995936" y="3645024"/>
+            <a:ext cx="646787" cy="808484"/>
+          </a:xfrm>
+          <a:prstGeom prst="rect">
+            <a:avLst/>
+          </a:prstGeom>
+          <a:noFill/>
+        </p:spPr>
+      </p:pic>
+      <p:pic>
+        <p:nvPicPr>
+          <p:cNvPr id="1027" name="Picture 3" descr="C:\Users\Administrator\Desktop\cj_biosemester\ryu\r2.jpg"/>
+          <p:cNvPicPr>
+            <a:picLocks noChangeAspect="1" noChangeArrowheads="1"/>
+          </p:cNvPicPr>
+          <p:nvPr/>
+        </p:nvPicPr>
+        <p:blipFill>
+          <a:blip r:embed="rId3" cstate="print"/>
+          <a:srcRect/>
+          <a:stretch>
+            <a:fillRect/>
+          </a:stretch>
+        </p:blipFill>
+        <p:spPr bwMode="auto">
+          <a:xfrm>
+            <a:off x="4139952" y="3933056"/>
+            <a:ext cx="596430" cy="896887"/>
+          </a:xfrm>
+          <a:prstGeom prst="rect">
+            <a:avLst/>
+          </a:prstGeom>
+          <a:noFill/>
+        </p:spPr>
+      </p:pic>
+      <p:pic>
+        <p:nvPicPr>
+          <p:cNvPr id="1028" name="Picture 4" descr="C:\Users\Administrator\Desktop\cj_biosemester\ryu\r3.jpg"/>
+          <p:cNvPicPr>
+            <a:picLocks noChangeAspect="1" noChangeArrowheads="1"/>
+          </p:cNvPicPr>
+          <p:nvPr/>
+        </p:nvPicPr>
+        <p:blipFill>
+          <a:blip r:embed="rId4" cstate="print"/>
+          <a:srcRect/>
+          <a:stretch>
+            <a:fillRect/>
+          </a:stretch>
+        </p:blipFill>
+        <p:spPr bwMode="auto">
+          <a:xfrm>
+            <a:off x="4355976" y="4437112"/>
+            <a:ext cx="864095" cy="576064"/>
+          </a:xfrm>
+          <a:prstGeom prst="rect">
+            <a:avLst/>
+          </a:prstGeom>
+          <a:noFill/>
+        </p:spPr>
+      </p:pic>
+      <p:pic>
+        <p:nvPicPr>
+          <p:cNvPr id="1029" name="Picture 5" descr="C:\Users\Administrator\Desktop\cj_biosemester\son\s4.jpg"/>
+          <p:cNvPicPr>
+            <a:picLocks noChangeAspect="1" noChangeArrowheads="1"/>
+          </p:cNvPicPr>
+          <p:nvPr/>
+        </p:nvPicPr>
+        <p:blipFill>
+          <a:blip r:embed="rId5" cstate="print"/>
+          <a:srcRect/>
+          <a:stretch>
+            <a:fillRect/>
+          </a:stretch>
+        </p:blipFill>
+        <p:spPr bwMode="auto">
+          <a:xfrm>
+            <a:off x="5724128" y="3645024"/>
+            <a:ext cx="560890" cy="752872"/>
+          </a:xfrm>
+          <a:prstGeom prst="rect">
+            <a:avLst/>
+          </a:prstGeom>
+          <a:noFill/>
+        </p:spPr>
+      </p:pic>
+      <p:pic>
+        <p:nvPicPr>
+          <p:cNvPr id="1030" name="Picture 6" descr="C:\Users\Administrator\Desktop\cj_biosemester\son\s2.jpg"/>
+          <p:cNvPicPr>
+            <a:picLocks noChangeAspect="1" noChangeArrowheads="1"/>
+          </p:cNvPicPr>
+          <p:nvPr/>
+        </p:nvPicPr>
+        <p:blipFill>
+          <a:blip r:embed="rId6" cstate="print"/>
+          <a:srcRect/>
+          <a:stretch>
+            <a:fillRect/>
+          </a:stretch>
+        </p:blipFill>
+        <p:spPr bwMode="auto">
+          <a:xfrm>
+            <a:off x="5868144" y="4005064"/>
+            <a:ext cx="1035085" cy="739924"/>
+          </a:xfrm>
+          <a:prstGeom prst="rect">
+            <a:avLst/>
+          </a:prstGeom>
+          <a:noFill/>
+        </p:spPr>
+      </p:pic>
+      <p:pic>
+        <p:nvPicPr>
+          <p:cNvPr id="1031" name="Picture 7" descr="C:\Users\Administrator\Desktop\cj_biosemester\son\s1.jpg"/>
+          <p:cNvPicPr>
+            <a:picLocks noChangeAspect="1" noChangeArrowheads="1"/>
+          </p:cNvPicPr>
+          <p:nvPr/>
+        </p:nvPicPr>
+        <p:blipFill>
+          <a:blip r:embed="rId7" cstate="print"/>
+          <a:srcRect/>
+          <a:stretch>
+            <a:fillRect/>
+          </a:stretch>
+        </p:blipFill>
+        <p:spPr bwMode="auto">
+          <a:xfrm>
+            <a:off x="6084168" y="4581128"/>
+            <a:ext cx="936104" cy="591618"/>
+          </a:xfrm>
+          <a:prstGeom prst="rect">
+            <a:avLst/>
+          </a:prstGeom>
+          <a:noFill/>
+        </p:spPr>
+      </p:pic>
+      <p:pic>
+        <p:nvPicPr>
+          <p:cNvPr id="1032" name="Picture 8" descr="C:\python\cj_facerecog2\images\jung\jung4.jpg"/>
+          <p:cNvPicPr>
+            <a:picLocks noChangeAspect="1" noChangeArrowheads="1"/>
+          </p:cNvPicPr>
+          <p:nvPr/>
+        </p:nvPicPr>
+        <p:blipFill>
+          <a:blip r:embed="rId8" cstate="print"/>
+          <a:srcRect/>
+          <a:stretch>
+            <a:fillRect/>
+          </a:stretch>
+        </p:blipFill>
+        <p:spPr bwMode="auto">
+          <a:xfrm>
+            <a:off x="7524328" y="3645024"/>
+            <a:ext cx="504056" cy="897033"/>
+          </a:xfrm>
+          <a:prstGeom prst="rect">
+            <a:avLst/>
+          </a:prstGeom>
+          <a:noFill/>
+        </p:spPr>
+      </p:pic>
+      <p:pic>
+        <p:nvPicPr>
+          <p:cNvPr id="1033" name="Picture 9" descr="C:\python\cj_facerecog2\images\jung\jung.jpg"/>
+          <p:cNvPicPr>
+            <a:picLocks noChangeAspect="1" noChangeArrowheads="1"/>
+          </p:cNvPicPr>
+          <p:nvPr/>
+        </p:nvPicPr>
+        <p:blipFill>
+          <a:blip r:embed="rId9" cstate="print"/>
+          <a:srcRect/>
+          <a:stretch>
+            <a:fillRect/>
+          </a:stretch>
+        </p:blipFill>
+        <p:spPr bwMode="auto">
+          <a:xfrm>
+            <a:off x="7740352" y="4005064"/>
+            <a:ext cx="819472" cy="819472"/>
+          </a:xfrm>
+          <a:prstGeom prst="rect">
+            <a:avLst/>
+          </a:prstGeom>
+          <a:noFill/>
+        </p:spPr>
+      </p:pic>
+      <p:pic>
+        <p:nvPicPr>
+          <p:cNvPr id="1034" name="Picture 10" descr="C:\python\cj_facerecog2\images\jung\jung3.jpg"/>
+          <p:cNvPicPr>
+            <a:picLocks noChangeAspect="1" noChangeArrowheads="1"/>
+          </p:cNvPicPr>
+          <p:nvPr/>
+        </p:nvPicPr>
+        <p:blipFill>
+          <a:blip r:embed="rId10" cstate="print"/>
+          <a:srcRect/>
+          <a:stretch>
+            <a:fillRect/>
+          </a:stretch>
+        </p:blipFill>
+        <p:spPr bwMode="auto">
+          <a:xfrm>
+            <a:off x="8028384" y="4365104"/>
+            <a:ext cx="622017" cy="1106959"/>
+          </a:xfrm>
+          <a:prstGeom prst="rect">
+            <a:avLst/>
+          </a:prstGeom>
+          <a:noFill/>
+        </p:spPr>
+      </p:pic>
+      <p:sp>
+        <p:nvSpPr>
+          <p:cNvPr id="49" name="TextBox 48"/>
+          <p:cNvSpPr txBox="1"/>
+          <p:nvPr/>
+        </p:nvSpPr>
+        <p:spPr>
+          <a:xfrm>
+            <a:off x="2195736" y="3789040"/>
+            <a:ext cx="936104" cy="646331"/>
+          </a:xfrm>
+          <a:prstGeom prst="rect">
+            <a:avLst/>
+          </a:prstGeom>
+          <a:noFill/>
+          <a:ln>
+            <a:noFill/>
+          </a:ln>
+        </p:spPr>
+        <p:txBody>
+          <a:bodyPr wrap="square" rtlCol="0">
+            <a:spAutoFit/>
+          </a:bodyPr>
+          <a:lstStyle/>
+          <a:p>
+            <a:pPr algn="ctr"/>
+            <a:r>
+              <a:rPr lang="en-US" altLang="ko-KR" b="1" dirty="0" smtClean="0"/>
+              <a:t>MS AZURE</a:t>
+            </a:r>
+          </a:p>
+        </p:txBody>
+      </p:sp>
+      <p:sp>
+        <p:nvSpPr>
+          <p:cNvPr id="37" name="TextBox 36"/>
+          <p:cNvSpPr txBox="1"/>
+          <p:nvPr/>
+        </p:nvSpPr>
+        <p:spPr>
+          <a:xfrm>
+            <a:off x="179512" y="620688"/>
+            <a:ext cx="1728192" cy="738664"/>
+          </a:xfrm>
+          <a:prstGeom prst="rect">
+            <a:avLst/>
+          </a:prstGeom>
+          <a:noFill/>
+        </p:spPr>
+        <p:txBody>
+          <a:bodyPr wrap="square" rtlCol="0">
+            <a:spAutoFit/>
+          </a:bodyPr>
+          <a:lstStyle/>
+          <a:p>
+            <a:r>
+              <a:rPr lang="ko-KR" altLang="en-US" sz="1400" dirty="0" smtClean="0"/>
+              <a:t>얼굴이미지 </a:t>
+            </a:r>
+            <a:r>
+              <a:rPr lang="en-US" altLang="ko-KR" sz="1400" dirty="0" smtClean="0"/>
+              <a:t>AZURE </a:t>
+            </a:r>
+            <a:r>
+              <a:rPr lang="ko-KR" altLang="en-US" sz="1400" dirty="0" err="1" smtClean="0"/>
+              <a:t>버킷에</a:t>
+            </a:r>
+            <a:r>
+              <a:rPr lang="ko-KR" altLang="en-US" sz="1400" dirty="0" smtClean="0"/>
+              <a:t> 데이터를 보낸다</a:t>
+            </a:r>
+            <a:r>
+              <a:rPr lang="en-US" altLang="ko-KR" sz="1400" dirty="0" smtClean="0"/>
+              <a:t>.</a:t>
+            </a:r>
+            <a:endParaRPr lang="ko-KR" altLang="en-US" sz="1400" dirty="0"/>
+          </a:p>
+        </p:txBody>
+      </p:sp>
+      <p:sp>
+        <p:nvSpPr>
+          <p:cNvPr id="38" name="오른쪽 화살표 37"/>
+          <p:cNvSpPr/>
+          <p:nvPr/>
+        </p:nvSpPr>
+        <p:spPr>
+          <a:xfrm>
+            <a:off x="1907704" y="620688"/>
+            <a:ext cx="432048" cy="720080"/>
+          </a:xfrm>
+          <a:prstGeom prst="rightArrow">
+            <a:avLst/>
+          </a:prstGeom>
+        </p:spPr>
+        <p:style>
+          <a:lnRef idx="2">
+            <a:schemeClr val="accent1">
+              <a:shade val="50000"/>
+            </a:schemeClr>
+          </a:lnRef>
+          <a:fillRef idx="1">
+            <a:schemeClr val="accent1"/>
+          </a:fillRef>
+          <a:effectRef idx="0">
+            <a:schemeClr val="accent1"/>
+          </a:effectRef>
+          <a:fontRef idx="minor">
+            <a:schemeClr val="lt1"/>
+          </a:fontRef>
+        </p:style>
+        <p:txBody>
+          <a:bodyPr rtlCol="0" anchor="ctr"/>
+          <a:lstStyle/>
+          <a:p>
+            <a:pPr algn="ctr"/>
+            <a:endParaRPr lang="ko-KR" altLang="en-US"/>
+          </a:p>
+        </p:txBody>
+      </p:sp>
+      <p:sp>
+        <p:nvSpPr>
+          <p:cNvPr id="40" name="TextBox 39"/>
+          <p:cNvSpPr txBox="1"/>
+          <p:nvPr/>
+        </p:nvSpPr>
+        <p:spPr>
+          <a:xfrm>
+            <a:off x="2555776" y="476672"/>
+            <a:ext cx="1872208" cy="1077218"/>
+          </a:xfrm>
+          <a:prstGeom prst="rect">
+            <a:avLst/>
+          </a:prstGeom>
+          <a:noFill/>
+        </p:spPr>
+        <p:txBody>
+          <a:bodyPr wrap="square" rtlCol="0">
+            <a:spAutoFit/>
+          </a:bodyPr>
+          <a:lstStyle/>
+          <a:p>
+            <a:r>
+              <a:rPr lang="en-US" altLang="ko-KR" sz="1600" dirty="0" smtClean="0"/>
+              <a:t>Face ID</a:t>
+            </a:r>
+          </a:p>
+          <a:p>
+            <a:r>
+              <a:rPr lang="en-US" altLang="ko-KR" sz="1600" dirty="0" smtClean="0"/>
+              <a:t>Rectangle information</a:t>
+            </a:r>
+            <a:r>
+              <a:rPr lang="ko-KR" altLang="en-US" sz="1600" dirty="0" smtClean="0"/>
+              <a:t>정보를 받는다</a:t>
+            </a:r>
+            <a:r>
+              <a:rPr lang="en-US" altLang="ko-KR" sz="1600" dirty="0" smtClean="0"/>
+              <a:t>. </a:t>
+            </a:r>
+            <a:endParaRPr lang="ko-KR" altLang="en-US" sz="1600" dirty="0"/>
+          </a:p>
+        </p:txBody>
+      </p:sp>
+      <p:sp>
+        <p:nvSpPr>
+          <p:cNvPr id="41" name="오른쪽 화살표 40"/>
+          <p:cNvSpPr/>
+          <p:nvPr/>
+        </p:nvSpPr>
+        <p:spPr>
+          <a:xfrm>
+            <a:off x="4427984" y="620688"/>
+            <a:ext cx="432048" cy="720080"/>
+          </a:xfrm>
+          <a:prstGeom prst="rightArrow">
+            <a:avLst/>
+          </a:prstGeom>
+        </p:spPr>
+        <p:style>
+          <a:lnRef idx="2">
+            <a:schemeClr val="accent1">
+              <a:shade val="50000"/>
+            </a:schemeClr>
+          </a:lnRef>
+          <a:fillRef idx="1">
+            <a:schemeClr val="accent1"/>
+          </a:fillRef>
+          <a:effectRef idx="0">
+            <a:schemeClr val="accent1"/>
+          </a:effectRef>
+          <a:fontRef idx="minor">
+            <a:schemeClr val="lt1"/>
+          </a:fontRef>
+        </p:style>
+        <p:txBody>
+          <a:bodyPr rtlCol="0" anchor="ctr"/>
+          <a:lstStyle/>
+          <a:p>
+            <a:pPr algn="ctr"/>
+            <a:endParaRPr lang="ko-KR" altLang="en-US"/>
+          </a:p>
+        </p:txBody>
+      </p:sp>
+      <p:sp>
+        <p:nvSpPr>
+          <p:cNvPr id="47" name="오른쪽 대괄호 46"/>
+          <p:cNvSpPr/>
+          <p:nvPr/>
+        </p:nvSpPr>
+        <p:spPr>
+          <a:xfrm rot="5400000">
+            <a:off x="2051720" y="404664"/>
+            <a:ext cx="216024" cy="2520280"/>
+          </a:xfrm>
+          <a:prstGeom prst="rightBracket">
+            <a:avLst/>
+          </a:prstGeom>
+          <a:ln w="28575"/>
+        </p:spPr>
+        <p:style>
+          <a:lnRef idx="1">
+            <a:schemeClr val="accent1"/>
+          </a:lnRef>
+          <a:fillRef idx="0">
+            <a:schemeClr val="accent1"/>
+          </a:fillRef>
+          <a:effectRef idx="0">
+            <a:schemeClr val="accent1"/>
+          </a:effectRef>
+          <a:fontRef idx="minor">
+            <a:schemeClr val="tx1"/>
+          </a:fontRef>
+        </p:style>
+        <p:txBody>
+          <a:bodyPr rtlCol="0" anchor="ctr"/>
+          <a:lstStyle/>
+          <a:p>
+            <a:pPr algn="ctr"/>
+            <a:endParaRPr lang="ko-KR" altLang="en-US"/>
+          </a:p>
+        </p:txBody>
+      </p:sp>
+      <p:sp>
+        <p:nvSpPr>
+          <p:cNvPr id="48" name="TextBox 47"/>
+          <p:cNvSpPr txBox="1"/>
+          <p:nvPr/>
+        </p:nvSpPr>
+        <p:spPr>
+          <a:xfrm>
+            <a:off x="1619672" y="1772816"/>
+            <a:ext cx="936104" cy="646331"/>
+          </a:xfrm>
+          <a:prstGeom prst="rect">
+            <a:avLst/>
+          </a:prstGeom>
+          <a:noFill/>
+        </p:spPr>
+        <p:txBody>
+          <a:bodyPr wrap="square" rtlCol="0">
+            <a:spAutoFit/>
+          </a:bodyPr>
+          <a:lstStyle/>
+          <a:p>
+            <a:r>
+              <a:rPr lang="en-US" altLang="ko-KR" dirty="0" smtClean="0"/>
+              <a:t>Detect</a:t>
+            </a:r>
+          </a:p>
+          <a:p>
+            <a:endParaRPr lang="ko-KR" altLang="en-US" dirty="0"/>
+          </a:p>
+        </p:txBody>
+      </p:sp>
+      <p:sp>
+        <p:nvSpPr>
+          <p:cNvPr id="51" name="TextBox 50"/>
+          <p:cNvSpPr txBox="1"/>
+          <p:nvPr/>
+        </p:nvSpPr>
+        <p:spPr>
+          <a:xfrm>
+            <a:off x="5004048" y="476672"/>
+            <a:ext cx="1656184" cy="1323439"/>
+          </a:xfrm>
+          <a:prstGeom prst="rect">
+            <a:avLst/>
+          </a:prstGeom>
+          <a:noFill/>
+        </p:spPr>
+        <p:txBody>
+          <a:bodyPr wrap="square" rtlCol="0">
+            <a:spAutoFit/>
+          </a:bodyPr>
+          <a:lstStyle/>
+          <a:p>
+            <a:r>
+              <a:rPr lang="en-US" altLang="ko-KR" sz="1600" dirty="0" smtClean="0"/>
+              <a:t>People group ID , </a:t>
+            </a:r>
+            <a:r>
+              <a:rPr lang="en-US" altLang="ko-KR" sz="1600" dirty="0" err="1" smtClean="0"/>
+              <a:t>faceID</a:t>
+            </a:r>
+            <a:r>
+              <a:rPr lang="ko-KR" altLang="en-US" sz="1600" dirty="0" smtClean="0"/>
+              <a:t>를 </a:t>
+            </a:r>
+            <a:r>
+              <a:rPr lang="en-US" altLang="ko-KR" sz="1600" dirty="0" smtClean="0"/>
+              <a:t>Identify API</a:t>
+            </a:r>
+            <a:r>
+              <a:rPr lang="ko-KR" altLang="en-US" sz="1600" dirty="0" smtClean="0"/>
+              <a:t>를 이용해 </a:t>
+            </a:r>
+            <a:r>
+              <a:rPr lang="en-US" altLang="ko-KR" sz="1600" dirty="0" smtClean="0"/>
+              <a:t>AZURE </a:t>
+            </a:r>
+            <a:r>
+              <a:rPr lang="ko-KR" altLang="en-US" sz="1600" dirty="0" err="1" smtClean="0"/>
+              <a:t>버킷에</a:t>
+            </a:r>
+            <a:r>
+              <a:rPr lang="ko-KR" altLang="en-US" sz="1600" dirty="0" smtClean="0"/>
+              <a:t> 보낸다</a:t>
+            </a:r>
+            <a:r>
+              <a:rPr lang="en-US" altLang="ko-KR" sz="1600" dirty="0" smtClean="0"/>
+              <a:t>.</a:t>
+            </a:r>
+          </a:p>
+        </p:txBody>
+      </p:sp>
+      <p:sp>
+        <p:nvSpPr>
+          <p:cNvPr id="53" name="오른쪽 화살표 52"/>
+          <p:cNvSpPr/>
+          <p:nvPr/>
+        </p:nvSpPr>
+        <p:spPr>
+          <a:xfrm>
+            <a:off x="6660232" y="620688"/>
+            <a:ext cx="432048" cy="720080"/>
+          </a:xfrm>
+          <a:prstGeom prst="rightArrow">
+            <a:avLst/>
+          </a:prstGeom>
+        </p:spPr>
+        <p:style>
+          <a:lnRef idx="2">
+            <a:schemeClr val="accent1">
+              <a:shade val="50000"/>
+            </a:schemeClr>
+          </a:lnRef>
+          <a:fillRef idx="1">
+            <a:schemeClr val="accent1"/>
+          </a:fillRef>
+          <a:effectRef idx="0">
+            <a:schemeClr val="accent1"/>
+          </a:effectRef>
+          <a:fontRef idx="minor">
+            <a:schemeClr val="lt1"/>
+          </a:fontRef>
+        </p:style>
+        <p:txBody>
+          <a:bodyPr rtlCol="0" anchor="ctr"/>
+          <a:lstStyle/>
+          <a:p>
+            <a:pPr algn="ctr"/>
+            <a:endParaRPr lang="ko-KR" altLang="en-US"/>
+          </a:p>
+        </p:txBody>
+      </p:sp>
+      <p:sp>
+        <p:nvSpPr>
+          <p:cNvPr id="55" name="TextBox 54"/>
+          <p:cNvSpPr txBox="1"/>
+          <p:nvPr/>
+        </p:nvSpPr>
+        <p:spPr>
+          <a:xfrm>
+            <a:off x="7236296" y="548680"/>
+            <a:ext cx="1656184" cy="1107996"/>
+          </a:xfrm>
+          <a:prstGeom prst="rect">
+            <a:avLst/>
+          </a:prstGeom>
+          <a:noFill/>
+        </p:spPr>
+        <p:txBody>
+          <a:bodyPr wrap="square" rtlCol="0">
+            <a:spAutoFit/>
+          </a:bodyPr>
+          <a:lstStyle/>
+          <a:p>
+            <a:r>
+              <a:rPr lang="ko-KR" altLang="en-US" sz="1600" dirty="0" smtClean="0"/>
+              <a:t>해당 그룹에서 </a:t>
+            </a:r>
+            <a:r>
+              <a:rPr lang="en-US" altLang="ko-KR" sz="1600" dirty="0" err="1" smtClean="0"/>
+              <a:t>faceID</a:t>
+            </a:r>
+            <a:r>
+              <a:rPr lang="ko-KR" altLang="en-US" sz="1600" dirty="0" smtClean="0"/>
+              <a:t>에 가장 유사한 </a:t>
+            </a:r>
+            <a:r>
+              <a:rPr lang="en-US" altLang="ko-KR" sz="1600" dirty="0" smtClean="0"/>
+              <a:t>person</a:t>
+            </a:r>
+            <a:r>
+              <a:rPr lang="ko-KR" altLang="en-US" sz="1600" dirty="0" smtClean="0"/>
+              <a:t>을 찾는다</a:t>
+            </a:r>
+            <a:r>
+              <a:rPr lang="en-US" altLang="ko-KR" dirty="0" smtClean="0"/>
+              <a:t>. </a:t>
+            </a:r>
+            <a:endParaRPr lang="ko-KR" altLang="en-US" dirty="0"/>
+          </a:p>
+        </p:txBody>
+      </p:sp>
+      <p:sp>
+        <p:nvSpPr>
+          <p:cNvPr id="57" name="TextBox 56"/>
+          <p:cNvSpPr txBox="1"/>
+          <p:nvPr/>
+        </p:nvSpPr>
+        <p:spPr>
+          <a:xfrm>
+            <a:off x="107504" y="2348880"/>
+            <a:ext cx="2160240" cy="584775"/>
+          </a:xfrm>
+          <a:prstGeom prst="rect">
+            <a:avLst/>
+          </a:prstGeom>
+          <a:noFill/>
+        </p:spPr>
+        <p:txBody>
+          <a:bodyPr wrap="square" rtlCol="0">
+            <a:spAutoFit/>
+          </a:bodyPr>
+          <a:lstStyle/>
+          <a:p>
+            <a:r>
+              <a:rPr lang="en-US" altLang="ko-KR" sz="1600" dirty="0" err="1" smtClean="0"/>
+              <a:t>personID</a:t>
+            </a:r>
+            <a:r>
+              <a:rPr lang="ko-KR" altLang="en-US" sz="1600" dirty="0" smtClean="0"/>
+              <a:t>와 신뢰도를 제공한다</a:t>
+            </a:r>
+            <a:r>
+              <a:rPr lang="en-US" altLang="ko-KR" sz="1600" dirty="0" smtClean="0"/>
+              <a:t>. </a:t>
+            </a:r>
+            <a:endParaRPr lang="ko-KR" altLang="en-US" sz="1600" dirty="0"/>
+          </a:p>
+        </p:txBody>
+      </p:sp>
+      <p:sp>
+        <p:nvSpPr>
+          <p:cNvPr id="59" name="TextBox 58"/>
+          <p:cNvSpPr txBox="1"/>
+          <p:nvPr/>
+        </p:nvSpPr>
+        <p:spPr>
+          <a:xfrm>
+            <a:off x="251520" y="4581128"/>
+            <a:ext cx="1512168" cy="646331"/>
+          </a:xfrm>
+          <a:prstGeom prst="rect">
+            <a:avLst/>
+          </a:prstGeom>
+          <a:noFill/>
+        </p:spPr>
+        <p:txBody>
+          <a:bodyPr wrap="square" rtlCol="0">
+            <a:spAutoFit/>
+          </a:bodyPr>
+          <a:lstStyle/>
+          <a:p>
+            <a:pPr algn="ctr"/>
+            <a:r>
+              <a:rPr lang="en-US" altLang="ko-KR" dirty="0" err="1" smtClean="0"/>
+              <a:t>personID</a:t>
+            </a:r>
+            <a:r>
+              <a:rPr lang="en-US" altLang="ko-KR" dirty="0" smtClean="0"/>
+              <a:t> </a:t>
+            </a:r>
+          </a:p>
+          <a:p>
+            <a:pPr algn="ctr"/>
+            <a:r>
+              <a:rPr lang="en-US" altLang="ko-KR" dirty="0" smtClean="0"/>
+              <a:t>Confidence</a:t>
+            </a:r>
+            <a:endParaRPr lang="ko-KR" altLang="en-US" dirty="0"/>
+          </a:p>
+        </p:txBody>
+      </p:sp>
+      <p:cxnSp>
+        <p:nvCxnSpPr>
+          <p:cNvPr id="65" name="직선 화살표 연결선 64"/>
+          <p:cNvCxnSpPr>
+            <a:endCxn id="59" idx="3"/>
+          </p:cNvCxnSpPr>
+          <p:nvPr/>
+        </p:nvCxnSpPr>
+        <p:spPr>
+          <a:xfrm flipH="1">
+            <a:off x="1763688" y="4437112"/>
+            <a:ext cx="504056" cy="467182"/>
+          </a:xfrm>
+          <a:prstGeom prst="straightConnector1">
+            <a:avLst/>
+          </a:prstGeom>
+          <a:ln>
+            <a:tailEnd type="arrow"/>
+          </a:ln>
+        </p:spPr>
+        <p:style>
+          <a:lnRef idx="1">
+            <a:schemeClr val="accent1"/>
+          </a:lnRef>
+          <a:fillRef idx="0">
+            <a:schemeClr val="accent1"/>
+          </a:fillRef>
+          <a:effectRef idx="0">
+            <a:schemeClr val="accent1"/>
+          </a:effectRef>
+          <a:fontRef idx="minor">
+            <a:schemeClr val="tx1"/>
+          </a:fontRef>
+        </p:style>
+      </p:cxnSp>
+      <p:sp>
+        <p:nvSpPr>
+          <p:cNvPr id="69" name="TextBox 68"/>
+          <p:cNvSpPr txBox="1"/>
+          <p:nvPr/>
+        </p:nvSpPr>
+        <p:spPr>
+          <a:xfrm>
+            <a:off x="683568" y="3284984"/>
+            <a:ext cx="1080120" cy="369332"/>
+          </a:xfrm>
+          <a:prstGeom prst="rect">
+            <a:avLst/>
+          </a:prstGeom>
+          <a:noFill/>
+        </p:spPr>
+        <p:txBody>
+          <a:bodyPr wrap="square" rtlCol="0">
+            <a:spAutoFit/>
+          </a:bodyPr>
+          <a:lstStyle/>
+          <a:p>
+            <a:r>
+              <a:rPr lang="ko-KR" altLang="en-US" dirty="0" smtClean="0"/>
+              <a:t>이미지</a:t>
+            </a:r>
+            <a:endParaRPr lang="ko-KR" altLang="en-US" dirty="0"/>
+          </a:p>
+        </p:txBody>
+      </p:sp>
+      <p:cxnSp>
+        <p:nvCxnSpPr>
+          <p:cNvPr id="71" name="직선 화살표 연결선 70"/>
+          <p:cNvCxnSpPr>
+            <a:stCxn id="69" idx="3"/>
+          </p:cNvCxnSpPr>
+          <p:nvPr/>
+        </p:nvCxnSpPr>
+        <p:spPr>
+          <a:xfrm>
+            <a:off x="1763688" y="3469650"/>
+            <a:ext cx="576064" cy="463406"/>
+          </a:xfrm>
+          <a:prstGeom prst="straightConnector1">
+            <a:avLst/>
+          </a:prstGeom>
+          <a:ln>
+            <a:tailEnd type="arrow"/>
+          </a:ln>
+        </p:spPr>
+        <p:style>
+          <a:lnRef idx="1">
+            <a:schemeClr val="accent1"/>
+          </a:lnRef>
+          <a:fillRef idx="0">
+            <a:schemeClr val="accent1"/>
+          </a:fillRef>
+          <a:effectRef idx="0">
+            <a:schemeClr val="accent1"/>
+          </a:effectRef>
+          <a:fontRef idx="minor">
+            <a:schemeClr val="tx1"/>
+          </a:fontRef>
+        </p:style>
+      </p:cxnSp>
     </p:spTree>
   </p:cSld>
   <p:clrMapOvr>
